--- a/images/2023/画图.pptx
+++ b/images/2023/画图.pptx
@@ -6,6 +6,7 @@
   </p:sldMasterIdLst>
   <p:sldIdLst>
     <p:sldId id="256" r:id="rId2"/>
+    <p:sldId id="257" r:id="rId3"/>
   </p:sldIdLst>
   <p:sldSz cx="12192000" cy="6858000"/>
   <p:notesSz cx="6858000" cy="9144000"/>
@@ -241,7 +242,7 @@
           <a:p>
             <a:fld id="{D997B5FA-0921-464F-AAE1-844C04324D75}" type="datetimeFigureOut">
               <a:rPr lang="zh-CN" altLang="en-US" smtClean="0"/>
-              <a:t>2023/2/22</a:t>
+              <a:t>2023/3/2</a:t>
             </a:fld>
             <a:endParaRPr lang="zh-CN" altLang="en-US"/>
           </a:p>
@@ -409,7 +410,7 @@
           <a:p>
             <a:fld id="{D997B5FA-0921-464F-AAE1-844C04324D75}" type="datetimeFigureOut">
               <a:rPr lang="zh-CN" altLang="en-US" smtClean="0"/>
-              <a:t>2023/2/22</a:t>
+              <a:t>2023/3/2</a:t>
             </a:fld>
             <a:endParaRPr lang="zh-CN" altLang="en-US"/>
           </a:p>
@@ -587,7 +588,7 @@
           <a:p>
             <a:fld id="{D997B5FA-0921-464F-AAE1-844C04324D75}" type="datetimeFigureOut">
               <a:rPr lang="zh-CN" altLang="en-US" smtClean="0"/>
-              <a:t>2023/2/22</a:t>
+              <a:t>2023/3/2</a:t>
             </a:fld>
             <a:endParaRPr lang="zh-CN" altLang="en-US"/>
           </a:p>
@@ -755,7 +756,7 @@
           <a:p>
             <a:fld id="{D997B5FA-0921-464F-AAE1-844C04324D75}" type="datetimeFigureOut">
               <a:rPr lang="zh-CN" altLang="en-US" smtClean="0"/>
-              <a:t>2023/2/22</a:t>
+              <a:t>2023/3/2</a:t>
             </a:fld>
             <a:endParaRPr lang="zh-CN" altLang="en-US"/>
           </a:p>
@@ -1000,7 +1001,7 @@
           <a:p>
             <a:fld id="{D997B5FA-0921-464F-AAE1-844C04324D75}" type="datetimeFigureOut">
               <a:rPr lang="zh-CN" altLang="en-US" smtClean="0"/>
-              <a:t>2023/2/22</a:t>
+              <a:t>2023/3/2</a:t>
             </a:fld>
             <a:endParaRPr lang="zh-CN" altLang="en-US"/>
           </a:p>
@@ -1229,7 +1230,7 @@
           <a:p>
             <a:fld id="{D997B5FA-0921-464F-AAE1-844C04324D75}" type="datetimeFigureOut">
               <a:rPr lang="zh-CN" altLang="en-US" smtClean="0"/>
-              <a:t>2023/2/22</a:t>
+              <a:t>2023/3/2</a:t>
             </a:fld>
             <a:endParaRPr lang="zh-CN" altLang="en-US"/>
           </a:p>
@@ -1593,7 +1594,7 @@
           <a:p>
             <a:fld id="{D997B5FA-0921-464F-AAE1-844C04324D75}" type="datetimeFigureOut">
               <a:rPr lang="zh-CN" altLang="en-US" smtClean="0"/>
-              <a:t>2023/2/22</a:t>
+              <a:t>2023/3/2</a:t>
             </a:fld>
             <a:endParaRPr lang="zh-CN" altLang="en-US"/>
           </a:p>
@@ -1710,7 +1711,7 @@
           <a:p>
             <a:fld id="{D997B5FA-0921-464F-AAE1-844C04324D75}" type="datetimeFigureOut">
               <a:rPr lang="zh-CN" altLang="en-US" smtClean="0"/>
-              <a:t>2023/2/22</a:t>
+              <a:t>2023/3/2</a:t>
             </a:fld>
             <a:endParaRPr lang="zh-CN" altLang="en-US"/>
           </a:p>
@@ -1805,7 +1806,7 @@
           <a:p>
             <a:fld id="{D997B5FA-0921-464F-AAE1-844C04324D75}" type="datetimeFigureOut">
               <a:rPr lang="zh-CN" altLang="en-US" smtClean="0"/>
-              <a:t>2023/2/22</a:t>
+              <a:t>2023/3/2</a:t>
             </a:fld>
             <a:endParaRPr lang="zh-CN" altLang="en-US"/>
           </a:p>
@@ -2080,7 +2081,7 @@
           <a:p>
             <a:fld id="{D997B5FA-0921-464F-AAE1-844C04324D75}" type="datetimeFigureOut">
               <a:rPr lang="zh-CN" altLang="en-US" smtClean="0"/>
-              <a:t>2023/2/22</a:t>
+              <a:t>2023/3/2</a:t>
             </a:fld>
             <a:endParaRPr lang="zh-CN" altLang="en-US"/>
           </a:p>
@@ -2332,7 +2333,7 @@
           <a:p>
             <a:fld id="{D997B5FA-0921-464F-AAE1-844C04324D75}" type="datetimeFigureOut">
               <a:rPr lang="zh-CN" altLang="en-US" smtClean="0"/>
-              <a:t>2023/2/22</a:t>
+              <a:t>2023/3/2</a:t>
             </a:fld>
             <a:endParaRPr lang="zh-CN" altLang="en-US"/>
           </a:p>
@@ -2543,7 +2544,7 @@
           <a:p>
             <a:fld id="{D997B5FA-0921-464F-AAE1-844C04324D75}" type="datetimeFigureOut">
               <a:rPr lang="zh-CN" altLang="en-US" smtClean="0"/>
-              <a:t>2023/2/22</a:t>
+              <a:t>2023/3/2</a:t>
             </a:fld>
             <a:endParaRPr lang="zh-CN" altLang="en-US"/>
           </a:p>
@@ -4220,6 +4221,1084 @@
 </p:sld>
 </file>
 
+<file path=ppt/slides/slide2.xml><?xml version="1.0" encoding="utf-8"?>
+<p:sld xmlns:a="http://schemas.openxmlformats.org/drawingml/2006/main" xmlns:r="http://schemas.openxmlformats.org/officeDocument/2006/relationships" xmlns:p="http://schemas.openxmlformats.org/presentationml/2006/main">
+  <p:cSld>
+    <p:spTree>
+      <p:nvGrpSpPr>
+        <p:cNvPr id="1" name=""/>
+        <p:cNvGrpSpPr/>
+        <p:nvPr/>
+      </p:nvGrpSpPr>
+      <p:grpSpPr>
+        <a:xfrm>
+          <a:off x="0" y="0"/>
+          <a:ext cx="0" cy="0"/>
+          <a:chOff x="0" y="0"/>
+          <a:chExt cx="0" cy="0"/>
+        </a:xfrm>
+      </p:grpSpPr>
+      <p:pic>
+        <p:nvPicPr>
+          <p:cNvPr id="4" name="图片 3">
+            <a:extLst>
+              <a:ext uri="{FF2B5EF4-FFF2-40B4-BE49-F238E27FC236}">
+                <a16:creationId xmlns:a16="http://schemas.microsoft.com/office/drawing/2014/main" id="{FAA49ED7-42CA-B5ED-433B-BDCF8CC01443}"/>
+              </a:ext>
+            </a:extLst>
+          </p:cNvPr>
+          <p:cNvPicPr>
+            <a:picLocks noChangeAspect="1"/>
+          </p:cNvPicPr>
+          <p:nvPr/>
+        </p:nvPicPr>
+        <p:blipFill>
+          <a:blip r:embed="rId2"/>
+          <a:stretch>
+            <a:fillRect/>
+          </a:stretch>
+        </p:blipFill>
+        <p:spPr>
+          <a:xfrm>
+            <a:off x="864269" y="1349541"/>
+            <a:ext cx="4762500" cy="3810000"/>
+          </a:xfrm>
+          <a:prstGeom prst="rect">
+            <a:avLst/>
+          </a:prstGeom>
+        </p:spPr>
+      </p:pic>
+      <p:cxnSp>
+        <p:nvCxnSpPr>
+          <p:cNvPr id="8" name="直接箭头连接符 7">
+            <a:extLst>
+              <a:ext uri="{FF2B5EF4-FFF2-40B4-BE49-F238E27FC236}">
+                <a16:creationId xmlns:a16="http://schemas.microsoft.com/office/drawing/2014/main" id="{A0027D82-2327-841D-177E-6C100FD9B696}"/>
+              </a:ext>
+            </a:extLst>
+          </p:cNvPr>
+          <p:cNvCxnSpPr/>
+          <p:nvPr/>
+        </p:nvCxnSpPr>
+        <p:spPr>
+          <a:xfrm flipV="1">
+            <a:off x="6882063" y="1712494"/>
+            <a:ext cx="0" cy="2628900"/>
+          </a:xfrm>
+          <a:prstGeom prst="straightConnector1">
+            <a:avLst/>
+          </a:prstGeom>
+          <a:ln w="19050">
+            <a:tailEnd type="triangle"/>
+          </a:ln>
+        </p:spPr>
+        <p:style>
+          <a:lnRef idx="1">
+            <a:schemeClr val="dk1"/>
+          </a:lnRef>
+          <a:fillRef idx="0">
+            <a:schemeClr val="dk1"/>
+          </a:fillRef>
+          <a:effectRef idx="0">
+            <a:schemeClr val="dk1"/>
+          </a:effectRef>
+          <a:fontRef idx="minor">
+            <a:schemeClr val="tx1"/>
+          </a:fontRef>
+        </p:style>
+      </p:cxnSp>
+      <p:cxnSp>
+        <p:nvCxnSpPr>
+          <p:cNvPr id="9" name="直接箭头连接符 8">
+            <a:extLst>
+              <a:ext uri="{FF2B5EF4-FFF2-40B4-BE49-F238E27FC236}">
+                <a16:creationId xmlns:a16="http://schemas.microsoft.com/office/drawing/2014/main" id="{2CE5FF2B-5E42-E169-723C-9882ADFE93E1}"/>
+              </a:ext>
+            </a:extLst>
+          </p:cNvPr>
+          <p:cNvCxnSpPr>
+            <a:cxnSpLocks/>
+          </p:cNvCxnSpPr>
+          <p:nvPr/>
+        </p:nvCxnSpPr>
+        <p:spPr>
+          <a:xfrm>
+            <a:off x="6882063" y="4339388"/>
+            <a:ext cx="3663616" cy="0"/>
+          </a:xfrm>
+          <a:prstGeom prst="straightConnector1">
+            <a:avLst/>
+          </a:prstGeom>
+          <a:ln w="19050">
+            <a:tailEnd type="triangle"/>
+          </a:ln>
+        </p:spPr>
+        <p:style>
+          <a:lnRef idx="1">
+            <a:schemeClr val="dk1"/>
+          </a:lnRef>
+          <a:fillRef idx="0">
+            <a:schemeClr val="dk1"/>
+          </a:fillRef>
+          <a:effectRef idx="0">
+            <a:schemeClr val="dk1"/>
+          </a:effectRef>
+          <a:fontRef idx="minor">
+            <a:schemeClr val="tx1"/>
+          </a:fontRef>
+        </p:style>
+      </p:cxnSp>
+      <p:cxnSp>
+        <p:nvCxnSpPr>
+          <p:cNvPr id="13" name="直接连接符 12">
+            <a:extLst>
+              <a:ext uri="{FF2B5EF4-FFF2-40B4-BE49-F238E27FC236}">
+                <a16:creationId xmlns:a16="http://schemas.microsoft.com/office/drawing/2014/main" id="{703FAE14-7F46-4F88-3B73-A94C46197293}"/>
+              </a:ext>
+            </a:extLst>
+          </p:cNvPr>
+          <p:cNvCxnSpPr>
+            <a:cxnSpLocks/>
+          </p:cNvCxnSpPr>
+          <p:nvPr/>
+        </p:nvCxnSpPr>
+        <p:spPr>
+          <a:xfrm>
+            <a:off x="6882063" y="3579395"/>
+            <a:ext cx="3663616" cy="0"/>
+          </a:xfrm>
+          <a:prstGeom prst="line">
+            <a:avLst/>
+          </a:prstGeom>
+          <a:ln w="12700">
+            <a:prstDash val="dash"/>
+          </a:ln>
+        </p:spPr>
+        <p:style>
+          <a:lnRef idx="1">
+            <a:schemeClr val="accent1"/>
+          </a:lnRef>
+          <a:fillRef idx="0">
+            <a:schemeClr val="accent1"/>
+          </a:fillRef>
+          <a:effectRef idx="0">
+            <a:schemeClr val="accent1"/>
+          </a:effectRef>
+          <a:fontRef idx="minor">
+            <a:schemeClr val="tx1"/>
+          </a:fontRef>
+        </p:style>
+      </p:cxnSp>
+      <p:sp>
+        <p:nvSpPr>
+          <p:cNvPr id="17" name="任意多边形: 形状 16">
+            <a:extLst>
+              <a:ext uri="{FF2B5EF4-FFF2-40B4-BE49-F238E27FC236}">
+                <a16:creationId xmlns:a16="http://schemas.microsoft.com/office/drawing/2014/main" id="{C6657117-1C48-7AFF-7C9A-115CFBEBC16F}"/>
+              </a:ext>
+            </a:extLst>
+          </p:cNvPr>
+          <p:cNvSpPr/>
+          <p:nvPr/>
+        </p:nvSpPr>
+        <p:spPr>
+          <a:xfrm>
+            <a:off x="6882063" y="1913026"/>
+            <a:ext cx="3561348" cy="2424351"/>
+          </a:xfrm>
+          <a:custGeom>
+            <a:avLst/>
+            <a:gdLst>
+              <a:gd name="connsiteX0" fmla="*/ 0 w 3255366"/>
+              <a:gd name="connsiteY0" fmla="*/ 2117558 h 2117558"/>
+              <a:gd name="connsiteX1" fmla="*/ 1040731 w 3255366"/>
+              <a:gd name="connsiteY1" fmla="*/ 1985211 h 2117558"/>
+              <a:gd name="connsiteX2" fmla="*/ 1690436 w 3255366"/>
+              <a:gd name="connsiteY2" fmla="*/ 1654342 h 2117558"/>
+              <a:gd name="connsiteX3" fmla="*/ 2213810 w 3255366"/>
+              <a:gd name="connsiteY3" fmla="*/ 1389648 h 2117558"/>
+              <a:gd name="connsiteX4" fmla="*/ 2532647 w 3255366"/>
+              <a:gd name="connsiteY4" fmla="*/ 1191127 h 2117558"/>
+              <a:gd name="connsiteX5" fmla="*/ 2803357 w 3255366"/>
+              <a:gd name="connsiteY5" fmla="*/ 956511 h 2117558"/>
+              <a:gd name="connsiteX6" fmla="*/ 2845468 w 3255366"/>
+              <a:gd name="connsiteY6" fmla="*/ 896353 h 2117558"/>
+              <a:gd name="connsiteX7" fmla="*/ 2905626 w 3255366"/>
+              <a:gd name="connsiteY7" fmla="*/ 830179 h 2117558"/>
+              <a:gd name="connsiteX8" fmla="*/ 2977815 w 3255366"/>
+              <a:gd name="connsiteY8" fmla="*/ 739942 h 2117558"/>
+              <a:gd name="connsiteX9" fmla="*/ 3068052 w 3255366"/>
+              <a:gd name="connsiteY9" fmla="*/ 625642 h 2117558"/>
+              <a:gd name="connsiteX10" fmla="*/ 3152273 w 3255366"/>
+              <a:gd name="connsiteY10" fmla="*/ 403058 h 2117558"/>
+              <a:gd name="connsiteX11" fmla="*/ 3242510 w 3255366"/>
+              <a:gd name="connsiteY11" fmla="*/ 90237 h 2117558"/>
+              <a:gd name="connsiteX12" fmla="*/ 3254542 w 3255366"/>
+              <a:gd name="connsiteY12" fmla="*/ 42111 h 2117558"/>
+              <a:gd name="connsiteX13" fmla="*/ 3254542 w 3255366"/>
+              <a:gd name="connsiteY13" fmla="*/ 0 h 2117558"/>
+            </a:gdLst>
+            <a:ahLst/>
+            <a:cxnLst>
+              <a:cxn ang="0">
+                <a:pos x="connsiteX0" y="connsiteY0"/>
+              </a:cxn>
+              <a:cxn ang="0">
+                <a:pos x="connsiteX1" y="connsiteY1"/>
+              </a:cxn>
+              <a:cxn ang="0">
+                <a:pos x="connsiteX2" y="connsiteY2"/>
+              </a:cxn>
+              <a:cxn ang="0">
+                <a:pos x="connsiteX3" y="connsiteY3"/>
+              </a:cxn>
+              <a:cxn ang="0">
+                <a:pos x="connsiteX4" y="connsiteY4"/>
+              </a:cxn>
+              <a:cxn ang="0">
+                <a:pos x="connsiteX5" y="connsiteY5"/>
+              </a:cxn>
+              <a:cxn ang="0">
+                <a:pos x="connsiteX6" y="connsiteY6"/>
+              </a:cxn>
+              <a:cxn ang="0">
+                <a:pos x="connsiteX7" y="connsiteY7"/>
+              </a:cxn>
+              <a:cxn ang="0">
+                <a:pos x="connsiteX8" y="connsiteY8"/>
+              </a:cxn>
+              <a:cxn ang="0">
+                <a:pos x="connsiteX9" y="connsiteY9"/>
+              </a:cxn>
+              <a:cxn ang="0">
+                <a:pos x="connsiteX10" y="connsiteY10"/>
+              </a:cxn>
+              <a:cxn ang="0">
+                <a:pos x="connsiteX11" y="connsiteY11"/>
+              </a:cxn>
+              <a:cxn ang="0">
+                <a:pos x="connsiteX12" y="connsiteY12"/>
+              </a:cxn>
+              <a:cxn ang="0">
+                <a:pos x="connsiteX13" y="connsiteY13"/>
+              </a:cxn>
+            </a:cxnLst>
+            <a:rect l="l" t="t" r="r" b="b"/>
+            <a:pathLst>
+              <a:path w="3255366" h="2117558">
+                <a:moveTo>
+                  <a:pt x="0" y="2117558"/>
+                </a:moveTo>
+                <a:cubicBezTo>
+                  <a:pt x="275535" y="2089495"/>
+                  <a:pt x="742154" y="2056431"/>
+                  <a:pt x="1040731" y="1985211"/>
+                </a:cubicBezTo>
+                <a:cubicBezTo>
+                  <a:pt x="1379048" y="1904511"/>
+                  <a:pt x="1339413" y="1849613"/>
+                  <a:pt x="1690436" y="1654342"/>
+                </a:cubicBezTo>
+                <a:cubicBezTo>
+                  <a:pt x="1861281" y="1559303"/>
+                  <a:pt x="2042509" y="1483863"/>
+                  <a:pt x="2213810" y="1389648"/>
+                </a:cubicBezTo>
+                <a:cubicBezTo>
+                  <a:pt x="2323509" y="1329314"/>
+                  <a:pt x="2428878" y="1261171"/>
+                  <a:pt x="2532647" y="1191127"/>
+                </a:cubicBezTo>
+                <a:cubicBezTo>
+                  <a:pt x="2631734" y="1124243"/>
+                  <a:pt x="2723696" y="1045731"/>
+                  <a:pt x="2803357" y="956511"/>
+                </a:cubicBezTo>
+                <a:cubicBezTo>
+                  <a:pt x="2819659" y="938252"/>
+                  <a:pt x="2830067" y="915378"/>
+                  <a:pt x="2845468" y="896353"/>
+                </a:cubicBezTo>
+                <a:cubicBezTo>
+                  <a:pt x="2864225" y="873183"/>
+                  <a:pt x="2886370" y="852936"/>
+                  <a:pt x="2905626" y="830179"/>
+                </a:cubicBezTo>
+                <a:cubicBezTo>
+                  <a:pt x="2930507" y="800773"/>
+                  <a:pt x="2952638" y="769095"/>
+                  <a:pt x="2977815" y="739942"/>
+                </a:cubicBezTo>
+                <a:cubicBezTo>
+                  <a:pt x="3033317" y="675677"/>
+                  <a:pt x="3019199" y="716834"/>
+                  <a:pt x="3068052" y="625642"/>
+                </a:cubicBezTo>
+                <a:cubicBezTo>
+                  <a:pt x="3101466" y="563269"/>
+                  <a:pt x="3132664" y="468126"/>
+                  <a:pt x="3152273" y="403058"/>
+                </a:cubicBezTo>
+                <a:cubicBezTo>
+                  <a:pt x="3183588" y="299149"/>
+                  <a:pt x="3216188" y="195522"/>
+                  <a:pt x="3242510" y="90237"/>
+                </a:cubicBezTo>
+                <a:cubicBezTo>
+                  <a:pt x="3246521" y="74195"/>
+                  <a:pt x="3252357" y="58502"/>
+                  <a:pt x="3254542" y="42111"/>
+                </a:cubicBezTo>
+                <a:cubicBezTo>
+                  <a:pt x="3256397" y="28197"/>
+                  <a:pt x="3254542" y="14037"/>
+                  <a:pt x="3254542" y="0"/>
+                </a:cubicBezTo>
+              </a:path>
+            </a:pathLst>
+          </a:custGeom>
+          <a:noFill/>
+        </p:spPr>
+        <p:style>
+          <a:lnRef idx="2">
+            <a:schemeClr val="accent1">
+              <a:shade val="50000"/>
+            </a:schemeClr>
+          </a:lnRef>
+          <a:fillRef idx="1">
+            <a:schemeClr val="accent1"/>
+          </a:fillRef>
+          <a:effectRef idx="0">
+            <a:schemeClr val="accent1"/>
+          </a:effectRef>
+          <a:fontRef idx="minor">
+            <a:schemeClr val="lt1"/>
+          </a:fontRef>
+        </p:style>
+        <p:txBody>
+          <a:bodyPr rtlCol="0" anchor="ctr"/>
+          <a:lstStyle/>
+          <a:p>
+            <a:pPr algn="ctr"/>
+            <a:endParaRPr lang="zh-CN" altLang="en-US"/>
+          </a:p>
+        </p:txBody>
+      </p:sp>
+      <p:sp>
+        <p:nvSpPr>
+          <p:cNvPr id="19" name="任意多边形: 形状 18">
+            <a:extLst>
+              <a:ext uri="{FF2B5EF4-FFF2-40B4-BE49-F238E27FC236}">
+                <a16:creationId xmlns:a16="http://schemas.microsoft.com/office/drawing/2014/main" id="{72BB368A-BC4E-C75F-7058-64113DB56F15}"/>
+              </a:ext>
+            </a:extLst>
+          </p:cNvPr>
+          <p:cNvSpPr/>
+          <p:nvPr/>
+        </p:nvSpPr>
+        <p:spPr>
+          <a:xfrm>
+            <a:off x="6924174" y="3645568"/>
+            <a:ext cx="3519237" cy="697832"/>
+          </a:xfrm>
+          <a:custGeom>
+            <a:avLst/>
+            <a:gdLst>
+              <a:gd name="connsiteX0" fmla="*/ 0 w 3717758"/>
+              <a:gd name="connsiteY0" fmla="*/ 697832 h 697832"/>
+              <a:gd name="connsiteX1" fmla="*/ 138363 w 3717758"/>
+              <a:gd name="connsiteY1" fmla="*/ 661737 h 697832"/>
+              <a:gd name="connsiteX2" fmla="*/ 240631 w 3717758"/>
+              <a:gd name="connsiteY2" fmla="*/ 649706 h 697832"/>
+              <a:gd name="connsiteX3" fmla="*/ 312821 w 3717758"/>
+              <a:gd name="connsiteY3" fmla="*/ 637674 h 697832"/>
+              <a:gd name="connsiteX4" fmla="*/ 433137 w 3717758"/>
+              <a:gd name="connsiteY4" fmla="*/ 619627 h 697832"/>
+              <a:gd name="connsiteX5" fmla="*/ 499310 w 3717758"/>
+              <a:gd name="connsiteY5" fmla="*/ 613611 h 697832"/>
+              <a:gd name="connsiteX6" fmla="*/ 679784 w 3717758"/>
+              <a:gd name="connsiteY6" fmla="*/ 589548 h 697832"/>
+              <a:gd name="connsiteX7" fmla="*/ 751973 w 3717758"/>
+              <a:gd name="connsiteY7" fmla="*/ 571500 h 697832"/>
+              <a:gd name="connsiteX8" fmla="*/ 830179 w 3717758"/>
+              <a:gd name="connsiteY8" fmla="*/ 565485 h 697832"/>
+              <a:gd name="connsiteX9" fmla="*/ 980573 w 3717758"/>
+              <a:gd name="connsiteY9" fmla="*/ 547437 h 697832"/>
+              <a:gd name="connsiteX10" fmla="*/ 1100889 w 3717758"/>
+              <a:gd name="connsiteY10" fmla="*/ 511343 h 697832"/>
+              <a:gd name="connsiteX11" fmla="*/ 1155031 w 3717758"/>
+              <a:gd name="connsiteY11" fmla="*/ 493295 h 697832"/>
+              <a:gd name="connsiteX12" fmla="*/ 1227221 w 3717758"/>
+              <a:gd name="connsiteY12" fmla="*/ 487279 h 697832"/>
+              <a:gd name="connsiteX13" fmla="*/ 1305426 w 3717758"/>
+              <a:gd name="connsiteY13" fmla="*/ 445169 h 697832"/>
+              <a:gd name="connsiteX14" fmla="*/ 1353552 w 3717758"/>
+              <a:gd name="connsiteY14" fmla="*/ 439153 h 697832"/>
+              <a:gd name="connsiteX15" fmla="*/ 1383631 w 3717758"/>
+              <a:gd name="connsiteY15" fmla="*/ 433137 h 697832"/>
+              <a:gd name="connsiteX16" fmla="*/ 1425742 w 3717758"/>
+              <a:gd name="connsiteY16" fmla="*/ 415090 h 697832"/>
+              <a:gd name="connsiteX17" fmla="*/ 1461837 w 3717758"/>
+              <a:gd name="connsiteY17" fmla="*/ 403058 h 697832"/>
+              <a:gd name="connsiteX18" fmla="*/ 1552073 w 3717758"/>
+              <a:gd name="connsiteY18" fmla="*/ 366964 h 697832"/>
+              <a:gd name="connsiteX19" fmla="*/ 1594184 w 3717758"/>
+              <a:gd name="connsiteY19" fmla="*/ 342900 h 697832"/>
+              <a:gd name="connsiteX20" fmla="*/ 1630279 w 3717758"/>
+              <a:gd name="connsiteY20" fmla="*/ 324853 h 697832"/>
+              <a:gd name="connsiteX21" fmla="*/ 1690437 w 3717758"/>
+              <a:gd name="connsiteY21" fmla="*/ 276727 h 697832"/>
+              <a:gd name="connsiteX22" fmla="*/ 1762626 w 3717758"/>
+              <a:gd name="connsiteY22" fmla="*/ 192506 h 697832"/>
+              <a:gd name="connsiteX23" fmla="*/ 1925052 w 3717758"/>
+              <a:gd name="connsiteY23" fmla="*/ 126332 h 697832"/>
+              <a:gd name="connsiteX24" fmla="*/ 2045368 w 3717758"/>
+              <a:gd name="connsiteY24" fmla="*/ 60158 h 697832"/>
+              <a:gd name="connsiteX25" fmla="*/ 2195763 w 3717758"/>
+              <a:gd name="connsiteY25" fmla="*/ 36095 h 697832"/>
+              <a:gd name="connsiteX26" fmla="*/ 2310063 w 3717758"/>
+              <a:gd name="connsiteY26" fmla="*/ 18048 h 697832"/>
+              <a:gd name="connsiteX27" fmla="*/ 2358189 w 3717758"/>
+              <a:gd name="connsiteY27" fmla="*/ 6016 h 697832"/>
+              <a:gd name="connsiteX28" fmla="*/ 2406315 w 3717758"/>
+              <a:gd name="connsiteY28" fmla="*/ 0 h 697832"/>
+              <a:gd name="connsiteX29" fmla="*/ 2743200 w 3717758"/>
+              <a:gd name="connsiteY29" fmla="*/ 6016 h 697832"/>
+              <a:gd name="connsiteX30" fmla="*/ 2809373 w 3717758"/>
+              <a:gd name="connsiteY30" fmla="*/ 30079 h 697832"/>
+              <a:gd name="connsiteX31" fmla="*/ 2839452 w 3717758"/>
+              <a:gd name="connsiteY31" fmla="*/ 36095 h 697832"/>
+              <a:gd name="connsiteX32" fmla="*/ 2899610 w 3717758"/>
+              <a:gd name="connsiteY32" fmla="*/ 60158 h 697832"/>
+              <a:gd name="connsiteX33" fmla="*/ 2935705 w 3717758"/>
+              <a:gd name="connsiteY33" fmla="*/ 72190 h 697832"/>
+              <a:gd name="connsiteX34" fmla="*/ 2959768 w 3717758"/>
+              <a:gd name="connsiteY34" fmla="*/ 90237 h 697832"/>
+              <a:gd name="connsiteX35" fmla="*/ 3019926 w 3717758"/>
+              <a:gd name="connsiteY35" fmla="*/ 108285 h 697832"/>
+              <a:gd name="connsiteX36" fmla="*/ 3056021 w 3717758"/>
+              <a:gd name="connsiteY36" fmla="*/ 120316 h 697832"/>
+              <a:gd name="connsiteX37" fmla="*/ 3122194 w 3717758"/>
+              <a:gd name="connsiteY37" fmla="*/ 144379 h 697832"/>
+              <a:gd name="connsiteX38" fmla="*/ 3164305 w 3717758"/>
+              <a:gd name="connsiteY38" fmla="*/ 168443 h 697832"/>
+              <a:gd name="connsiteX39" fmla="*/ 3380873 w 3717758"/>
+              <a:gd name="connsiteY39" fmla="*/ 186490 h 697832"/>
+              <a:gd name="connsiteX40" fmla="*/ 3435015 w 3717758"/>
+              <a:gd name="connsiteY40" fmla="*/ 204537 h 697832"/>
+              <a:gd name="connsiteX41" fmla="*/ 3465094 w 3717758"/>
+              <a:gd name="connsiteY41" fmla="*/ 210553 h 697832"/>
+              <a:gd name="connsiteX42" fmla="*/ 3519237 w 3717758"/>
+              <a:gd name="connsiteY42" fmla="*/ 228600 h 697832"/>
+              <a:gd name="connsiteX43" fmla="*/ 3585410 w 3717758"/>
+              <a:gd name="connsiteY43" fmla="*/ 252664 h 697832"/>
+              <a:gd name="connsiteX44" fmla="*/ 3627521 w 3717758"/>
+              <a:gd name="connsiteY44" fmla="*/ 258679 h 697832"/>
+              <a:gd name="connsiteX45" fmla="*/ 3669631 w 3717758"/>
+              <a:gd name="connsiteY45" fmla="*/ 276727 h 697832"/>
+              <a:gd name="connsiteX46" fmla="*/ 3717758 w 3717758"/>
+              <a:gd name="connsiteY46" fmla="*/ 282743 h 697832"/>
+            </a:gdLst>
+            <a:ahLst/>
+            <a:cxnLst>
+              <a:cxn ang="0">
+                <a:pos x="connsiteX0" y="connsiteY0"/>
+              </a:cxn>
+              <a:cxn ang="0">
+                <a:pos x="connsiteX1" y="connsiteY1"/>
+              </a:cxn>
+              <a:cxn ang="0">
+                <a:pos x="connsiteX2" y="connsiteY2"/>
+              </a:cxn>
+              <a:cxn ang="0">
+                <a:pos x="connsiteX3" y="connsiteY3"/>
+              </a:cxn>
+              <a:cxn ang="0">
+                <a:pos x="connsiteX4" y="connsiteY4"/>
+              </a:cxn>
+              <a:cxn ang="0">
+                <a:pos x="connsiteX5" y="connsiteY5"/>
+              </a:cxn>
+              <a:cxn ang="0">
+                <a:pos x="connsiteX6" y="connsiteY6"/>
+              </a:cxn>
+              <a:cxn ang="0">
+                <a:pos x="connsiteX7" y="connsiteY7"/>
+              </a:cxn>
+              <a:cxn ang="0">
+                <a:pos x="connsiteX8" y="connsiteY8"/>
+              </a:cxn>
+              <a:cxn ang="0">
+                <a:pos x="connsiteX9" y="connsiteY9"/>
+              </a:cxn>
+              <a:cxn ang="0">
+                <a:pos x="connsiteX10" y="connsiteY10"/>
+              </a:cxn>
+              <a:cxn ang="0">
+                <a:pos x="connsiteX11" y="connsiteY11"/>
+              </a:cxn>
+              <a:cxn ang="0">
+                <a:pos x="connsiteX12" y="connsiteY12"/>
+              </a:cxn>
+              <a:cxn ang="0">
+                <a:pos x="connsiteX13" y="connsiteY13"/>
+              </a:cxn>
+              <a:cxn ang="0">
+                <a:pos x="connsiteX14" y="connsiteY14"/>
+              </a:cxn>
+              <a:cxn ang="0">
+                <a:pos x="connsiteX15" y="connsiteY15"/>
+              </a:cxn>
+              <a:cxn ang="0">
+                <a:pos x="connsiteX16" y="connsiteY16"/>
+              </a:cxn>
+              <a:cxn ang="0">
+                <a:pos x="connsiteX17" y="connsiteY17"/>
+              </a:cxn>
+              <a:cxn ang="0">
+                <a:pos x="connsiteX18" y="connsiteY18"/>
+              </a:cxn>
+              <a:cxn ang="0">
+                <a:pos x="connsiteX19" y="connsiteY19"/>
+              </a:cxn>
+              <a:cxn ang="0">
+                <a:pos x="connsiteX20" y="connsiteY20"/>
+              </a:cxn>
+              <a:cxn ang="0">
+                <a:pos x="connsiteX21" y="connsiteY21"/>
+              </a:cxn>
+              <a:cxn ang="0">
+                <a:pos x="connsiteX22" y="connsiteY22"/>
+              </a:cxn>
+              <a:cxn ang="0">
+                <a:pos x="connsiteX23" y="connsiteY23"/>
+              </a:cxn>
+              <a:cxn ang="0">
+                <a:pos x="connsiteX24" y="connsiteY24"/>
+              </a:cxn>
+              <a:cxn ang="0">
+                <a:pos x="connsiteX25" y="connsiteY25"/>
+              </a:cxn>
+              <a:cxn ang="0">
+                <a:pos x="connsiteX26" y="connsiteY26"/>
+              </a:cxn>
+              <a:cxn ang="0">
+                <a:pos x="connsiteX27" y="connsiteY27"/>
+              </a:cxn>
+              <a:cxn ang="0">
+                <a:pos x="connsiteX28" y="connsiteY28"/>
+              </a:cxn>
+              <a:cxn ang="0">
+                <a:pos x="connsiteX29" y="connsiteY29"/>
+              </a:cxn>
+              <a:cxn ang="0">
+                <a:pos x="connsiteX30" y="connsiteY30"/>
+              </a:cxn>
+              <a:cxn ang="0">
+                <a:pos x="connsiteX31" y="connsiteY31"/>
+              </a:cxn>
+              <a:cxn ang="0">
+                <a:pos x="connsiteX32" y="connsiteY32"/>
+              </a:cxn>
+              <a:cxn ang="0">
+                <a:pos x="connsiteX33" y="connsiteY33"/>
+              </a:cxn>
+              <a:cxn ang="0">
+                <a:pos x="connsiteX34" y="connsiteY34"/>
+              </a:cxn>
+              <a:cxn ang="0">
+                <a:pos x="connsiteX35" y="connsiteY35"/>
+              </a:cxn>
+              <a:cxn ang="0">
+                <a:pos x="connsiteX36" y="connsiteY36"/>
+              </a:cxn>
+              <a:cxn ang="0">
+                <a:pos x="connsiteX37" y="connsiteY37"/>
+              </a:cxn>
+              <a:cxn ang="0">
+                <a:pos x="connsiteX38" y="connsiteY38"/>
+              </a:cxn>
+              <a:cxn ang="0">
+                <a:pos x="connsiteX39" y="connsiteY39"/>
+              </a:cxn>
+              <a:cxn ang="0">
+                <a:pos x="connsiteX40" y="connsiteY40"/>
+              </a:cxn>
+              <a:cxn ang="0">
+                <a:pos x="connsiteX41" y="connsiteY41"/>
+              </a:cxn>
+              <a:cxn ang="0">
+                <a:pos x="connsiteX42" y="connsiteY42"/>
+              </a:cxn>
+              <a:cxn ang="0">
+                <a:pos x="connsiteX43" y="connsiteY43"/>
+              </a:cxn>
+              <a:cxn ang="0">
+                <a:pos x="connsiteX44" y="connsiteY44"/>
+              </a:cxn>
+              <a:cxn ang="0">
+                <a:pos x="connsiteX45" y="connsiteY45"/>
+              </a:cxn>
+              <a:cxn ang="0">
+                <a:pos x="connsiteX46" y="connsiteY46"/>
+              </a:cxn>
+            </a:cxnLst>
+            <a:rect l="l" t="t" r="r" b="b"/>
+            <a:pathLst>
+              <a:path w="3717758" h="697832">
+                <a:moveTo>
+                  <a:pt x="0" y="697832"/>
+                </a:moveTo>
+                <a:cubicBezTo>
+                  <a:pt x="56698" y="675152"/>
+                  <a:pt x="45942" y="677580"/>
+                  <a:pt x="138363" y="661737"/>
+                </a:cubicBezTo>
+                <a:cubicBezTo>
+                  <a:pt x="172194" y="655938"/>
+                  <a:pt x="206629" y="654396"/>
+                  <a:pt x="240631" y="649706"/>
+                </a:cubicBezTo>
+                <a:cubicBezTo>
+                  <a:pt x="264797" y="646373"/>
+                  <a:pt x="288718" y="641440"/>
+                  <a:pt x="312821" y="637674"/>
+                </a:cubicBezTo>
+                <a:cubicBezTo>
+                  <a:pt x="352889" y="631413"/>
+                  <a:pt x="392916" y="624817"/>
+                  <a:pt x="433137" y="619627"/>
+                </a:cubicBezTo>
+                <a:cubicBezTo>
+                  <a:pt x="455104" y="616793"/>
+                  <a:pt x="477252" y="615616"/>
+                  <a:pt x="499310" y="613611"/>
+                </a:cubicBezTo>
+                <a:cubicBezTo>
+                  <a:pt x="645991" y="573608"/>
+                  <a:pt x="469732" y="616653"/>
+                  <a:pt x="679784" y="589548"/>
+                </a:cubicBezTo>
+                <a:cubicBezTo>
+                  <a:pt x="704384" y="586374"/>
+                  <a:pt x="727481" y="575419"/>
+                  <a:pt x="751973" y="571500"/>
+                </a:cubicBezTo>
+                <a:cubicBezTo>
+                  <a:pt x="777790" y="567369"/>
+                  <a:pt x="804147" y="567925"/>
+                  <a:pt x="830179" y="565485"/>
+                </a:cubicBezTo>
+                <a:cubicBezTo>
+                  <a:pt x="936639" y="555505"/>
+                  <a:pt x="913048" y="558692"/>
+                  <a:pt x="980573" y="547437"/>
+                </a:cubicBezTo>
+                <a:cubicBezTo>
+                  <a:pt x="1127437" y="494033"/>
+                  <a:pt x="973963" y="546600"/>
+                  <a:pt x="1100889" y="511343"/>
+                </a:cubicBezTo>
+                <a:cubicBezTo>
+                  <a:pt x="1119219" y="506251"/>
+                  <a:pt x="1136343" y="496855"/>
+                  <a:pt x="1155031" y="493295"/>
+                </a:cubicBezTo>
+                <a:cubicBezTo>
+                  <a:pt x="1178751" y="488777"/>
+                  <a:pt x="1203158" y="489284"/>
+                  <a:pt x="1227221" y="487279"/>
+                </a:cubicBezTo>
+                <a:cubicBezTo>
+                  <a:pt x="1253289" y="473242"/>
+                  <a:pt x="1277758" y="455709"/>
+                  <a:pt x="1305426" y="445169"/>
+                </a:cubicBezTo>
+                <a:cubicBezTo>
+                  <a:pt x="1320534" y="439414"/>
+                  <a:pt x="1337573" y="441611"/>
+                  <a:pt x="1353552" y="439153"/>
+                </a:cubicBezTo>
+                <a:cubicBezTo>
+                  <a:pt x="1363658" y="437598"/>
+                  <a:pt x="1373605" y="435142"/>
+                  <a:pt x="1383631" y="433137"/>
+                </a:cubicBezTo>
+                <a:cubicBezTo>
+                  <a:pt x="1397668" y="427121"/>
+                  <a:pt x="1411488" y="420572"/>
+                  <a:pt x="1425742" y="415090"/>
+                </a:cubicBezTo>
+                <a:cubicBezTo>
+                  <a:pt x="1437579" y="410537"/>
+                  <a:pt x="1449893" y="407324"/>
+                  <a:pt x="1461837" y="403058"/>
+                </a:cubicBezTo>
+                <a:cubicBezTo>
+                  <a:pt x="1484004" y="395141"/>
+                  <a:pt x="1530100" y="377951"/>
+                  <a:pt x="1552073" y="366964"/>
+                </a:cubicBezTo>
+                <a:cubicBezTo>
+                  <a:pt x="1566533" y="359734"/>
+                  <a:pt x="1579949" y="350565"/>
+                  <a:pt x="1594184" y="342900"/>
+                </a:cubicBezTo>
+                <a:cubicBezTo>
+                  <a:pt x="1606028" y="336523"/>
+                  <a:pt x="1619194" y="332474"/>
+                  <a:pt x="1630279" y="324853"/>
+                </a:cubicBezTo>
+                <a:cubicBezTo>
+                  <a:pt x="1651440" y="310305"/>
+                  <a:pt x="1672279" y="294885"/>
+                  <a:pt x="1690437" y="276727"/>
+                </a:cubicBezTo>
+                <a:cubicBezTo>
+                  <a:pt x="1716582" y="250582"/>
+                  <a:pt x="1733440" y="215207"/>
+                  <a:pt x="1762626" y="192506"/>
+                </a:cubicBezTo>
+                <a:cubicBezTo>
+                  <a:pt x="1821318" y="146856"/>
+                  <a:pt x="1863042" y="155399"/>
+                  <a:pt x="1925052" y="126332"/>
+                </a:cubicBezTo>
+                <a:cubicBezTo>
+                  <a:pt x="1966496" y="106905"/>
+                  <a:pt x="2000381" y="68593"/>
+                  <a:pt x="2045368" y="60158"/>
+                </a:cubicBezTo>
+                <a:cubicBezTo>
+                  <a:pt x="2159468" y="38765"/>
+                  <a:pt x="2109177" y="45716"/>
+                  <a:pt x="2195763" y="36095"/>
+                </a:cubicBezTo>
+                <a:cubicBezTo>
+                  <a:pt x="2286854" y="10070"/>
+                  <a:pt x="2180711" y="37452"/>
+                  <a:pt x="2310063" y="18048"/>
+                </a:cubicBezTo>
+                <a:cubicBezTo>
+                  <a:pt x="2326416" y="15595"/>
+                  <a:pt x="2341936" y="9063"/>
+                  <a:pt x="2358189" y="6016"/>
+                </a:cubicBezTo>
+                <a:cubicBezTo>
+                  <a:pt x="2374079" y="3037"/>
+                  <a:pt x="2390273" y="2005"/>
+                  <a:pt x="2406315" y="0"/>
+                </a:cubicBezTo>
+                <a:lnTo>
+                  <a:pt x="2743200" y="6016"/>
+                </a:lnTo>
+                <a:cubicBezTo>
+                  <a:pt x="2766606" y="7763"/>
+                  <a:pt x="2786971" y="23078"/>
+                  <a:pt x="2809373" y="30079"/>
+                </a:cubicBezTo>
+                <a:cubicBezTo>
+                  <a:pt x="2819132" y="33129"/>
+                  <a:pt x="2829752" y="32862"/>
+                  <a:pt x="2839452" y="36095"/>
+                </a:cubicBezTo>
+                <a:cubicBezTo>
+                  <a:pt x="2859941" y="42925"/>
+                  <a:pt x="2879388" y="52575"/>
+                  <a:pt x="2899610" y="60158"/>
+                </a:cubicBezTo>
+                <a:cubicBezTo>
+                  <a:pt x="2911485" y="64611"/>
+                  <a:pt x="2923673" y="68179"/>
+                  <a:pt x="2935705" y="72190"/>
+                </a:cubicBezTo>
+                <a:cubicBezTo>
+                  <a:pt x="2943726" y="78206"/>
+                  <a:pt x="2950552" y="86287"/>
+                  <a:pt x="2959768" y="90237"/>
+                </a:cubicBezTo>
+                <a:cubicBezTo>
+                  <a:pt x="2979011" y="98484"/>
+                  <a:pt x="2999943" y="102040"/>
+                  <a:pt x="3019926" y="108285"/>
+                </a:cubicBezTo>
+                <a:cubicBezTo>
+                  <a:pt x="3032031" y="112068"/>
+                  <a:pt x="3044314" y="115438"/>
+                  <a:pt x="3056021" y="120316"/>
+                </a:cubicBezTo>
+                <a:cubicBezTo>
+                  <a:pt x="3118663" y="146417"/>
+                  <a:pt x="3065697" y="133081"/>
+                  <a:pt x="3122194" y="144379"/>
+                </a:cubicBezTo>
+                <a:cubicBezTo>
+                  <a:pt x="3136231" y="152400"/>
+                  <a:pt x="3148584" y="164670"/>
+                  <a:pt x="3164305" y="168443"/>
+                </a:cubicBezTo>
+                <a:cubicBezTo>
+                  <a:pt x="3207737" y="178867"/>
+                  <a:pt x="3336647" y="184033"/>
+                  <a:pt x="3380873" y="186490"/>
+                </a:cubicBezTo>
+                <a:cubicBezTo>
+                  <a:pt x="3398920" y="192506"/>
+                  <a:pt x="3416723" y="199311"/>
+                  <a:pt x="3435015" y="204537"/>
+                </a:cubicBezTo>
+                <a:cubicBezTo>
+                  <a:pt x="3444846" y="207346"/>
+                  <a:pt x="3455262" y="207744"/>
+                  <a:pt x="3465094" y="210553"/>
+                </a:cubicBezTo>
+                <a:cubicBezTo>
+                  <a:pt x="3483386" y="215779"/>
+                  <a:pt x="3501574" y="221534"/>
+                  <a:pt x="3519237" y="228600"/>
+                </a:cubicBezTo>
+                <a:cubicBezTo>
+                  <a:pt x="3537179" y="235777"/>
+                  <a:pt x="3567154" y="248451"/>
+                  <a:pt x="3585410" y="252664"/>
+                </a:cubicBezTo>
+                <a:cubicBezTo>
+                  <a:pt x="3599226" y="255852"/>
+                  <a:pt x="3613484" y="256674"/>
+                  <a:pt x="3627521" y="258679"/>
+                </a:cubicBezTo>
+                <a:cubicBezTo>
+                  <a:pt x="3647918" y="272278"/>
+                  <a:pt x="3643733" y="272411"/>
+                  <a:pt x="3669631" y="276727"/>
+                </a:cubicBezTo>
+                <a:cubicBezTo>
+                  <a:pt x="3685578" y="279385"/>
+                  <a:pt x="3717758" y="282743"/>
+                  <a:pt x="3717758" y="282743"/>
+                </a:cubicBezTo>
+              </a:path>
+            </a:pathLst>
+          </a:custGeom>
+          <a:noFill/>
+        </p:spPr>
+        <p:style>
+          <a:lnRef idx="2">
+            <a:schemeClr val="accent1">
+              <a:shade val="50000"/>
+            </a:schemeClr>
+          </a:lnRef>
+          <a:fillRef idx="1">
+            <a:schemeClr val="accent1"/>
+          </a:fillRef>
+          <a:effectRef idx="0">
+            <a:schemeClr val="accent1"/>
+          </a:effectRef>
+          <a:fontRef idx="minor">
+            <a:schemeClr val="lt1"/>
+          </a:fontRef>
+        </p:style>
+        <p:txBody>
+          <a:bodyPr rtlCol="0" anchor="ctr"/>
+          <a:lstStyle/>
+          <a:p>
+            <a:pPr algn="ctr"/>
+            <a:endParaRPr lang="zh-CN" altLang="en-US"/>
+          </a:p>
+        </p:txBody>
+      </p:sp>
+      <p:sp>
+        <p:nvSpPr>
+          <p:cNvPr id="21" name="文本框 20">
+            <a:extLst>
+              <a:ext uri="{FF2B5EF4-FFF2-40B4-BE49-F238E27FC236}">
+                <a16:creationId xmlns:a16="http://schemas.microsoft.com/office/drawing/2014/main" id="{23D5F800-08AD-AC27-5D92-B0319981ABE6}"/>
+              </a:ext>
+            </a:extLst>
+          </p:cNvPr>
+          <p:cNvSpPr txBox="1"/>
+          <p:nvPr/>
+        </p:nvSpPr>
+        <p:spPr>
+          <a:xfrm>
+            <a:off x="9988954" y="3350101"/>
+            <a:ext cx="607859" cy="261610"/>
+          </a:xfrm>
+          <a:prstGeom prst="rect">
+            <a:avLst/>
+          </a:prstGeom>
+          <a:noFill/>
+        </p:spPr>
+        <p:txBody>
+          <a:bodyPr wrap="none" rtlCol="0">
+            <a:spAutoFit/>
+          </a:bodyPr>
+          <a:lstStyle/>
+          <a:p>
+            <a:r>
+              <a:rPr lang="zh-CN" altLang="en-US" sz="1100" dirty="0"/>
+              <a:t>成本线</a:t>
+            </a:r>
+          </a:p>
+        </p:txBody>
+      </p:sp>
+      <p:sp>
+        <p:nvSpPr>
+          <p:cNvPr id="22" name="文本框 21">
+            <a:extLst>
+              <a:ext uri="{FF2B5EF4-FFF2-40B4-BE49-F238E27FC236}">
+                <a16:creationId xmlns:a16="http://schemas.microsoft.com/office/drawing/2014/main" id="{EE13637C-C606-64F6-BC26-8EE5995EE772}"/>
+              </a:ext>
+            </a:extLst>
+          </p:cNvPr>
+          <p:cNvSpPr txBox="1"/>
+          <p:nvPr/>
+        </p:nvSpPr>
+        <p:spPr>
+          <a:xfrm>
+            <a:off x="10053318" y="4092970"/>
+            <a:ext cx="466794" cy="261610"/>
+          </a:xfrm>
+          <a:prstGeom prst="rect">
+            <a:avLst/>
+          </a:prstGeom>
+          <a:noFill/>
+        </p:spPr>
+        <p:txBody>
+          <a:bodyPr wrap="none" rtlCol="0">
+            <a:spAutoFit/>
+          </a:bodyPr>
+          <a:lstStyle/>
+          <a:p>
+            <a:r>
+              <a:rPr lang="zh-CN" altLang="en-US" sz="1100" dirty="0"/>
+              <a:t>时间</a:t>
+            </a:r>
+          </a:p>
+        </p:txBody>
+      </p:sp>
+      <p:cxnSp>
+        <p:nvCxnSpPr>
+          <p:cNvPr id="24" name="直接箭头连接符 23">
+            <a:extLst>
+              <a:ext uri="{FF2B5EF4-FFF2-40B4-BE49-F238E27FC236}">
+                <a16:creationId xmlns:a16="http://schemas.microsoft.com/office/drawing/2014/main" id="{CE7744B3-EC3E-3B1C-BF6C-30FB84204C44}"/>
+              </a:ext>
+            </a:extLst>
+          </p:cNvPr>
+          <p:cNvCxnSpPr/>
+          <p:nvPr/>
+        </p:nvCxnSpPr>
+        <p:spPr>
+          <a:xfrm>
+            <a:off x="8931965" y="3366052"/>
+            <a:ext cx="251792" cy="211801"/>
+          </a:xfrm>
+          <a:prstGeom prst="straightConnector1">
+            <a:avLst/>
+          </a:prstGeom>
+          <a:ln>
+            <a:tailEnd type="triangle"/>
+          </a:ln>
+        </p:spPr>
+        <p:style>
+          <a:lnRef idx="1">
+            <a:schemeClr val="accent1"/>
+          </a:lnRef>
+          <a:fillRef idx="0">
+            <a:schemeClr val="accent1"/>
+          </a:fillRef>
+          <a:effectRef idx="0">
+            <a:schemeClr val="accent1"/>
+          </a:effectRef>
+          <a:fontRef idx="minor">
+            <a:schemeClr val="tx1"/>
+          </a:fontRef>
+        </p:style>
+      </p:cxnSp>
+      <p:sp>
+        <p:nvSpPr>
+          <p:cNvPr id="25" name="文本框 24">
+            <a:extLst>
+              <a:ext uri="{FF2B5EF4-FFF2-40B4-BE49-F238E27FC236}">
+                <a16:creationId xmlns:a16="http://schemas.microsoft.com/office/drawing/2014/main" id="{668CF19D-6949-10B0-FFB7-7EAB2EB7DB18}"/>
+              </a:ext>
+            </a:extLst>
+          </p:cNvPr>
+          <p:cNvSpPr txBox="1"/>
+          <p:nvPr/>
+        </p:nvSpPr>
+        <p:spPr>
+          <a:xfrm>
+            <a:off x="8310549" y="3202932"/>
+            <a:ext cx="1172116" cy="261610"/>
+          </a:xfrm>
+          <a:prstGeom prst="rect">
+            <a:avLst/>
+          </a:prstGeom>
+          <a:noFill/>
+        </p:spPr>
+        <p:txBody>
+          <a:bodyPr wrap="none" rtlCol="0">
+            <a:spAutoFit/>
+          </a:bodyPr>
+          <a:lstStyle/>
+          <a:p>
+            <a:r>
+              <a:rPr lang="zh-CN" altLang="en-US" sz="1100" dirty="0"/>
+              <a:t>里程碑（拐点）</a:t>
+            </a:r>
+          </a:p>
+        </p:txBody>
+      </p:sp>
+      <p:sp>
+        <p:nvSpPr>
+          <p:cNvPr id="26" name="文本框 25">
+            <a:extLst>
+              <a:ext uri="{FF2B5EF4-FFF2-40B4-BE49-F238E27FC236}">
+                <a16:creationId xmlns:a16="http://schemas.microsoft.com/office/drawing/2014/main" id="{B2BF0BEF-5E82-2F63-9638-D26F98932319}"/>
+              </a:ext>
+            </a:extLst>
+          </p:cNvPr>
+          <p:cNvSpPr txBox="1"/>
+          <p:nvPr/>
+        </p:nvSpPr>
+        <p:spPr>
+          <a:xfrm>
+            <a:off x="9896321" y="1910374"/>
+            <a:ext cx="466794" cy="261610"/>
+          </a:xfrm>
+          <a:prstGeom prst="rect">
+            <a:avLst/>
+          </a:prstGeom>
+          <a:noFill/>
+        </p:spPr>
+        <p:txBody>
+          <a:bodyPr wrap="none" rtlCol="0">
+            <a:spAutoFit/>
+          </a:bodyPr>
+          <a:lstStyle/>
+          <a:p>
+            <a:r>
+              <a:rPr lang="zh-CN" altLang="en-US" sz="1100" dirty="0"/>
+              <a:t>成功</a:t>
+            </a:r>
+          </a:p>
+        </p:txBody>
+      </p:sp>
+    </p:spTree>
+    <p:extLst>
+      <p:ext uri="{BB962C8B-B14F-4D97-AF65-F5344CB8AC3E}">
+        <p14:creationId xmlns:p14="http://schemas.microsoft.com/office/powerpoint/2010/main" val="1012742279"/>
+      </p:ext>
+    </p:extLst>
+  </p:cSld>
+  <p:clrMapOvr>
+    <a:masterClrMapping/>
+  </p:clrMapOvr>
+</p:sld>
+</file>
+
 <file path=ppt/theme/theme1.xml><?xml version="1.0" encoding="utf-8"?>
 <a:theme xmlns:a="http://schemas.openxmlformats.org/drawingml/2006/main" name="Office 主题">
   <a:themeElements>

--- a/images/2023/画图.pptx
+++ b/images/2023/画图.pptx
@@ -7,6 +7,7 @@
   <p:sldIdLst>
     <p:sldId id="256" r:id="rId2"/>
     <p:sldId id="257" r:id="rId3"/>
+    <p:sldId id="258" r:id="rId4"/>
   </p:sldIdLst>
   <p:sldSz cx="12192000" cy="6858000"/>
   <p:notesSz cx="6858000" cy="9144000"/>
@@ -113,6 +114,2486 @@
 </p:presentation>
 </file>
 
+<file path=ppt/diagrams/colors1.xml><?xml version="1.0" encoding="utf-8"?>
+<dgm:colorsDef xmlns:dgm="http://schemas.openxmlformats.org/drawingml/2006/diagram" xmlns:a="http://schemas.openxmlformats.org/drawingml/2006/main" uniqueId="urn:microsoft.com/office/officeart/2005/8/colors/accent1_2">
+  <dgm:title val=""/>
+  <dgm:desc val=""/>
+  <dgm:catLst>
+    <dgm:cat type="accent1" pri="11200"/>
+  </dgm:catLst>
+  <dgm:styleLbl name="node0">
+    <dgm:fillClrLst meth="repeat">
+      <a:schemeClr val="accent1"/>
+    </dgm:fillClrLst>
+    <dgm:linClrLst meth="repeat">
+      <a:schemeClr val="lt1"/>
+    </dgm:linClrLst>
+    <dgm:effectClrLst/>
+    <dgm:txLinClrLst/>
+    <dgm:txFillClrLst/>
+    <dgm:txEffectClrLst/>
+  </dgm:styleLbl>
+  <dgm:styleLbl name="alignNode1">
+    <dgm:fillClrLst meth="repeat">
+      <a:schemeClr val="accent1"/>
+    </dgm:fillClrLst>
+    <dgm:linClrLst meth="repeat">
+      <a:schemeClr val="accent1"/>
+    </dgm:linClrLst>
+    <dgm:effectClrLst/>
+    <dgm:txLinClrLst/>
+    <dgm:txFillClrLst/>
+    <dgm:txEffectClrLst/>
+  </dgm:styleLbl>
+  <dgm:styleLbl name="node1">
+    <dgm:fillClrLst meth="repeat">
+      <a:schemeClr val="accent1"/>
+    </dgm:fillClrLst>
+    <dgm:linClrLst meth="repeat">
+      <a:schemeClr val="lt1"/>
+    </dgm:linClrLst>
+    <dgm:effectClrLst/>
+    <dgm:txLinClrLst/>
+    <dgm:txFillClrLst/>
+    <dgm:txEffectClrLst/>
+  </dgm:styleLbl>
+  <dgm:styleLbl name="lnNode1">
+    <dgm:fillClrLst meth="repeat">
+      <a:schemeClr val="accent1"/>
+    </dgm:fillClrLst>
+    <dgm:linClrLst meth="repeat">
+      <a:schemeClr val="lt1"/>
+    </dgm:linClrLst>
+    <dgm:effectClrLst/>
+    <dgm:txLinClrLst/>
+    <dgm:txFillClrLst/>
+    <dgm:txEffectClrLst/>
+  </dgm:styleLbl>
+  <dgm:styleLbl name="vennNode1">
+    <dgm:fillClrLst meth="repeat">
+      <a:schemeClr val="accent1">
+        <a:alpha val="50000"/>
+      </a:schemeClr>
+    </dgm:fillClrLst>
+    <dgm:linClrLst meth="repeat">
+      <a:schemeClr val="lt1"/>
+    </dgm:linClrLst>
+    <dgm:effectClrLst/>
+    <dgm:txLinClrLst/>
+    <dgm:txFillClrLst/>
+    <dgm:txEffectClrLst/>
+  </dgm:styleLbl>
+  <dgm:styleLbl name="node2">
+    <dgm:fillClrLst meth="repeat">
+      <a:schemeClr val="accent1"/>
+    </dgm:fillClrLst>
+    <dgm:linClrLst meth="repeat">
+      <a:schemeClr val="lt1"/>
+    </dgm:linClrLst>
+    <dgm:effectClrLst/>
+    <dgm:txLinClrLst/>
+    <dgm:txFillClrLst/>
+    <dgm:txEffectClrLst/>
+  </dgm:styleLbl>
+  <dgm:styleLbl name="node3">
+    <dgm:fillClrLst meth="repeat">
+      <a:schemeClr val="accent1"/>
+    </dgm:fillClrLst>
+    <dgm:linClrLst meth="repeat">
+      <a:schemeClr val="lt1"/>
+    </dgm:linClrLst>
+    <dgm:effectClrLst/>
+    <dgm:txLinClrLst/>
+    <dgm:txFillClrLst/>
+    <dgm:txEffectClrLst/>
+  </dgm:styleLbl>
+  <dgm:styleLbl name="node4">
+    <dgm:fillClrLst meth="repeat">
+      <a:schemeClr val="accent1"/>
+    </dgm:fillClrLst>
+    <dgm:linClrLst meth="repeat">
+      <a:schemeClr val="lt1"/>
+    </dgm:linClrLst>
+    <dgm:effectClrLst/>
+    <dgm:txLinClrLst/>
+    <dgm:txFillClrLst/>
+    <dgm:txEffectClrLst/>
+  </dgm:styleLbl>
+  <dgm:styleLbl name="fgImgPlace1">
+    <dgm:fillClrLst meth="repeat">
+      <a:schemeClr val="accent1">
+        <a:tint val="50000"/>
+      </a:schemeClr>
+    </dgm:fillClrLst>
+    <dgm:linClrLst meth="repeat">
+      <a:schemeClr val="lt1"/>
+    </dgm:linClrLst>
+    <dgm:effectClrLst/>
+    <dgm:txLinClrLst/>
+    <dgm:txFillClrLst meth="repeat">
+      <a:schemeClr val="lt1"/>
+    </dgm:txFillClrLst>
+    <dgm:txEffectClrLst/>
+  </dgm:styleLbl>
+  <dgm:styleLbl name="alignImgPlace1">
+    <dgm:fillClrLst meth="repeat">
+      <a:schemeClr val="accent1">
+        <a:tint val="50000"/>
+      </a:schemeClr>
+    </dgm:fillClrLst>
+    <dgm:linClrLst meth="repeat">
+      <a:schemeClr val="lt1"/>
+    </dgm:linClrLst>
+    <dgm:effectClrLst/>
+    <dgm:txLinClrLst/>
+    <dgm:txFillClrLst meth="repeat">
+      <a:schemeClr val="lt1"/>
+    </dgm:txFillClrLst>
+    <dgm:txEffectClrLst/>
+  </dgm:styleLbl>
+  <dgm:styleLbl name="bgImgPlace1">
+    <dgm:fillClrLst meth="repeat">
+      <a:schemeClr val="accent1">
+        <a:tint val="50000"/>
+      </a:schemeClr>
+    </dgm:fillClrLst>
+    <dgm:linClrLst meth="repeat">
+      <a:schemeClr val="lt1"/>
+    </dgm:linClrLst>
+    <dgm:effectClrLst/>
+    <dgm:txLinClrLst/>
+    <dgm:txFillClrLst meth="repeat">
+      <a:schemeClr val="lt1"/>
+    </dgm:txFillClrLst>
+    <dgm:txEffectClrLst/>
+  </dgm:styleLbl>
+  <dgm:styleLbl name="sibTrans2D1">
+    <dgm:fillClrLst meth="repeat">
+      <a:schemeClr val="accent1">
+        <a:tint val="60000"/>
+      </a:schemeClr>
+    </dgm:fillClrLst>
+    <dgm:linClrLst meth="repeat">
+      <a:schemeClr val="accent1">
+        <a:tint val="60000"/>
+      </a:schemeClr>
+    </dgm:linClrLst>
+    <dgm:effectClrLst/>
+    <dgm:txLinClrLst/>
+    <dgm:txFillClrLst/>
+    <dgm:txEffectClrLst/>
+  </dgm:styleLbl>
+  <dgm:styleLbl name="fgSibTrans2D1">
+    <dgm:fillClrLst meth="repeat">
+      <a:schemeClr val="accent1">
+        <a:tint val="60000"/>
+      </a:schemeClr>
+    </dgm:fillClrLst>
+    <dgm:linClrLst meth="repeat">
+      <a:schemeClr val="accent1">
+        <a:tint val="60000"/>
+      </a:schemeClr>
+    </dgm:linClrLst>
+    <dgm:effectClrLst/>
+    <dgm:txLinClrLst/>
+    <dgm:txFillClrLst/>
+    <dgm:txEffectClrLst/>
+  </dgm:styleLbl>
+  <dgm:styleLbl name="bgSibTrans2D1">
+    <dgm:fillClrLst meth="repeat">
+      <a:schemeClr val="accent1">
+        <a:tint val="60000"/>
+      </a:schemeClr>
+    </dgm:fillClrLst>
+    <dgm:linClrLst meth="repeat">
+      <a:schemeClr val="accent1">
+        <a:tint val="60000"/>
+      </a:schemeClr>
+    </dgm:linClrLst>
+    <dgm:effectClrLst/>
+    <dgm:txLinClrLst/>
+    <dgm:txFillClrLst/>
+    <dgm:txEffectClrLst/>
+  </dgm:styleLbl>
+  <dgm:styleLbl name="sibTrans1D1">
+    <dgm:fillClrLst meth="repeat">
+      <a:schemeClr val="accent1"/>
+    </dgm:fillClrLst>
+    <dgm:linClrLst meth="repeat">
+      <a:schemeClr val="accent1"/>
+    </dgm:linClrLst>
+    <dgm:effectClrLst/>
+    <dgm:txLinClrLst/>
+    <dgm:txFillClrLst meth="repeat">
+      <a:schemeClr val="tx1"/>
+    </dgm:txFillClrLst>
+    <dgm:txEffectClrLst/>
+  </dgm:styleLbl>
+  <dgm:styleLbl name="callout">
+    <dgm:fillClrLst meth="repeat">
+      <a:schemeClr val="accent1"/>
+    </dgm:fillClrLst>
+    <dgm:linClrLst meth="repeat">
+      <a:schemeClr val="accent1">
+        <a:tint val="50000"/>
+      </a:schemeClr>
+    </dgm:linClrLst>
+    <dgm:effectClrLst/>
+    <dgm:txLinClrLst/>
+    <dgm:txFillClrLst meth="repeat">
+      <a:schemeClr val="tx1"/>
+    </dgm:txFillClrLst>
+    <dgm:txEffectClrLst/>
+  </dgm:styleLbl>
+  <dgm:styleLbl name="asst0">
+    <dgm:fillClrLst meth="repeat">
+      <a:schemeClr val="accent1"/>
+    </dgm:fillClrLst>
+    <dgm:linClrLst meth="repeat">
+      <a:schemeClr val="lt1"/>
+    </dgm:linClrLst>
+    <dgm:effectClrLst/>
+    <dgm:txLinClrLst/>
+    <dgm:txFillClrLst/>
+    <dgm:txEffectClrLst/>
+  </dgm:styleLbl>
+  <dgm:styleLbl name="asst1">
+    <dgm:fillClrLst meth="repeat">
+      <a:schemeClr val="accent1"/>
+    </dgm:fillClrLst>
+    <dgm:linClrLst meth="repeat">
+      <a:schemeClr val="lt1"/>
+    </dgm:linClrLst>
+    <dgm:effectClrLst/>
+    <dgm:txLinClrLst/>
+    <dgm:txFillClrLst/>
+    <dgm:txEffectClrLst/>
+  </dgm:styleLbl>
+  <dgm:styleLbl name="asst2">
+    <dgm:fillClrLst meth="repeat">
+      <a:schemeClr val="accent1"/>
+    </dgm:fillClrLst>
+    <dgm:linClrLst meth="repeat">
+      <a:schemeClr val="lt1"/>
+    </dgm:linClrLst>
+    <dgm:effectClrLst/>
+    <dgm:txLinClrLst/>
+    <dgm:txFillClrLst/>
+    <dgm:txEffectClrLst/>
+  </dgm:styleLbl>
+  <dgm:styleLbl name="asst3">
+    <dgm:fillClrLst meth="repeat">
+      <a:schemeClr val="accent1"/>
+    </dgm:fillClrLst>
+    <dgm:linClrLst meth="repeat">
+      <a:schemeClr val="lt1"/>
+    </dgm:linClrLst>
+    <dgm:effectClrLst/>
+    <dgm:txLinClrLst/>
+    <dgm:txFillClrLst/>
+    <dgm:txEffectClrLst/>
+  </dgm:styleLbl>
+  <dgm:styleLbl name="asst4">
+    <dgm:fillClrLst meth="repeat">
+      <a:schemeClr val="accent1"/>
+    </dgm:fillClrLst>
+    <dgm:linClrLst meth="repeat">
+      <a:schemeClr val="lt1"/>
+    </dgm:linClrLst>
+    <dgm:effectClrLst/>
+    <dgm:txLinClrLst/>
+    <dgm:txFillClrLst/>
+    <dgm:txEffectClrLst/>
+  </dgm:styleLbl>
+  <dgm:styleLbl name="parChTrans2D1">
+    <dgm:fillClrLst meth="repeat">
+      <a:schemeClr val="accent1">
+        <a:tint val="60000"/>
+      </a:schemeClr>
+    </dgm:fillClrLst>
+    <dgm:linClrLst meth="repeat">
+      <a:schemeClr val="accent1">
+        <a:tint val="60000"/>
+      </a:schemeClr>
+    </dgm:linClrLst>
+    <dgm:effectClrLst/>
+    <dgm:txLinClrLst/>
+    <dgm:txFillClrLst meth="repeat">
+      <a:schemeClr val="lt1"/>
+    </dgm:txFillClrLst>
+    <dgm:txEffectClrLst/>
+  </dgm:styleLbl>
+  <dgm:styleLbl name="parChTrans2D2">
+    <dgm:fillClrLst meth="repeat">
+      <a:schemeClr val="accent1"/>
+    </dgm:fillClrLst>
+    <dgm:linClrLst meth="repeat">
+      <a:schemeClr val="accent1"/>
+    </dgm:linClrLst>
+    <dgm:effectClrLst/>
+    <dgm:txLinClrLst/>
+    <dgm:txFillClrLst meth="repeat">
+      <a:schemeClr val="lt1"/>
+    </dgm:txFillClrLst>
+    <dgm:txEffectClrLst/>
+  </dgm:styleLbl>
+  <dgm:styleLbl name="parChTrans2D3">
+    <dgm:fillClrLst meth="repeat">
+      <a:schemeClr val="accent1"/>
+    </dgm:fillClrLst>
+    <dgm:linClrLst meth="repeat">
+      <a:schemeClr val="accent1"/>
+    </dgm:linClrLst>
+    <dgm:effectClrLst/>
+    <dgm:txLinClrLst/>
+    <dgm:txFillClrLst meth="repeat">
+      <a:schemeClr val="lt1"/>
+    </dgm:txFillClrLst>
+    <dgm:txEffectClrLst/>
+  </dgm:styleLbl>
+  <dgm:styleLbl name="parChTrans2D4">
+    <dgm:fillClrLst meth="repeat">
+      <a:schemeClr val="accent1"/>
+    </dgm:fillClrLst>
+    <dgm:linClrLst meth="repeat">
+      <a:schemeClr val="accent1"/>
+    </dgm:linClrLst>
+    <dgm:effectClrLst/>
+    <dgm:txLinClrLst/>
+    <dgm:txFillClrLst meth="repeat">
+      <a:schemeClr val="lt1"/>
+    </dgm:txFillClrLst>
+    <dgm:txEffectClrLst/>
+  </dgm:styleLbl>
+  <dgm:styleLbl name="parChTrans1D1">
+    <dgm:fillClrLst meth="repeat">
+      <a:schemeClr val="accent1"/>
+    </dgm:fillClrLst>
+    <dgm:linClrLst meth="repeat">
+      <a:schemeClr val="accent1">
+        <a:shade val="60000"/>
+      </a:schemeClr>
+    </dgm:linClrLst>
+    <dgm:effectClrLst/>
+    <dgm:txLinClrLst/>
+    <dgm:txFillClrLst meth="repeat">
+      <a:schemeClr val="tx1"/>
+    </dgm:txFillClrLst>
+    <dgm:txEffectClrLst/>
+  </dgm:styleLbl>
+  <dgm:styleLbl name="parChTrans1D2">
+    <dgm:fillClrLst meth="repeat">
+      <a:schemeClr val="accent1"/>
+    </dgm:fillClrLst>
+    <dgm:linClrLst meth="repeat">
+      <a:schemeClr val="accent1">
+        <a:shade val="60000"/>
+      </a:schemeClr>
+    </dgm:linClrLst>
+    <dgm:effectClrLst/>
+    <dgm:txLinClrLst/>
+    <dgm:txFillClrLst meth="repeat">
+      <a:schemeClr val="tx1"/>
+    </dgm:txFillClrLst>
+    <dgm:txEffectClrLst/>
+  </dgm:styleLbl>
+  <dgm:styleLbl name="parChTrans1D3">
+    <dgm:fillClrLst meth="repeat">
+      <a:schemeClr val="accent1"/>
+    </dgm:fillClrLst>
+    <dgm:linClrLst meth="repeat">
+      <a:schemeClr val="accent1">
+        <a:shade val="80000"/>
+      </a:schemeClr>
+    </dgm:linClrLst>
+    <dgm:effectClrLst/>
+    <dgm:txLinClrLst/>
+    <dgm:txFillClrLst meth="repeat">
+      <a:schemeClr val="tx1"/>
+    </dgm:txFillClrLst>
+    <dgm:txEffectClrLst/>
+  </dgm:styleLbl>
+  <dgm:styleLbl name="parChTrans1D4">
+    <dgm:fillClrLst meth="repeat">
+      <a:schemeClr val="accent1"/>
+    </dgm:fillClrLst>
+    <dgm:linClrLst meth="repeat">
+      <a:schemeClr val="accent1">
+        <a:shade val="80000"/>
+      </a:schemeClr>
+    </dgm:linClrLst>
+    <dgm:effectClrLst/>
+    <dgm:txLinClrLst/>
+    <dgm:txFillClrLst meth="repeat">
+      <a:schemeClr val="tx1"/>
+    </dgm:txFillClrLst>
+    <dgm:txEffectClrLst/>
+  </dgm:styleLbl>
+  <dgm:styleLbl name="fgAcc1">
+    <dgm:fillClrLst meth="repeat">
+      <a:schemeClr val="lt1">
+        <a:alpha val="90000"/>
+      </a:schemeClr>
+    </dgm:fillClrLst>
+    <dgm:linClrLst meth="repeat">
+      <a:schemeClr val="accent1"/>
+    </dgm:linClrLst>
+    <dgm:effectClrLst/>
+    <dgm:txLinClrLst/>
+    <dgm:txFillClrLst meth="repeat">
+      <a:schemeClr val="dk1"/>
+    </dgm:txFillClrLst>
+    <dgm:txEffectClrLst/>
+  </dgm:styleLbl>
+  <dgm:styleLbl name="conFgAcc1">
+    <dgm:fillClrLst meth="repeat">
+      <a:schemeClr val="lt1">
+        <a:alpha val="90000"/>
+      </a:schemeClr>
+    </dgm:fillClrLst>
+    <dgm:linClrLst meth="repeat">
+      <a:schemeClr val="accent1"/>
+    </dgm:linClrLst>
+    <dgm:effectClrLst/>
+    <dgm:txLinClrLst/>
+    <dgm:txFillClrLst meth="repeat">
+      <a:schemeClr val="dk1"/>
+    </dgm:txFillClrLst>
+    <dgm:txEffectClrLst/>
+  </dgm:styleLbl>
+  <dgm:styleLbl name="alignAcc1">
+    <dgm:fillClrLst meth="repeat">
+      <a:schemeClr val="lt1">
+        <a:alpha val="90000"/>
+      </a:schemeClr>
+    </dgm:fillClrLst>
+    <dgm:linClrLst meth="repeat">
+      <a:schemeClr val="accent1"/>
+    </dgm:linClrLst>
+    <dgm:effectClrLst/>
+    <dgm:txLinClrLst/>
+    <dgm:txFillClrLst meth="repeat">
+      <a:schemeClr val="dk1"/>
+    </dgm:txFillClrLst>
+    <dgm:txEffectClrLst/>
+  </dgm:styleLbl>
+  <dgm:styleLbl name="trAlignAcc1">
+    <dgm:fillClrLst meth="repeat">
+      <a:schemeClr val="lt1">
+        <a:alpha val="40000"/>
+      </a:schemeClr>
+    </dgm:fillClrLst>
+    <dgm:linClrLst meth="repeat">
+      <a:schemeClr val="accent1"/>
+    </dgm:linClrLst>
+    <dgm:effectClrLst/>
+    <dgm:txLinClrLst/>
+    <dgm:txFillClrLst meth="repeat">
+      <a:schemeClr val="dk1"/>
+    </dgm:txFillClrLst>
+    <dgm:txEffectClrLst/>
+  </dgm:styleLbl>
+  <dgm:styleLbl name="bgAcc1">
+    <dgm:fillClrLst meth="repeat">
+      <a:schemeClr val="lt1">
+        <a:alpha val="90000"/>
+      </a:schemeClr>
+    </dgm:fillClrLst>
+    <dgm:linClrLst meth="repeat">
+      <a:schemeClr val="accent1"/>
+    </dgm:linClrLst>
+    <dgm:effectClrLst/>
+    <dgm:txLinClrLst/>
+    <dgm:txFillClrLst meth="repeat">
+      <a:schemeClr val="dk1"/>
+    </dgm:txFillClrLst>
+    <dgm:txEffectClrLst/>
+  </dgm:styleLbl>
+  <dgm:styleLbl name="solidFgAcc1">
+    <dgm:fillClrLst meth="repeat">
+      <a:schemeClr val="lt1"/>
+    </dgm:fillClrLst>
+    <dgm:linClrLst meth="repeat">
+      <a:schemeClr val="accent1"/>
+    </dgm:linClrLst>
+    <dgm:effectClrLst/>
+    <dgm:txLinClrLst/>
+    <dgm:txFillClrLst meth="repeat">
+      <a:schemeClr val="dk1"/>
+    </dgm:txFillClrLst>
+    <dgm:txEffectClrLst/>
+  </dgm:styleLbl>
+  <dgm:styleLbl name="solidAlignAcc1">
+    <dgm:fillClrLst meth="repeat">
+      <a:schemeClr val="lt1"/>
+    </dgm:fillClrLst>
+    <dgm:linClrLst meth="repeat">
+      <a:schemeClr val="accent1"/>
+    </dgm:linClrLst>
+    <dgm:effectClrLst/>
+    <dgm:txLinClrLst/>
+    <dgm:txFillClrLst meth="repeat">
+      <a:schemeClr val="dk1"/>
+    </dgm:txFillClrLst>
+    <dgm:txEffectClrLst/>
+  </dgm:styleLbl>
+  <dgm:styleLbl name="solidBgAcc1">
+    <dgm:fillClrLst meth="repeat">
+      <a:schemeClr val="lt1"/>
+    </dgm:fillClrLst>
+    <dgm:linClrLst meth="repeat">
+      <a:schemeClr val="accent1"/>
+    </dgm:linClrLst>
+    <dgm:effectClrLst/>
+    <dgm:txLinClrLst/>
+    <dgm:txFillClrLst meth="repeat">
+      <a:schemeClr val="dk1"/>
+    </dgm:txFillClrLst>
+    <dgm:txEffectClrLst/>
+  </dgm:styleLbl>
+  <dgm:styleLbl name="fgAccFollowNode1">
+    <dgm:fillClrLst meth="repeat">
+      <a:schemeClr val="accent1">
+        <a:alpha val="90000"/>
+        <a:tint val="40000"/>
+      </a:schemeClr>
+    </dgm:fillClrLst>
+    <dgm:linClrLst meth="repeat">
+      <a:schemeClr val="accent1">
+        <a:alpha val="90000"/>
+        <a:tint val="40000"/>
+      </a:schemeClr>
+    </dgm:linClrLst>
+    <dgm:effectClrLst/>
+    <dgm:txLinClrLst/>
+    <dgm:txFillClrLst meth="repeat">
+      <a:schemeClr val="dk1"/>
+    </dgm:txFillClrLst>
+    <dgm:txEffectClrLst/>
+  </dgm:styleLbl>
+  <dgm:styleLbl name="alignAccFollowNode1">
+    <dgm:fillClrLst meth="repeat">
+      <a:schemeClr val="accent1">
+        <a:alpha val="90000"/>
+        <a:tint val="40000"/>
+      </a:schemeClr>
+    </dgm:fillClrLst>
+    <dgm:linClrLst meth="repeat">
+      <a:schemeClr val="accent1">
+        <a:alpha val="90000"/>
+        <a:tint val="40000"/>
+      </a:schemeClr>
+    </dgm:linClrLst>
+    <dgm:effectClrLst/>
+    <dgm:txLinClrLst/>
+    <dgm:txFillClrLst meth="repeat">
+      <a:schemeClr val="dk1"/>
+    </dgm:txFillClrLst>
+    <dgm:txEffectClrLst/>
+  </dgm:styleLbl>
+  <dgm:styleLbl name="bgAccFollowNode1">
+    <dgm:fillClrLst meth="repeat">
+      <a:schemeClr val="accent1">
+        <a:alpha val="90000"/>
+        <a:tint val="40000"/>
+      </a:schemeClr>
+    </dgm:fillClrLst>
+    <dgm:linClrLst meth="repeat">
+      <a:schemeClr val="accent1">
+        <a:alpha val="90000"/>
+        <a:tint val="40000"/>
+      </a:schemeClr>
+    </dgm:linClrLst>
+    <dgm:effectClrLst/>
+    <dgm:txLinClrLst/>
+    <dgm:txFillClrLst meth="repeat">
+      <a:schemeClr val="dk1"/>
+    </dgm:txFillClrLst>
+    <dgm:txEffectClrLst/>
+  </dgm:styleLbl>
+  <dgm:styleLbl name="fgAcc0">
+    <dgm:fillClrLst meth="repeat">
+      <a:schemeClr val="lt1">
+        <a:alpha val="90000"/>
+      </a:schemeClr>
+    </dgm:fillClrLst>
+    <dgm:linClrLst meth="repeat">
+      <a:schemeClr val="accent1"/>
+    </dgm:linClrLst>
+    <dgm:effectClrLst/>
+    <dgm:txLinClrLst/>
+    <dgm:txFillClrLst meth="repeat">
+      <a:schemeClr val="dk1"/>
+    </dgm:txFillClrLst>
+    <dgm:txEffectClrLst/>
+  </dgm:styleLbl>
+  <dgm:styleLbl name="fgAcc2">
+    <dgm:fillClrLst meth="repeat">
+      <a:schemeClr val="lt1">
+        <a:alpha val="90000"/>
+      </a:schemeClr>
+    </dgm:fillClrLst>
+    <dgm:linClrLst meth="repeat">
+      <a:schemeClr val="accent1"/>
+    </dgm:linClrLst>
+    <dgm:effectClrLst/>
+    <dgm:txLinClrLst/>
+    <dgm:txFillClrLst meth="repeat">
+      <a:schemeClr val="dk1"/>
+    </dgm:txFillClrLst>
+    <dgm:txEffectClrLst/>
+  </dgm:styleLbl>
+  <dgm:styleLbl name="fgAcc3">
+    <dgm:fillClrLst meth="repeat">
+      <a:schemeClr val="lt1">
+        <a:alpha val="90000"/>
+      </a:schemeClr>
+    </dgm:fillClrLst>
+    <dgm:linClrLst meth="repeat">
+      <a:schemeClr val="accent1"/>
+    </dgm:linClrLst>
+    <dgm:effectClrLst/>
+    <dgm:txLinClrLst/>
+    <dgm:txFillClrLst meth="repeat">
+      <a:schemeClr val="dk1"/>
+    </dgm:txFillClrLst>
+    <dgm:txEffectClrLst/>
+  </dgm:styleLbl>
+  <dgm:styleLbl name="fgAcc4">
+    <dgm:fillClrLst meth="repeat">
+      <a:schemeClr val="lt1">
+        <a:alpha val="90000"/>
+      </a:schemeClr>
+    </dgm:fillClrLst>
+    <dgm:linClrLst meth="repeat">
+      <a:schemeClr val="accent1"/>
+    </dgm:linClrLst>
+    <dgm:effectClrLst/>
+    <dgm:txLinClrLst/>
+    <dgm:txFillClrLst meth="repeat">
+      <a:schemeClr val="dk1"/>
+    </dgm:txFillClrLst>
+    <dgm:txEffectClrLst/>
+  </dgm:styleLbl>
+  <dgm:styleLbl name="bgShp">
+    <dgm:fillClrLst meth="repeat">
+      <a:schemeClr val="accent1">
+        <a:tint val="40000"/>
+      </a:schemeClr>
+    </dgm:fillClrLst>
+    <dgm:linClrLst meth="repeat">
+      <a:schemeClr val="accent1"/>
+    </dgm:linClrLst>
+    <dgm:effectClrLst/>
+    <dgm:txLinClrLst/>
+    <dgm:txFillClrLst meth="repeat">
+      <a:schemeClr val="dk1"/>
+    </dgm:txFillClrLst>
+    <dgm:txEffectClrLst/>
+  </dgm:styleLbl>
+  <dgm:styleLbl name="dkBgShp">
+    <dgm:fillClrLst meth="repeat">
+      <a:schemeClr val="accent1">
+        <a:shade val="80000"/>
+      </a:schemeClr>
+    </dgm:fillClrLst>
+    <dgm:linClrLst meth="repeat">
+      <a:schemeClr val="accent1"/>
+    </dgm:linClrLst>
+    <dgm:effectClrLst/>
+    <dgm:txLinClrLst/>
+    <dgm:txFillClrLst meth="repeat">
+      <a:schemeClr val="lt1"/>
+    </dgm:txFillClrLst>
+    <dgm:txEffectClrLst/>
+  </dgm:styleLbl>
+  <dgm:styleLbl name="trBgShp">
+    <dgm:fillClrLst meth="repeat">
+      <a:schemeClr val="accent1">
+        <a:tint val="50000"/>
+        <a:alpha val="40000"/>
+      </a:schemeClr>
+    </dgm:fillClrLst>
+    <dgm:linClrLst meth="repeat">
+      <a:schemeClr val="accent1"/>
+    </dgm:linClrLst>
+    <dgm:effectClrLst/>
+    <dgm:txLinClrLst/>
+    <dgm:txFillClrLst meth="repeat">
+      <a:schemeClr val="lt1"/>
+    </dgm:txFillClrLst>
+    <dgm:txEffectClrLst/>
+  </dgm:styleLbl>
+  <dgm:styleLbl name="fgShp">
+    <dgm:fillClrLst meth="repeat">
+      <a:schemeClr val="accent1">
+        <a:tint val="60000"/>
+      </a:schemeClr>
+    </dgm:fillClrLst>
+    <dgm:linClrLst meth="repeat">
+      <a:schemeClr val="lt1"/>
+    </dgm:linClrLst>
+    <dgm:effectClrLst/>
+    <dgm:txLinClrLst/>
+    <dgm:txFillClrLst meth="repeat">
+      <a:schemeClr val="dk1"/>
+    </dgm:txFillClrLst>
+    <dgm:txEffectClrLst/>
+  </dgm:styleLbl>
+  <dgm:styleLbl name="revTx">
+    <dgm:fillClrLst meth="repeat">
+      <a:schemeClr val="lt1">
+        <a:alpha val="0"/>
+      </a:schemeClr>
+    </dgm:fillClrLst>
+    <dgm:linClrLst meth="repeat">
+      <a:schemeClr val="dk1">
+        <a:alpha val="0"/>
+      </a:schemeClr>
+    </dgm:linClrLst>
+    <dgm:effectClrLst/>
+    <dgm:txLinClrLst/>
+    <dgm:txFillClrLst meth="repeat">
+      <a:schemeClr val="tx1"/>
+    </dgm:txFillClrLst>
+    <dgm:txEffectClrLst/>
+  </dgm:styleLbl>
+</dgm:colorsDef>
+</file>
+
+<file path=ppt/diagrams/data1.xml><?xml version="1.0" encoding="utf-8"?>
+<dgm:dataModel xmlns:dgm="http://schemas.openxmlformats.org/drawingml/2006/diagram" xmlns:a="http://schemas.openxmlformats.org/drawingml/2006/main">
+  <dgm:ptLst>
+    <dgm:pt modelId="{9C1799FF-F0D6-41CB-91F3-7B181754CC8D}" type="doc">
+      <dgm:prSet loTypeId="urn:microsoft.com/office/officeart/2005/8/layout/hChevron3" loCatId="process" qsTypeId="urn:microsoft.com/office/officeart/2005/8/quickstyle/simple1" qsCatId="simple" csTypeId="urn:microsoft.com/office/officeart/2005/8/colors/accent1_2" csCatId="accent1" phldr="1"/>
+      <dgm:spPr/>
+    </dgm:pt>
+    <dgm:pt modelId="{14E322CD-42FB-4DEB-879F-A8F0EE937044}">
+      <dgm:prSet phldrT="[文本]"/>
+      <dgm:spPr/>
+      <dgm:t>
+        <a:bodyPr/>
+        <a:lstStyle/>
+        <a:p>
+          <a:r>
+            <a:rPr lang="zh-CN" altLang="en-US" dirty="0"/>
+            <a:t>感染病毒</a:t>
+          </a:r>
+        </a:p>
+      </dgm:t>
+    </dgm:pt>
+    <dgm:pt modelId="{ABAC4119-E91B-45B3-994D-53F9551BD994}" type="parTrans" cxnId="{41D551B1-7F7C-4AFF-B555-CF44C7F495FE}">
+      <dgm:prSet/>
+      <dgm:spPr/>
+      <dgm:t>
+        <a:bodyPr/>
+        <a:lstStyle/>
+        <a:p>
+          <a:endParaRPr lang="zh-CN" altLang="en-US"/>
+        </a:p>
+      </dgm:t>
+    </dgm:pt>
+    <dgm:pt modelId="{1E4B0D55-EF61-4EF8-A733-7EA0052BAC48}" type="sibTrans" cxnId="{41D551B1-7F7C-4AFF-B555-CF44C7F495FE}">
+      <dgm:prSet/>
+      <dgm:spPr/>
+      <dgm:t>
+        <a:bodyPr/>
+        <a:lstStyle/>
+        <a:p>
+          <a:endParaRPr lang="zh-CN" altLang="en-US"/>
+        </a:p>
+      </dgm:t>
+    </dgm:pt>
+    <dgm:pt modelId="{A7F6EC0A-0158-4195-9502-89935D30D899}">
+      <dgm:prSet phldrT="[文本]"/>
+      <dgm:spPr/>
+      <dgm:t>
+        <a:bodyPr/>
+        <a:lstStyle/>
+        <a:p>
+          <a:r>
+            <a:rPr lang="zh-CN" altLang="en-US" dirty="0"/>
+            <a:t>加密勒索</a:t>
+          </a:r>
+        </a:p>
+      </dgm:t>
+    </dgm:pt>
+    <dgm:pt modelId="{309D6884-79A7-496C-A17B-6B6D7D410BCF}" type="parTrans" cxnId="{9AF62777-08BA-4306-A480-943C62C76A0B}">
+      <dgm:prSet/>
+      <dgm:spPr/>
+      <dgm:t>
+        <a:bodyPr/>
+        <a:lstStyle/>
+        <a:p>
+          <a:endParaRPr lang="zh-CN" altLang="en-US"/>
+        </a:p>
+      </dgm:t>
+    </dgm:pt>
+    <dgm:pt modelId="{5D81A3F5-892F-4801-B8B6-A6E6B9FFC2E1}" type="sibTrans" cxnId="{9AF62777-08BA-4306-A480-943C62C76A0B}">
+      <dgm:prSet/>
+      <dgm:spPr/>
+      <dgm:t>
+        <a:bodyPr/>
+        <a:lstStyle/>
+        <a:p>
+          <a:endParaRPr lang="zh-CN" altLang="en-US"/>
+        </a:p>
+      </dgm:t>
+    </dgm:pt>
+    <dgm:pt modelId="{0B961D5E-237E-4514-81E2-0CED3FC78AF3}">
+      <dgm:prSet phldrT="[文本]"/>
+      <dgm:spPr/>
+      <dgm:t>
+        <a:bodyPr/>
+        <a:lstStyle/>
+        <a:p>
+          <a:r>
+            <a:rPr lang="zh-CN" altLang="en-US" dirty="0"/>
+            <a:t>横向传播</a:t>
+          </a:r>
+        </a:p>
+      </dgm:t>
+    </dgm:pt>
+    <dgm:pt modelId="{4C2901EA-BDD7-4217-801D-5C3F6DF72B28}" type="parTrans" cxnId="{73BB2D21-2FA1-4CF3-805B-3B553AB5055E}">
+      <dgm:prSet/>
+      <dgm:spPr/>
+      <dgm:t>
+        <a:bodyPr/>
+        <a:lstStyle/>
+        <a:p>
+          <a:endParaRPr lang="zh-CN" altLang="en-US"/>
+        </a:p>
+      </dgm:t>
+    </dgm:pt>
+    <dgm:pt modelId="{43809362-5AB2-4BDC-99D6-019B1DB81F9A}" type="sibTrans" cxnId="{73BB2D21-2FA1-4CF3-805B-3B553AB5055E}">
+      <dgm:prSet/>
+      <dgm:spPr/>
+      <dgm:t>
+        <a:bodyPr/>
+        <a:lstStyle/>
+        <a:p>
+          <a:endParaRPr lang="zh-CN" altLang="en-US"/>
+        </a:p>
+      </dgm:t>
+    </dgm:pt>
+    <dgm:pt modelId="{5E4C07CE-88FF-4F08-B166-6EB2C073B92B}" type="pres">
+      <dgm:prSet presAssocID="{9C1799FF-F0D6-41CB-91F3-7B181754CC8D}" presName="Name0" presStyleCnt="0">
+        <dgm:presLayoutVars>
+          <dgm:dir/>
+          <dgm:resizeHandles val="exact"/>
+        </dgm:presLayoutVars>
+      </dgm:prSet>
+      <dgm:spPr/>
+    </dgm:pt>
+    <dgm:pt modelId="{F47D230C-6CF9-46BA-9608-B2C83F5AFE32}" type="pres">
+      <dgm:prSet presAssocID="{14E322CD-42FB-4DEB-879F-A8F0EE937044}" presName="parTxOnly" presStyleLbl="node1" presStyleIdx="0" presStyleCnt="3">
+        <dgm:presLayoutVars>
+          <dgm:bulletEnabled val="1"/>
+        </dgm:presLayoutVars>
+      </dgm:prSet>
+      <dgm:spPr/>
+    </dgm:pt>
+    <dgm:pt modelId="{A81A9791-FE2C-4634-A5AF-BB2CD33B9D59}" type="pres">
+      <dgm:prSet presAssocID="{1E4B0D55-EF61-4EF8-A733-7EA0052BAC48}" presName="parSpace" presStyleCnt="0"/>
+      <dgm:spPr/>
+    </dgm:pt>
+    <dgm:pt modelId="{FD6988B9-2264-42FD-8CDC-FD2DF6858D2E}" type="pres">
+      <dgm:prSet presAssocID="{A7F6EC0A-0158-4195-9502-89935D30D899}" presName="parTxOnly" presStyleLbl="node1" presStyleIdx="1" presStyleCnt="3">
+        <dgm:presLayoutVars>
+          <dgm:bulletEnabled val="1"/>
+        </dgm:presLayoutVars>
+      </dgm:prSet>
+      <dgm:spPr/>
+    </dgm:pt>
+    <dgm:pt modelId="{97FC7D01-2A0A-43E4-B6FD-7307067FD6C3}" type="pres">
+      <dgm:prSet presAssocID="{5D81A3F5-892F-4801-B8B6-A6E6B9FFC2E1}" presName="parSpace" presStyleCnt="0"/>
+      <dgm:spPr/>
+    </dgm:pt>
+    <dgm:pt modelId="{F8C945EA-3C86-4DB7-B13C-99DFF3E00B76}" type="pres">
+      <dgm:prSet presAssocID="{0B961D5E-237E-4514-81E2-0CED3FC78AF3}" presName="parTxOnly" presStyleLbl="node1" presStyleIdx="2" presStyleCnt="3">
+        <dgm:presLayoutVars>
+          <dgm:bulletEnabled val="1"/>
+        </dgm:presLayoutVars>
+      </dgm:prSet>
+      <dgm:spPr/>
+    </dgm:pt>
+  </dgm:ptLst>
+  <dgm:cxnLst>
+    <dgm:cxn modelId="{73BB2D21-2FA1-4CF3-805B-3B553AB5055E}" srcId="{9C1799FF-F0D6-41CB-91F3-7B181754CC8D}" destId="{0B961D5E-237E-4514-81E2-0CED3FC78AF3}" srcOrd="2" destOrd="0" parTransId="{4C2901EA-BDD7-4217-801D-5C3F6DF72B28}" sibTransId="{43809362-5AB2-4BDC-99D6-019B1DB81F9A}"/>
+    <dgm:cxn modelId="{DC35CA5B-087E-47DB-B60A-E24AD53B3097}" type="presOf" srcId="{9C1799FF-F0D6-41CB-91F3-7B181754CC8D}" destId="{5E4C07CE-88FF-4F08-B166-6EB2C073B92B}" srcOrd="0" destOrd="0" presId="urn:microsoft.com/office/officeart/2005/8/layout/hChevron3"/>
+    <dgm:cxn modelId="{9AF62777-08BA-4306-A480-943C62C76A0B}" srcId="{9C1799FF-F0D6-41CB-91F3-7B181754CC8D}" destId="{A7F6EC0A-0158-4195-9502-89935D30D899}" srcOrd="1" destOrd="0" parTransId="{309D6884-79A7-496C-A17B-6B6D7D410BCF}" sibTransId="{5D81A3F5-892F-4801-B8B6-A6E6B9FFC2E1}"/>
+    <dgm:cxn modelId="{7E0DC088-D524-4F92-BF07-0DB15ABCEF70}" type="presOf" srcId="{14E322CD-42FB-4DEB-879F-A8F0EE937044}" destId="{F47D230C-6CF9-46BA-9608-B2C83F5AFE32}" srcOrd="0" destOrd="0" presId="urn:microsoft.com/office/officeart/2005/8/layout/hChevron3"/>
+    <dgm:cxn modelId="{41D551B1-7F7C-4AFF-B555-CF44C7F495FE}" srcId="{9C1799FF-F0D6-41CB-91F3-7B181754CC8D}" destId="{14E322CD-42FB-4DEB-879F-A8F0EE937044}" srcOrd="0" destOrd="0" parTransId="{ABAC4119-E91B-45B3-994D-53F9551BD994}" sibTransId="{1E4B0D55-EF61-4EF8-A733-7EA0052BAC48}"/>
+    <dgm:cxn modelId="{DF6859D0-3009-4D9D-B0B6-67F286C0DF1F}" type="presOf" srcId="{0B961D5E-237E-4514-81E2-0CED3FC78AF3}" destId="{F8C945EA-3C86-4DB7-B13C-99DFF3E00B76}" srcOrd="0" destOrd="0" presId="urn:microsoft.com/office/officeart/2005/8/layout/hChevron3"/>
+    <dgm:cxn modelId="{BD7BCDDB-7233-4885-A47D-4475A2B4710C}" type="presOf" srcId="{A7F6EC0A-0158-4195-9502-89935D30D899}" destId="{FD6988B9-2264-42FD-8CDC-FD2DF6858D2E}" srcOrd="0" destOrd="0" presId="urn:microsoft.com/office/officeart/2005/8/layout/hChevron3"/>
+    <dgm:cxn modelId="{DFFA4790-C229-4B06-BB98-038E3C0B27DC}" type="presParOf" srcId="{5E4C07CE-88FF-4F08-B166-6EB2C073B92B}" destId="{F47D230C-6CF9-46BA-9608-B2C83F5AFE32}" srcOrd="0" destOrd="0" presId="urn:microsoft.com/office/officeart/2005/8/layout/hChevron3"/>
+    <dgm:cxn modelId="{2ACCDB37-53CD-45CE-970E-2AEDBA09B91C}" type="presParOf" srcId="{5E4C07CE-88FF-4F08-B166-6EB2C073B92B}" destId="{A81A9791-FE2C-4634-A5AF-BB2CD33B9D59}" srcOrd="1" destOrd="0" presId="urn:microsoft.com/office/officeart/2005/8/layout/hChevron3"/>
+    <dgm:cxn modelId="{C89C19A7-0F1B-4400-8832-1163A041C555}" type="presParOf" srcId="{5E4C07CE-88FF-4F08-B166-6EB2C073B92B}" destId="{FD6988B9-2264-42FD-8CDC-FD2DF6858D2E}" srcOrd="2" destOrd="0" presId="urn:microsoft.com/office/officeart/2005/8/layout/hChevron3"/>
+    <dgm:cxn modelId="{C1B5AD3E-118A-4997-86E4-FBE8BEAC4069}" type="presParOf" srcId="{5E4C07CE-88FF-4F08-B166-6EB2C073B92B}" destId="{97FC7D01-2A0A-43E4-B6FD-7307067FD6C3}" srcOrd="3" destOrd="0" presId="urn:microsoft.com/office/officeart/2005/8/layout/hChevron3"/>
+    <dgm:cxn modelId="{2BDB0916-20DF-4A2B-8F10-AC25B77707E8}" type="presParOf" srcId="{5E4C07CE-88FF-4F08-B166-6EB2C073B92B}" destId="{F8C945EA-3C86-4DB7-B13C-99DFF3E00B76}" srcOrd="4" destOrd="0" presId="urn:microsoft.com/office/officeart/2005/8/layout/hChevron3"/>
+  </dgm:cxnLst>
+  <dgm:bg/>
+  <dgm:whole/>
+  <dgm:extLst>
+    <a:ext uri="http://schemas.microsoft.com/office/drawing/2008/diagram">
+      <dsp:dataModelExt xmlns:dsp="http://schemas.microsoft.com/office/drawing/2008/diagram" relId="rId6" minVer="http://schemas.openxmlformats.org/drawingml/2006/diagram"/>
+    </a:ext>
+  </dgm:extLst>
+</dgm:dataModel>
+</file>
+
+<file path=ppt/diagrams/drawing1.xml><?xml version="1.0" encoding="utf-8"?>
+<dsp:drawing xmlns:dgm="http://schemas.openxmlformats.org/drawingml/2006/diagram" xmlns:dsp="http://schemas.microsoft.com/office/drawing/2008/diagram" xmlns:a="http://schemas.openxmlformats.org/drawingml/2006/main">
+  <dsp:spTree>
+    <dsp:nvGrpSpPr>
+      <dsp:cNvPr id="0" name=""/>
+      <dsp:cNvGrpSpPr/>
+    </dsp:nvGrpSpPr>
+    <dsp:grpSpPr/>
+    <dsp:sp modelId="{F47D230C-6CF9-46BA-9608-B2C83F5AFE32}">
+      <dsp:nvSpPr>
+        <dsp:cNvPr id="0" name=""/>
+        <dsp:cNvSpPr/>
+      </dsp:nvSpPr>
+      <dsp:spPr>
+        <a:xfrm>
+          <a:off x="3571" y="0"/>
+          <a:ext cx="3123406" cy="550133"/>
+        </a:xfrm>
+        <a:prstGeom prst="homePlate">
+          <a:avLst/>
+        </a:prstGeom>
+        <a:solidFill>
+          <a:schemeClr val="accent1">
+            <a:hueOff val="0"/>
+            <a:satOff val="0"/>
+            <a:lumOff val="0"/>
+            <a:alphaOff val="0"/>
+          </a:schemeClr>
+        </a:solidFill>
+        <a:ln w="12700" cap="flat" cmpd="sng" algn="ctr">
+          <a:solidFill>
+            <a:schemeClr val="lt1">
+              <a:hueOff val="0"/>
+              <a:satOff val="0"/>
+              <a:lumOff val="0"/>
+              <a:alphaOff val="0"/>
+            </a:schemeClr>
+          </a:solidFill>
+          <a:prstDash val="solid"/>
+          <a:miter lim="800000"/>
+        </a:ln>
+        <a:effectLst/>
+      </dsp:spPr>
+      <dsp:style>
+        <a:lnRef idx="2">
+          <a:scrgbClr r="0" g="0" b="0"/>
+        </a:lnRef>
+        <a:fillRef idx="1">
+          <a:scrgbClr r="0" g="0" b="0"/>
+        </a:fillRef>
+        <a:effectRef idx="0">
+          <a:scrgbClr r="0" g="0" b="0"/>
+        </a:effectRef>
+        <a:fontRef idx="minor">
+          <a:schemeClr val="lt1"/>
+        </a:fontRef>
+      </dsp:style>
+      <dsp:txBody>
+        <a:bodyPr spcFirstLastPara="0" vert="horz" wrap="square" lIns="112014" tIns="56007" rIns="28004" bIns="56007" numCol="1" spcCol="1270" anchor="ctr" anchorCtr="0">
+          <a:noAutofit/>
+        </a:bodyPr>
+        <a:lstStyle/>
+        <a:p>
+          <a:pPr marL="0" lvl="0" indent="0" algn="ctr" defTabSz="933450">
+            <a:lnSpc>
+              <a:spcPct val="90000"/>
+            </a:lnSpc>
+            <a:spcBef>
+              <a:spcPct val="0"/>
+            </a:spcBef>
+            <a:spcAft>
+              <a:spcPct val="35000"/>
+            </a:spcAft>
+            <a:buNone/>
+          </a:pPr>
+          <a:r>
+            <a:rPr lang="zh-CN" altLang="en-US" sz="2100" kern="1200" dirty="0"/>
+            <a:t>感染病毒</a:t>
+          </a:r>
+        </a:p>
+      </dsp:txBody>
+      <dsp:txXfrm>
+        <a:off x="3571" y="0"/>
+        <a:ext cx="2985873" cy="550133"/>
+      </dsp:txXfrm>
+    </dsp:sp>
+    <dsp:sp modelId="{FD6988B9-2264-42FD-8CDC-FD2DF6858D2E}">
+      <dsp:nvSpPr>
+        <dsp:cNvPr id="0" name=""/>
+        <dsp:cNvSpPr/>
+      </dsp:nvSpPr>
+      <dsp:spPr>
+        <a:xfrm>
+          <a:off x="2502296" y="0"/>
+          <a:ext cx="3123406" cy="550133"/>
+        </a:xfrm>
+        <a:prstGeom prst="chevron">
+          <a:avLst/>
+        </a:prstGeom>
+        <a:solidFill>
+          <a:schemeClr val="accent1">
+            <a:hueOff val="0"/>
+            <a:satOff val="0"/>
+            <a:lumOff val="0"/>
+            <a:alphaOff val="0"/>
+          </a:schemeClr>
+        </a:solidFill>
+        <a:ln w="12700" cap="flat" cmpd="sng" algn="ctr">
+          <a:solidFill>
+            <a:schemeClr val="lt1">
+              <a:hueOff val="0"/>
+              <a:satOff val="0"/>
+              <a:lumOff val="0"/>
+              <a:alphaOff val="0"/>
+            </a:schemeClr>
+          </a:solidFill>
+          <a:prstDash val="solid"/>
+          <a:miter lim="800000"/>
+        </a:ln>
+        <a:effectLst/>
+      </dsp:spPr>
+      <dsp:style>
+        <a:lnRef idx="2">
+          <a:scrgbClr r="0" g="0" b="0"/>
+        </a:lnRef>
+        <a:fillRef idx="1">
+          <a:scrgbClr r="0" g="0" b="0"/>
+        </a:fillRef>
+        <a:effectRef idx="0">
+          <a:scrgbClr r="0" g="0" b="0"/>
+        </a:effectRef>
+        <a:fontRef idx="minor">
+          <a:schemeClr val="lt1"/>
+        </a:fontRef>
+      </dsp:style>
+      <dsp:txBody>
+        <a:bodyPr spcFirstLastPara="0" vert="horz" wrap="square" lIns="84011" tIns="56007" rIns="28004" bIns="56007" numCol="1" spcCol="1270" anchor="ctr" anchorCtr="0">
+          <a:noAutofit/>
+        </a:bodyPr>
+        <a:lstStyle/>
+        <a:p>
+          <a:pPr marL="0" lvl="0" indent="0" algn="ctr" defTabSz="933450">
+            <a:lnSpc>
+              <a:spcPct val="90000"/>
+            </a:lnSpc>
+            <a:spcBef>
+              <a:spcPct val="0"/>
+            </a:spcBef>
+            <a:spcAft>
+              <a:spcPct val="35000"/>
+            </a:spcAft>
+            <a:buNone/>
+          </a:pPr>
+          <a:r>
+            <a:rPr lang="zh-CN" altLang="en-US" sz="2100" kern="1200" dirty="0"/>
+            <a:t>加密勒索</a:t>
+          </a:r>
+        </a:p>
+      </dsp:txBody>
+      <dsp:txXfrm>
+        <a:off x="2777363" y="0"/>
+        <a:ext cx="2573273" cy="550133"/>
+      </dsp:txXfrm>
+    </dsp:sp>
+    <dsp:sp modelId="{F8C945EA-3C86-4DB7-B13C-99DFF3E00B76}">
+      <dsp:nvSpPr>
+        <dsp:cNvPr id="0" name=""/>
+        <dsp:cNvSpPr/>
+      </dsp:nvSpPr>
+      <dsp:spPr>
+        <a:xfrm>
+          <a:off x="5001021" y="0"/>
+          <a:ext cx="3123406" cy="550133"/>
+        </a:xfrm>
+        <a:prstGeom prst="chevron">
+          <a:avLst/>
+        </a:prstGeom>
+        <a:solidFill>
+          <a:schemeClr val="accent1">
+            <a:hueOff val="0"/>
+            <a:satOff val="0"/>
+            <a:lumOff val="0"/>
+            <a:alphaOff val="0"/>
+          </a:schemeClr>
+        </a:solidFill>
+        <a:ln w="12700" cap="flat" cmpd="sng" algn="ctr">
+          <a:solidFill>
+            <a:schemeClr val="lt1">
+              <a:hueOff val="0"/>
+              <a:satOff val="0"/>
+              <a:lumOff val="0"/>
+              <a:alphaOff val="0"/>
+            </a:schemeClr>
+          </a:solidFill>
+          <a:prstDash val="solid"/>
+          <a:miter lim="800000"/>
+        </a:ln>
+        <a:effectLst/>
+      </dsp:spPr>
+      <dsp:style>
+        <a:lnRef idx="2">
+          <a:scrgbClr r="0" g="0" b="0"/>
+        </a:lnRef>
+        <a:fillRef idx="1">
+          <a:scrgbClr r="0" g="0" b="0"/>
+        </a:fillRef>
+        <a:effectRef idx="0">
+          <a:scrgbClr r="0" g="0" b="0"/>
+        </a:effectRef>
+        <a:fontRef idx="minor">
+          <a:schemeClr val="lt1"/>
+        </a:fontRef>
+      </dsp:style>
+      <dsp:txBody>
+        <a:bodyPr spcFirstLastPara="0" vert="horz" wrap="square" lIns="84011" tIns="56007" rIns="28004" bIns="56007" numCol="1" spcCol="1270" anchor="ctr" anchorCtr="0">
+          <a:noAutofit/>
+        </a:bodyPr>
+        <a:lstStyle/>
+        <a:p>
+          <a:pPr marL="0" lvl="0" indent="0" algn="ctr" defTabSz="933450">
+            <a:lnSpc>
+              <a:spcPct val="90000"/>
+            </a:lnSpc>
+            <a:spcBef>
+              <a:spcPct val="0"/>
+            </a:spcBef>
+            <a:spcAft>
+              <a:spcPct val="35000"/>
+            </a:spcAft>
+            <a:buNone/>
+          </a:pPr>
+          <a:r>
+            <a:rPr lang="zh-CN" altLang="en-US" sz="2100" kern="1200" dirty="0"/>
+            <a:t>横向传播</a:t>
+          </a:r>
+        </a:p>
+      </dsp:txBody>
+      <dsp:txXfrm>
+        <a:off x="5276088" y="0"/>
+        <a:ext cx="2573273" cy="550133"/>
+      </dsp:txXfrm>
+    </dsp:sp>
+  </dsp:spTree>
+</dsp:drawing>
+</file>
+
+<file path=ppt/diagrams/layout1.xml><?xml version="1.0" encoding="utf-8"?>
+<dgm:layoutDef xmlns:dgm="http://schemas.openxmlformats.org/drawingml/2006/diagram" xmlns:a="http://schemas.openxmlformats.org/drawingml/2006/main" uniqueId="urn:microsoft.com/office/officeart/2005/8/layout/hChevron3">
+  <dgm:title val=""/>
+  <dgm:desc val=""/>
+  <dgm:catLst>
+    <dgm:cat type="process" pri="10000"/>
+  </dgm:catLst>
+  <dgm:sampData useDef="1">
+    <dgm:dataModel>
+      <dgm:ptLst/>
+      <dgm:bg/>
+      <dgm:whole/>
+    </dgm:dataModel>
+  </dgm:sampData>
+  <dgm:styleData>
+    <dgm:dataModel>
+      <dgm:ptLst>
+        <dgm:pt modelId="0" type="doc"/>
+        <dgm:pt modelId="1"/>
+        <dgm:pt modelId="2"/>
+      </dgm:ptLst>
+      <dgm:cxnLst>
+        <dgm:cxn modelId="3" srcId="0" destId="1" srcOrd="0" destOrd="0"/>
+        <dgm:cxn modelId="4" srcId="0" destId="2" srcOrd="1" destOrd="0"/>
+      </dgm:cxnLst>
+      <dgm:bg/>
+      <dgm:whole/>
+    </dgm:dataModel>
+  </dgm:styleData>
+  <dgm:clrData>
+    <dgm:dataModel>
+      <dgm:ptLst>
+        <dgm:pt modelId="0" type="doc"/>
+        <dgm:pt modelId="1"/>
+        <dgm:pt modelId="2"/>
+        <dgm:pt modelId="3"/>
+        <dgm:pt modelId="4"/>
+      </dgm:ptLst>
+      <dgm:cxnLst>
+        <dgm:cxn modelId="5" srcId="0" destId="1" srcOrd="0" destOrd="0"/>
+        <dgm:cxn modelId="6" srcId="0" destId="2" srcOrd="1" destOrd="0"/>
+        <dgm:cxn modelId="7" srcId="0" destId="3" srcOrd="2" destOrd="0"/>
+        <dgm:cxn modelId="8" srcId="0" destId="4" srcOrd="3" destOrd="0"/>
+      </dgm:cxnLst>
+      <dgm:bg/>
+      <dgm:whole/>
+    </dgm:dataModel>
+  </dgm:clrData>
+  <dgm:layoutNode name="Name0">
+    <dgm:varLst>
+      <dgm:dir/>
+      <dgm:resizeHandles val="exact"/>
+    </dgm:varLst>
+    <dgm:choose name="Name1">
+      <dgm:if name="Name2" func="var" arg="dir" op="equ" val="norm">
+        <dgm:alg type="lin"/>
+      </dgm:if>
+      <dgm:else name="Name3">
+        <dgm:alg type="lin">
+          <dgm:param type="linDir" val="fromR"/>
+        </dgm:alg>
+      </dgm:else>
+    </dgm:choose>
+    <dgm:shape xmlns:r="http://schemas.openxmlformats.org/officeDocument/2006/relationships" r:blip="">
+      <dgm:adjLst/>
+    </dgm:shape>
+    <dgm:presOf/>
+    <dgm:choose name="Name4">
+      <dgm:if name="Name5" axis="root des" func="maxDepth" op="gte" val="2">
+        <dgm:constrLst>
+          <dgm:constr type="w" for="ch" forName="parAndChTx" refType="w"/>
+          <dgm:constr type="primFontSz" for="ch" ptType="node" op="equ"/>
+          <dgm:constr type="w" for="ch" forName="parAndChSpace" refType="w" refFor="ch" refForName="parAndChTx" fact="-0.2"/>
+          <dgm:constr type="w" for="ch" ptType="sibTrans" op="equ"/>
+        </dgm:constrLst>
+        <dgm:ruleLst/>
+        <dgm:forEach name="Name6" axis="ch" ptType="node">
+          <dgm:layoutNode name="parAndChTx">
+            <dgm:varLst>
+              <dgm:bulletEnabled val="1"/>
+            </dgm:varLst>
+            <dgm:alg type="tx"/>
+            <dgm:choose name="Name7">
+              <dgm:if name="Name8" func="var" arg="dir" op="equ" val="norm">
+                <dgm:choose name="Name9">
+                  <dgm:if name="Name10" axis="self" ptType="node" func="pos" op="equ" val="1">
+                    <dgm:shape xmlns:r="http://schemas.openxmlformats.org/officeDocument/2006/relationships" type="homePlate" r:blip="">
+                      <dgm:adjLst>
+                        <dgm:adj idx="1" val="0.25"/>
+                      </dgm:adjLst>
+                    </dgm:shape>
+                    <dgm:presOf axis="desOrSelf" ptType="node"/>
+                    <dgm:constrLst>
+                      <dgm:constr type="h" refType="w" op="equ" fact="0.8"/>
+                      <dgm:constr type="primFontSz" val="65"/>
+                      <dgm:constr type="tMarg" refType="primFontSz" fact="0.2"/>
+                      <dgm:constr type="bMarg" refType="primFontSz" fact="0.2"/>
+                      <dgm:constr type="lMarg" refType="w" fact="0.1"/>
+                      <dgm:constr type="rMarg" refType="w" fact="0.4"/>
+                    </dgm:constrLst>
+                  </dgm:if>
+                  <dgm:else name="Name11">
+                    <dgm:shape xmlns:r="http://schemas.openxmlformats.org/officeDocument/2006/relationships" type="chevron" r:blip="">
+                      <dgm:adjLst>
+                        <dgm:adj idx="1" val="0.25"/>
+                      </dgm:adjLst>
+                    </dgm:shape>
+                    <dgm:presOf axis="desOrSelf" ptType="node"/>
+                    <dgm:constrLst>
+                      <dgm:constr type="h" refType="w" op="equ" fact="0.8"/>
+                      <dgm:constr type="primFontSz" val="65"/>
+                      <dgm:constr type="tMarg" refType="primFontSz" fact="0.2"/>
+                      <dgm:constr type="bMarg" refType="primFontSz" fact="0.2"/>
+                      <dgm:constr type="lMarg" refType="w" fact="0.1"/>
+                      <dgm:constr type="rMarg" refType="w" fact="0.1"/>
+                    </dgm:constrLst>
+                  </dgm:else>
+                </dgm:choose>
+              </dgm:if>
+              <dgm:else name="Name12">
+                <dgm:choose name="Name13">
+                  <dgm:if name="Name14" axis="self" ptType="node" func="pos" op="equ" val="1">
+                    <dgm:shape xmlns:r="http://schemas.openxmlformats.org/officeDocument/2006/relationships" rot="180" type="homePlate" r:blip="">
+                      <dgm:adjLst>
+                        <dgm:adj idx="1" val="0.25"/>
+                      </dgm:adjLst>
+                    </dgm:shape>
+                    <dgm:presOf axis="desOrSelf" ptType="node"/>
+                    <dgm:constrLst>
+                      <dgm:constr type="h" refType="w" op="equ" fact="0.8"/>
+                      <dgm:constr type="primFontSz" val="65"/>
+                      <dgm:constr type="tMarg" refType="primFontSz" fact="0.2"/>
+                      <dgm:constr type="bMarg" refType="primFontSz" fact="0.2"/>
+                      <dgm:constr type="lMarg" refType="w" fact="0.4"/>
+                      <dgm:constr type="rMarg" refType="w" fact="0.1"/>
+                    </dgm:constrLst>
+                  </dgm:if>
+                  <dgm:else name="Name15">
+                    <dgm:shape xmlns:r="http://schemas.openxmlformats.org/officeDocument/2006/relationships" rot="180" type="chevron" r:blip="">
+                      <dgm:adjLst>
+                        <dgm:adj idx="1" val="0.25"/>
+                      </dgm:adjLst>
+                    </dgm:shape>
+                    <dgm:presOf axis="desOrSelf" ptType="node"/>
+                    <dgm:constrLst>
+                      <dgm:constr type="h" refType="w" op="equ" fact="0.8"/>
+                      <dgm:constr type="primFontSz" val="65"/>
+                      <dgm:constr type="tMarg" refType="primFontSz" fact="0.2"/>
+                      <dgm:constr type="bMarg" refType="primFontSz" fact="0.2"/>
+                      <dgm:constr type="lMarg" refType="w" fact="0.1"/>
+                      <dgm:constr type="rMarg" refType="w" fact="0.1"/>
+                    </dgm:constrLst>
+                  </dgm:else>
+                </dgm:choose>
+              </dgm:else>
+            </dgm:choose>
+            <dgm:ruleLst>
+              <dgm:rule type="primFontSz" val="5" fact="NaN" max="NaN"/>
+            </dgm:ruleLst>
+          </dgm:layoutNode>
+          <dgm:forEach name="Name16" axis="followSib" ptType="sibTrans" cnt="1">
+            <dgm:layoutNode name="parAndChSpace">
+              <dgm:alg type="sp"/>
+              <dgm:shape xmlns:r="http://schemas.openxmlformats.org/officeDocument/2006/relationships" r:blip="">
+                <dgm:adjLst/>
+              </dgm:shape>
+              <dgm:presOf/>
+              <dgm:constrLst/>
+              <dgm:ruleLst/>
+            </dgm:layoutNode>
+          </dgm:forEach>
+        </dgm:forEach>
+      </dgm:if>
+      <dgm:else name="Name17">
+        <dgm:constrLst>
+          <dgm:constr type="w" for="ch" forName="parTxOnly" refType="w"/>
+          <dgm:constr type="primFontSz" for="ch" ptType="node" op="equ"/>
+          <dgm:constr type="w" for="ch" forName="parSpace" refType="w" refFor="ch" refForName="parTxOnly" fact="-0.2"/>
+          <dgm:constr type="w" for="ch" ptType="sibTrans" op="equ"/>
+        </dgm:constrLst>
+        <dgm:ruleLst/>
+        <dgm:forEach name="Name18" axis="ch" ptType="node">
+          <dgm:layoutNode name="parTxOnly">
+            <dgm:varLst>
+              <dgm:bulletEnabled val="1"/>
+            </dgm:varLst>
+            <dgm:alg type="tx"/>
+            <dgm:presOf axis="desOrSelf" ptType="node"/>
+            <dgm:choose name="Name19">
+              <dgm:if name="Name20" func="var" arg="dir" op="equ" val="norm">
+                <dgm:choose name="Name21">
+                  <dgm:if name="Name22" axis="self" ptType="node" func="pos" op="equ" val="1">
+                    <dgm:shape xmlns:r="http://schemas.openxmlformats.org/officeDocument/2006/relationships" type="homePlate" r:blip="">
+                      <dgm:adjLst/>
+                    </dgm:shape>
+                    <dgm:constrLst>
+                      <dgm:constr type="h" refType="w" op="equ" fact="0.4"/>
+                      <dgm:constr type="primFontSz" val="65"/>
+                      <dgm:constr type="tMarg" refType="primFontSz" fact="0.21"/>
+                      <dgm:constr type="bMarg" refType="primFontSz" fact="0.21"/>
+                      <dgm:constr type="lMarg" refType="primFontSz" fact="0.42"/>
+                      <dgm:constr type="rMarg" refType="primFontSz" fact="0.105"/>
+                    </dgm:constrLst>
+                  </dgm:if>
+                  <dgm:else name="Name23">
+                    <dgm:shape xmlns:r="http://schemas.openxmlformats.org/officeDocument/2006/relationships" type="chevron" r:blip="">
+                      <dgm:adjLst/>
+                    </dgm:shape>
+                    <dgm:constrLst>
+                      <dgm:constr type="h" refType="w" op="equ" fact="0.4"/>
+                      <dgm:constr type="primFontSz" val="65"/>
+                      <dgm:constr type="tMarg" refType="primFontSz" fact="0.21"/>
+                      <dgm:constr type="bMarg" refType="primFontSz" fact="0.21"/>
+                      <dgm:constr type="lMarg" refType="primFontSz" fact="0.315"/>
+                      <dgm:constr type="rMarg" refType="primFontSz" fact="0.105"/>
+                    </dgm:constrLst>
+                  </dgm:else>
+                </dgm:choose>
+              </dgm:if>
+              <dgm:else name="Name24">
+                <dgm:choose name="Name25">
+                  <dgm:if name="Name26" axis="self" ptType="node" func="pos" op="equ" val="1">
+                    <dgm:shape xmlns:r="http://schemas.openxmlformats.org/officeDocument/2006/relationships" rot="180" type="homePlate" r:blip="">
+                      <dgm:adjLst/>
+                    </dgm:shape>
+                    <dgm:constrLst>
+                      <dgm:constr type="h" refType="w" op="equ" fact="0.4"/>
+                      <dgm:constr type="primFontSz" val="65"/>
+                      <dgm:constr type="tMarg" refType="primFontSz" fact="0.21"/>
+                      <dgm:constr type="bMarg" refType="primFontSz" fact="0.21"/>
+                      <dgm:constr type="lMarg" refType="primFontSz" fact="0.105"/>
+                      <dgm:constr type="rMarg" refType="primFontSz" fact="0.42"/>
+                    </dgm:constrLst>
+                  </dgm:if>
+                  <dgm:else name="Name27">
+                    <dgm:shape xmlns:r="http://schemas.openxmlformats.org/officeDocument/2006/relationships" rot="180" type="chevron" r:blip="">
+                      <dgm:adjLst/>
+                    </dgm:shape>
+                    <dgm:constrLst>
+                      <dgm:constr type="h" refType="w" op="equ" fact="0.4"/>
+                      <dgm:constr type="primFontSz" val="65"/>
+                      <dgm:constr type="tMarg" refType="primFontSz" fact="0.21"/>
+                      <dgm:constr type="bMarg" refType="primFontSz" fact="0.21"/>
+                      <dgm:constr type="lMarg" refType="primFontSz" fact="0.105"/>
+                      <dgm:constr type="rMarg" refType="primFontSz" fact="0.315"/>
+                    </dgm:constrLst>
+                  </dgm:else>
+                </dgm:choose>
+              </dgm:else>
+            </dgm:choose>
+            <dgm:ruleLst>
+              <dgm:rule type="primFontSz" val="5" fact="NaN" max="NaN"/>
+            </dgm:ruleLst>
+          </dgm:layoutNode>
+          <dgm:forEach name="Name28" axis="followSib" ptType="sibTrans" cnt="1">
+            <dgm:layoutNode name="parSpace">
+              <dgm:alg type="sp"/>
+              <dgm:shape xmlns:r="http://schemas.openxmlformats.org/officeDocument/2006/relationships" r:blip="">
+                <dgm:adjLst/>
+              </dgm:shape>
+              <dgm:presOf/>
+              <dgm:constrLst/>
+              <dgm:ruleLst/>
+            </dgm:layoutNode>
+          </dgm:forEach>
+        </dgm:forEach>
+      </dgm:else>
+    </dgm:choose>
+  </dgm:layoutNode>
+</dgm:layoutDef>
+</file>
+
+<file path=ppt/diagrams/quickStyle1.xml><?xml version="1.0" encoding="utf-8"?>
+<dgm:styleDef xmlns:dgm="http://schemas.openxmlformats.org/drawingml/2006/diagram" xmlns:a="http://schemas.openxmlformats.org/drawingml/2006/main" uniqueId="urn:microsoft.com/office/officeart/2005/8/quickstyle/simple1">
+  <dgm:title val=""/>
+  <dgm:desc val=""/>
+  <dgm:catLst>
+    <dgm:cat type="simple" pri="10100"/>
+  </dgm:catLst>
+  <dgm:scene3d>
+    <a:camera prst="orthographicFront"/>
+    <a:lightRig rig="threePt" dir="t"/>
+  </dgm:scene3d>
+  <dgm:styleLbl name="node0">
+    <dgm:scene3d>
+      <a:camera prst="orthographicFront"/>
+      <a:lightRig rig="threePt" dir="t"/>
+    </dgm:scene3d>
+    <dgm:sp3d/>
+    <dgm:txPr/>
+    <dgm:style>
+      <a:lnRef idx="2">
+        <a:scrgbClr r="0" g="0" b="0"/>
+      </a:lnRef>
+      <a:fillRef idx="1">
+        <a:scrgbClr r="0" g="0" b="0"/>
+      </a:fillRef>
+      <a:effectRef idx="0">
+        <a:scrgbClr r="0" g="0" b="0"/>
+      </a:effectRef>
+      <a:fontRef idx="minor">
+        <a:schemeClr val="lt1"/>
+      </a:fontRef>
+    </dgm:style>
+  </dgm:styleLbl>
+  <dgm:styleLbl name="lnNode1">
+    <dgm:scene3d>
+      <a:camera prst="orthographicFront"/>
+      <a:lightRig rig="threePt" dir="t"/>
+    </dgm:scene3d>
+    <dgm:sp3d/>
+    <dgm:txPr/>
+    <dgm:style>
+      <a:lnRef idx="2">
+        <a:scrgbClr r="0" g="0" b="0"/>
+      </a:lnRef>
+      <a:fillRef idx="1">
+        <a:scrgbClr r="0" g="0" b="0"/>
+      </a:fillRef>
+      <a:effectRef idx="0">
+        <a:scrgbClr r="0" g="0" b="0"/>
+      </a:effectRef>
+      <a:fontRef idx="minor">
+        <a:schemeClr val="lt1"/>
+      </a:fontRef>
+    </dgm:style>
+  </dgm:styleLbl>
+  <dgm:styleLbl name="vennNode1">
+    <dgm:scene3d>
+      <a:camera prst="orthographicFront"/>
+      <a:lightRig rig="threePt" dir="t"/>
+    </dgm:scene3d>
+    <dgm:sp3d/>
+    <dgm:txPr/>
+    <dgm:style>
+      <a:lnRef idx="2">
+        <a:scrgbClr r="0" g="0" b="0"/>
+      </a:lnRef>
+      <a:fillRef idx="1">
+        <a:scrgbClr r="0" g="0" b="0"/>
+      </a:fillRef>
+      <a:effectRef idx="0">
+        <a:scrgbClr r="0" g="0" b="0"/>
+      </a:effectRef>
+      <a:fontRef idx="minor">
+        <a:schemeClr val="tx1"/>
+      </a:fontRef>
+    </dgm:style>
+  </dgm:styleLbl>
+  <dgm:styleLbl name="alignNode1">
+    <dgm:scene3d>
+      <a:camera prst="orthographicFront"/>
+      <a:lightRig rig="threePt" dir="t"/>
+    </dgm:scene3d>
+    <dgm:sp3d/>
+    <dgm:txPr/>
+    <dgm:style>
+      <a:lnRef idx="2">
+        <a:scrgbClr r="0" g="0" b="0"/>
+      </a:lnRef>
+      <a:fillRef idx="1">
+        <a:scrgbClr r="0" g="0" b="0"/>
+      </a:fillRef>
+      <a:effectRef idx="0">
+        <a:scrgbClr r="0" g="0" b="0"/>
+      </a:effectRef>
+      <a:fontRef idx="minor">
+        <a:schemeClr val="lt1"/>
+      </a:fontRef>
+    </dgm:style>
+  </dgm:styleLbl>
+  <dgm:styleLbl name="node1">
+    <dgm:scene3d>
+      <a:camera prst="orthographicFront"/>
+      <a:lightRig rig="threePt" dir="t"/>
+    </dgm:scene3d>
+    <dgm:sp3d/>
+    <dgm:txPr/>
+    <dgm:style>
+      <a:lnRef idx="2">
+        <a:scrgbClr r="0" g="0" b="0"/>
+      </a:lnRef>
+      <a:fillRef idx="1">
+        <a:scrgbClr r="0" g="0" b="0"/>
+      </a:fillRef>
+      <a:effectRef idx="0">
+        <a:scrgbClr r="0" g="0" b="0"/>
+      </a:effectRef>
+      <a:fontRef idx="minor">
+        <a:schemeClr val="lt1"/>
+      </a:fontRef>
+    </dgm:style>
+  </dgm:styleLbl>
+  <dgm:styleLbl name="node2">
+    <dgm:scene3d>
+      <a:camera prst="orthographicFront"/>
+      <a:lightRig rig="threePt" dir="t"/>
+    </dgm:scene3d>
+    <dgm:sp3d/>
+    <dgm:txPr/>
+    <dgm:style>
+      <a:lnRef idx="2">
+        <a:scrgbClr r="0" g="0" b="0"/>
+      </a:lnRef>
+      <a:fillRef idx="1">
+        <a:scrgbClr r="0" g="0" b="0"/>
+      </a:fillRef>
+      <a:effectRef idx="0">
+        <a:scrgbClr r="0" g="0" b="0"/>
+      </a:effectRef>
+      <a:fontRef idx="minor">
+        <a:schemeClr val="lt1"/>
+      </a:fontRef>
+    </dgm:style>
+  </dgm:styleLbl>
+  <dgm:styleLbl name="node3">
+    <dgm:scene3d>
+      <a:camera prst="orthographicFront"/>
+      <a:lightRig rig="threePt" dir="t"/>
+    </dgm:scene3d>
+    <dgm:sp3d/>
+    <dgm:txPr/>
+    <dgm:style>
+      <a:lnRef idx="2">
+        <a:scrgbClr r="0" g="0" b="0"/>
+      </a:lnRef>
+      <a:fillRef idx="1">
+        <a:scrgbClr r="0" g="0" b="0"/>
+      </a:fillRef>
+      <a:effectRef idx="0">
+        <a:scrgbClr r="0" g="0" b="0"/>
+      </a:effectRef>
+      <a:fontRef idx="minor">
+        <a:schemeClr val="lt1"/>
+      </a:fontRef>
+    </dgm:style>
+  </dgm:styleLbl>
+  <dgm:styleLbl name="node4">
+    <dgm:scene3d>
+      <a:camera prst="orthographicFront"/>
+      <a:lightRig rig="threePt" dir="t"/>
+    </dgm:scene3d>
+    <dgm:sp3d/>
+    <dgm:txPr/>
+    <dgm:style>
+      <a:lnRef idx="2">
+        <a:scrgbClr r="0" g="0" b="0"/>
+      </a:lnRef>
+      <a:fillRef idx="1">
+        <a:scrgbClr r="0" g="0" b="0"/>
+      </a:fillRef>
+      <a:effectRef idx="0">
+        <a:scrgbClr r="0" g="0" b="0"/>
+      </a:effectRef>
+      <a:fontRef idx="minor">
+        <a:schemeClr val="lt1"/>
+      </a:fontRef>
+    </dgm:style>
+  </dgm:styleLbl>
+  <dgm:styleLbl name="fgImgPlace1">
+    <dgm:scene3d>
+      <a:camera prst="orthographicFront"/>
+      <a:lightRig rig="threePt" dir="t"/>
+    </dgm:scene3d>
+    <dgm:sp3d/>
+    <dgm:txPr/>
+    <dgm:style>
+      <a:lnRef idx="2">
+        <a:scrgbClr r="0" g="0" b="0"/>
+      </a:lnRef>
+      <a:fillRef idx="1">
+        <a:scrgbClr r="0" g="0" b="0"/>
+      </a:fillRef>
+      <a:effectRef idx="0">
+        <a:scrgbClr r="0" g="0" b="0"/>
+      </a:effectRef>
+      <a:fontRef idx="minor"/>
+    </dgm:style>
+  </dgm:styleLbl>
+  <dgm:styleLbl name="alignImgPlace1">
+    <dgm:scene3d>
+      <a:camera prst="orthographicFront"/>
+      <a:lightRig rig="threePt" dir="t"/>
+    </dgm:scene3d>
+    <dgm:sp3d/>
+    <dgm:txPr/>
+    <dgm:style>
+      <a:lnRef idx="2">
+        <a:scrgbClr r="0" g="0" b="0"/>
+      </a:lnRef>
+      <a:fillRef idx="1">
+        <a:scrgbClr r="0" g="0" b="0"/>
+      </a:fillRef>
+      <a:effectRef idx="0">
+        <a:scrgbClr r="0" g="0" b="0"/>
+      </a:effectRef>
+      <a:fontRef idx="minor"/>
+    </dgm:style>
+  </dgm:styleLbl>
+  <dgm:styleLbl name="bgImgPlace1">
+    <dgm:scene3d>
+      <a:camera prst="orthographicFront"/>
+      <a:lightRig rig="threePt" dir="t"/>
+    </dgm:scene3d>
+    <dgm:sp3d/>
+    <dgm:txPr/>
+    <dgm:style>
+      <a:lnRef idx="2">
+        <a:scrgbClr r="0" g="0" b="0"/>
+      </a:lnRef>
+      <a:fillRef idx="1">
+        <a:scrgbClr r="0" g="0" b="0"/>
+      </a:fillRef>
+      <a:effectRef idx="0">
+        <a:scrgbClr r="0" g="0" b="0"/>
+      </a:effectRef>
+      <a:fontRef idx="minor"/>
+    </dgm:style>
+  </dgm:styleLbl>
+  <dgm:styleLbl name="sibTrans2D1">
+    <dgm:scene3d>
+      <a:camera prst="orthographicFront"/>
+      <a:lightRig rig="threePt" dir="t"/>
+    </dgm:scene3d>
+    <dgm:sp3d/>
+    <dgm:txPr/>
+    <dgm:style>
+      <a:lnRef idx="0">
+        <a:scrgbClr r="0" g="0" b="0"/>
+      </a:lnRef>
+      <a:fillRef idx="1">
+        <a:scrgbClr r="0" g="0" b="0"/>
+      </a:fillRef>
+      <a:effectRef idx="0">
+        <a:scrgbClr r="0" g="0" b="0"/>
+      </a:effectRef>
+      <a:fontRef idx="minor">
+        <a:schemeClr val="lt1"/>
+      </a:fontRef>
+    </dgm:style>
+  </dgm:styleLbl>
+  <dgm:styleLbl name="fgSibTrans2D1">
+    <dgm:scene3d>
+      <a:camera prst="orthographicFront"/>
+      <a:lightRig rig="threePt" dir="t"/>
+    </dgm:scene3d>
+    <dgm:sp3d/>
+    <dgm:txPr/>
+    <dgm:style>
+      <a:lnRef idx="0">
+        <a:scrgbClr r="0" g="0" b="0"/>
+      </a:lnRef>
+      <a:fillRef idx="1">
+        <a:scrgbClr r="0" g="0" b="0"/>
+      </a:fillRef>
+      <a:effectRef idx="0">
+        <a:scrgbClr r="0" g="0" b="0"/>
+      </a:effectRef>
+      <a:fontRef idx="minor">
+        <a:schemeClr val="lt1"/>
+      </a:fontRef>
+    </dgm:style>
+  </dgm:styleLbl>
+  <dgm:styleLbl name="bgSibTrans2D1">
+    <dgm:scene3d>
+      <a:camera prst="orthographicFront"/>
+      <a:lightRig rig="threePt" dir="t"/>
+    </dgm:scene3d>
+    <dgm:sp3d/>
+    <dgm:txPr/>
+    <dgm:style>
+      <a:lnRef idx="0">
+        <a:scrgbClr r="0" g="0" b="0"/>
+      </a:lnRef>
+      <a:fillRef idx="1">
+        <a:scrgbClr r="0" g="0" b="0"/>
+      </a:fillRef>
+      <a:effectRef idx="0">
+        <a:scrgbClr r="0" g="0" b="0"/>
+      </a:effectRef>
+      <a:fontRef idx="minor">
+        <a:schemeClr val="lt1"/>
+      </a:fontRef>
+    </dgm:style>
+  </dgm:styleLbl>
+  <dgm:styleLbl name="sibTrans1D1">
+    <dgm:scene3d>
+      <a:camera prst="orthographicFront"/>
+      <a:lightRig rig="threePt" dir="t"/>
+    </dgm:scene3d>
+    <dgm:sp3d/>
+    <dgm:txPr/>
+    <dgm:style>
+      <a:lnRef idx="1">
+        <a:scrgbClr r="0" g="0" b="0"/>
+      </a:lnRef>
+      <a:fillRef idx="0">
+        <a:scrgbClr r="0" g="0" b="0"/>
+      </a:fillRef>
+      <a:effectRef idx="0">
+        <a:scrgbClr r="0" g="0" b="0"/>
+      </a:effectRef>
+      <a:fontRef idx="minor"/>
+    </dgm:style>
+  </dgm:styleLbl>
+  <dgm:styleLbl name="callout">
+    <dgm:scene3d>
+      <a:camera prst="orthographicFront"/>
+      <a:lightRig rig="threePt" dir="t"/>
+    </dgm:scene3d>
+    <dgm:sp3d/>
+    <dgm:txPr/>
+    <dgm:style>
+      <a:lnRef idx="2">
+        <a:scrgbClr r="0" g="0" b="0"/>
+      </a:lnRef>
+      <a:fillRef idx="1">
+        <a:scrgbClr r="0" g="0" b="0"/>
+      </a:fillRef>
+      <a:effectRef idx="0">
+        <a:scrgbClr r="0" g="0" b="0"/>
+      </a:effectRef>
+      <a:fontRef idx="minor"/>
+    </dgm:style>
+  </dgm:styleLbl>
+  <dgm:styleLbl name="asst0">
+    <dgm:scene3d>
+      <a:camera prst="orthographicFront"/>
+      <a:lightRig rig="threePt" dir="t"/>
+    </dgm:scene3d>
+    <dgm:sp3d/>
+    <dgm:txPr/>
+    <dgm:style>
+      <a:lnRef idx="2">
+        <a:scrgbClr r="0" g="0" b="0"/>
+      </a:lnRef>
+      <a:fillRef idx="1">
+        <a:scrgbClr r="0" g="0" b="0"/>
+      </a:fillRef>
+      <a:effectRef idx="0">
+        <a:scrgbClr r="0" g="0" b="0"/>
+      </a:effectRef>
+      <a:fontRef idx="minor">
+        <a:schemeClr val="lt1"/>
+      </a:fontRef>
+    </dgm:style>
+  </dgm:styleLbl>
+  <dgm:styleLbl name="asst1">
+    <dgm:scene3d>
+      <a:camera prst="orthographicFront"/>
+      <a:lightRig rig="threePt" dir="t"/>
+    </dgm:scene3d>
+    <dgm:sp3d/>
+    <dgm:txPr/>
+    <dgm:style>
+      <a:lnRef idx="2">
+        <a:scrgbClr r="0" g="0" b="0"/>
+      </a:lnRef>
+      <a:fillRef idx="1">
+        <a:scrgbClr r="0" g="0" b="0"/>
+      </a:fillRef>
+      <a:effectRef idx="0">
+        <a:scrgbClr r="0" g="0" b="0"/>
+      </a:effectRef>
+      <a:fontRef idx="minor">
+        <a:schemeClr val="lt1"/>
+      </a:fontRef>
+    </dgm:style>
+  </dgm:styleLbl>
+  <dgm:styleLbl name="asst2">
+    <dgm:scene3d>
+      <a:camera prst="orthographicFront"/>
+      <a:lightRig rig="threePt" dir="t"/>
+    </dgm:scene3d>
+    <dgm:sp3d/>
+    <dgm:txPr/>
+    <dgm:style>
+      <a:lnRef idx="2">
+        <a:scrgbClr r="0" g="0" b="0"/>
+      </a:lnRef>
+      <a:fillRef idx="1">
+        <a:scrgbClr r="0" g="0" b="0"/>
+      </a:fillRef>
+      <a:effectRef idx="0">
+        <a:scrgbClr r="0" g="0" b="0"/>
+      </a:effectRef>
+      <a:fontRef idx="minor">
+        <a:schemeClr val="lt1"/>
+      </a:fontRef>
+    </dgm:style>
+  </dgm:styleLbl>
+  <dgm:styleLbl name="asst3">
+    <dgm:scene3d>
+      <a:camera prst="orthographicFront"/>
+      <a:lightRig rig="threePt" dir="t"/>
+    </dgm:scene3d>
+    <dgm:sp3d/>
+    <dgm:txPr/>
+    <dgm:style>
+      <a:lnRef idx="2">
+        <a:scrgbClr r="0" g="0" b="0"/>
+      </a:lnRef>
+      <a:fillRef idx="1">
+        <a:scrgbClr r="0" g="0" b="0"/>
+      </a:fillRef>
+      <a:effectRef idx="0">
+        <a:scrgbClr r="0" g="0" b="0"/>
+      </a:effectRef>
+      <a:fontRef idx="minor">
+        <a:schemeClr val="lt1"/>
+      </a:fontRef>
+    </dgm:style>
+  </dgm:styleLbl>
+  <dgm:styleLbl name="asst4">
+    <dgm:scene3d>
+      <a:camera prst="orthographicFront"/>
+      <a:lightRig rig="threePt" dir="t"/>
+    </dgm:scene3d>
+    <dgm:sp3d/>
+    <dgm:txPr/>
+    <dgm:style>
+      <a:lnRef idx="2">
+        <a:scrgbClr r="0" g="0" b="0"/>
+      </a:lnRef>
+      <a:fillRef idx="1">
+        <a:scrgbClr r="0" g="0" b="0"/>
+      </a:fillRef>
+      <a:effectRef idx="0">
+        <a:scrgbClr r="0" g="0" b="0"/>
+      </a:effectRef>
+      <a:fontRef idx="minor">
+        <a:schemeClr val="lt1"/>
+      </a:fontRef>
+    </dgm:style>
+  </dgm:styleLbl>
+  <dgm:styleLbl name="parChTrans2D1">
+    <dgm:scene3d>
+      <a:camera prst="orthographicFront"/>
+      <a:lightRig rig="threePt" dir="t"/>
+    </dgm:scene3d>
+    <dgm:sp3d/>
+    <dgm:txPr/>
+    <dgm:style>
+      <a:lnRef idx="2">
+        <a:scrgbClr r="0" g="0" b="0"/>
+      </a:lnRef>
+      <a:fillRef idx="1">
+        <a:scrgbClr r="0" g="0" b="0"/>
+      </a:fillRef>
+      <a:effectRef idx="0">
+        <a:scrgbClr r="0" g="0" b="0"/>
+      </a:effectRef>
+      <a:fontRef idx="minor">
+        <a:schemeClr val="lt1"/>
+      </a:fontRef>
+    </dgm:style>
+  </dgm:styleLbl>
+  <dgm:styleLbl name="parChTrans2D2">
+    <dgm:scene3d>
+      <a:camera prst="orthographicFront"/>
+      <a:lightRig rig="threePt" dir="t"/>
+    </dgm:scene3d>
+    <dgm:sp3d/>
+    <dgm:txPr/>
+    <dgm:style>
+      <a:lnRef idx="2">
+        <a:scrgbClr r="0" g="0" b="0"/>
+      </a:lnRef>
+      <a:fillRef idx="1">
+        <a:scrgbClr r="0" g="0" b="0"/>
+      </a:fillRef>
+      <a:effectRef idx="0">
+        <a:scrgbClr r="0" g="0" b="0"/>
+      </a:effectRef>
+      <a:fontRef idx="minor">
+        <a:schemeClr val="lt1"/>
+      </a:fontRef>
+    </dgm:style>
+  </dgm:styleLbl>
+  <dgm:styleLbl name="parChTrans2D3">
+    <dgm:scene3d>
+      <a:camera prst="orthographicFront"/>
+      <a:lightRig rig="threePt" dir="t"/>
+    </dgm:scene3d>
+    <dgm:sp3d/>
+    <dgm:txPr/>
+    <dgm:style>
+      <a:lnRef idx="2">
+        <a:scrgbClr r="0" g="0" b="0"/>
+      </a:lnRef>
+      <a:fillRef idx="1">
+        <a:scrgbClr r="0" g="0" b="0"/>
+      </a:fillRef>
+      <a:effectRef idx="0">
+        <a:scrgbClr r="0" g="0" b="0"/>
+      </a:effectRef>
+      <a:fontRef idx="minor">
+        <a:schemeClr val="lt1"/>
+      </a:fontRef>
+    </dgm:style>
+  </dgm:styleLbl>
+  <dgm:styleLbl name="parChTrans2D4">
+    <dgm:scene3d>
+      <a:camera prst="orthographicFront"/>
+      <a:lightRig rig="threePt" dir="t"/>
+    </dgm:scene3d>
+    <dgm:sp3d/>
+    <dgm:txPr/>
+    <dgm:style>
+      <a:lnRef idx="2">
+        <a:scrgbClr r="0" g="0" b="0"/>
+      </a:lnRef>
+      <a:fillRef idx="1">
+        <a:scrgbClr r="0" g="0" b="0"/>
+      </a:fillRef>
+      <a:effectRef idx="0">
+        <a:scrgbClr r="0" g="0" b="0"/>
+      </a:effectRef>
+      <a:fontRef idx="minor">
+        <a:schemeClr val="lt1"/>
+      </a:fontRef>
+    </dgm:style>
+  </dgm:styleLbl>
+  <dgm:styleLbl name="parChTrans1D1">
+    <dgm:scene3d>
+      <a:camera prst="orthographicFront"/>
+      <a:lightRig rig="threePt" dir="t"/>
+    </dgm:scene3d>
+    <dgm:sp3d/>
+    <dgm:txPr/>
+    <dgm:style>
+      <a:lnRef idx="2">
+        <a:scrgbClr r="0" g="0" b="0"/>
+      </a:lnRef>
+      <a:fillRef idx="0">
+        <a:scrgbClr r="0" g="0" b="0"/>
+      </a:fillRef>
+      <a:effectRef idx="0">
+        <a:scrgbClr r="0" g="0" b="0"/>
+      </a:effectRef>
+      <a:fontRef idx="minor"/>
+    </dgm:style>
+  </dgm:styleLbl>
+  <dgm:styleLbl name="parChTrans1D2">
+    <dgm:scene3d>
+      <a:camera prst="orthographicFront"/>
+      <a:lightRig rig="threePt" dir="t"/>
+    </dgm:scene3d>
+    <dgm:sp3d/>
+    <dgm:txPr/>
+    <dgm:style>
+      <a:lnRef idx="2">
+        <a:scrgbClr r="0" g="0" b="0"/>
+      </a:lnRef>
+      <a:fillRef idx="0">
+        <a:scrgbClr r="0" g="0" b="0"/>
+      </a:fillRef>
+      <a:effectRef idx="0">
+        <a:scrgbClr r="0" g="0" b="0"/>
+      </a:effectRef>
+      <a:fontRef idx="minor"/>
+    </dgm:style>
+  </dgm:styleLbl>
+  <dgm:styleLbl name="parChTrans1D3">
+    <dgm:scene3d>
+      <a:camera prst="orthographicFront"/>
+      <a:lightRig rig="threePt" dir="t"/>
+    </dgm:scene3d>
+    <dgm:sp3d/>
+    <dgm:txPr/>
+    <dgm:style>
+      <a:lnRef idx="2">
+        <a:scrgbClr r="0" g="0" b="0"/>
+      </a:lnRef>
+      <a:fillRef idx="0">
+        <a:scrgbClr r="0" g="0" b="0"/>
+      </a:fillRef>
+      <a:effectRef idx="0">
+        <a:scrgbClr r="0" g="0" b="0"/>
+      </a:effectRef>
+      <a:fontRef idx="minor"/>
+    </dgm:style>
+  </dgm:styleLbl>
+  <dgm:styleLbl name="parChTrans1D4">
+    <dgm:scene3d>
+      <a:camera prst="orthographicFront"/>
+      <a:lightRig rig="threePt" dir="t"/>
+    </dgm:scene3d>
+    <dgm:sp3d/>
+    <dgm:txPr/>
+    <dgm:style>
+      <a:lnRef idx="2">
+        <a:scrgbClr r="0" g="0" b="0"/>
+      </a:lnRef>
+      <a:fillRef idx="0">
+        <a:scrgbClr r="0" g="0" b="0"/>
+      </a:fillRef>
+      <a:effectRef idx="0">
+        <a:scrgbClr r="0" g="0" b="0"/>
+      </a:effectRef>
+      <a:fontRef idx="minor"/>
+    </dgm:style>
+  </dgm:styleLbl>
+  <dgm:styleLbl name="fgAcc1">
+    <dgm:scene3d>
+      <a:camera prst="orthographicFront"/>
+      <a:lightRig rig="threePt" dir="t"/>
+    </dgm:scene3d>
+    <dgm:sp3d/>
+    <dgm:txPr/>
+    <dgm:style>
+      <a:lnRef idx="2">
+        <a:scrgbClr r="0" g="0" b="0"/>
+      </a:lnRef>
+      <a:fillRef idx="1">
+        <a:scrgbClr r="0" g="0" b="0"/>
+      </a:fillRef>
+      <a:effectRef idx="0">
+        <a:scrgbClr r="0" g="0" b="0"/>
+      </a:effectRef>
+      <a:fontRef idx="minor"/>
+    </dgm:style>
+  </dgm:styleLbl>
+  <dgm:styleLbl name="conFgAcc1">
+    <dgm:scene3d>
+      <a:camera prst="orthographicFront"/>
+      <a:lightRig rig="threePt" dir="t"/>
+    </dgm:scene3d>
+    <dgm:sp3d/>
+    <dgm:txPr/>
+    <dgm:style>
+      <a:lnRef idx="2">
+        <a:scrgbClr r="0" g="0" b="0"/>
+      </a:lnRef>
+      <a:fillRef idx="1">
+        <a:scrgbClr r="0" g="0" b="0"/>
+      </a:fillRef>
+      <a:effectRef idx="0">
+        <a:scrgbClr r="0" g="0" b="0"/>
+      </a:effectRef>
+      <a:fontRef idx="minor"/>
+    </dgm:style>
+  </dgm:styleLbl>
+  <dgm:styleLbl name="alignAcc1">
+    <dgm:scene3d>
+      <a:camera prst="orthographicFront"/>
+      <a:lightRig rig="threePt" dir="t"/>
+    </dgm:scene3d>
+    <dgm:sp3d/>
+    <dgm:txPr/>
+    <dgm:style>
+      <a:lnRef idx="2">
+        <a:scrgbClr r="0" g="0" b="0"/>
+      </a:lnRef>
+      <a:fillRef idx="1">
+        <a:scrgbClr r="0" g="0" b="0"/>
+      </a:fillRef>
+      <a:effectRef idx="0">
+        <a:scrgbClr r="0" g="0" b="0"/>
+      </a:effectRef>
+      <a:fontRef idx="minor"/>
+    </dgm:style>
+  </dgm:styleLbl>
+  <dgm:styleLbl name="trAlignAcc1">
+    <dgm:scene3d>
+      <a:camera prst="orthographicFront"/>
+      <a:lightRig rig="threePt" dir="t"/>
+    </dgm:scene3d>
+    <dgm:sp3d/>
+    <dgm:txPr/>
+    <dgm:style>
+      <a:lnRef idx="1">
+        <a:scrgbClr r="0" g="0" b="0"/>
+      </a:lnRef>
+      <a:fillRef idx="1">
+        <a:scrgbClr r="0" g="0" b="0"/>
+      </a:fillRef>
+      <a:effectRef idx="0">
+        <a:scrgbClr r="0" g="0" b="0"/>
+      </a:effectRef>
+      <a:fontRef idx="minor"/>
+    </dgm:style>
+  </dgm:styleLbl>
+  <dgm:styleLbl name="bgAcc1">
+    <dgm:scene3d>
+      <a:camera prst="orthographicFront"/>
+      <a:lightRig rig="threePt" dir="t"/>
+    </dgm:scene3d>
+    <dgm:sp3d/>
+    <dgm:txPr/>
+    <dgm:style>
+      <a:lnRef idx="2">
+        <a:scrgbClr r="0" g="0" b="0"/>
+      </a:lnRef>
+      <a:fillRef idx="1">
+        <a:scrgbClr r="0" g="0" b="0"/>
+      </a:fillRef>
+      <a:effectRef idx="0">
+        <a:scrgbClr r="0" g="0" b="0"/>
+      </a:effectRef>
+      <a:fontRef idx="minor"/>
+    </dgm:style>
+  </dgm:styleLbl>
+  <dgm:styleLbl name="solidFgAcc1">
+    <dgm:scene3d>
+      <a:camera prst="orthographicFront"/>
+      <a:lightRig rig="threePt" dir="t"/>
+    </dgm:scene3d>
+    <dgm:sp3d/>
+    <dgm:txPr/>
+    <dgm:style>
+      <a:lnRef idx="2">
+        <a:scrgbClr r="0" g="0" b="0"/>
+      </a:lnRef>
+      <a:fillRef idx="1">
+        <a:scrgbClr r="0" g="0" b="0"/>
+      </a:fillRef>
+      <a:effectRef idx="0">
+        <a:scrgbClr r="0" g="0" b="0"/>
+      </a:effectRef>
+      <a:fontRef idx="minor"/>
+    </dgm:style>
+  </dgm:styleLbl>
+  <dgm:styleLbl name="solidAlignAcc1">
+    <dgm:scene3d>
+      <a:camera prst="orthographicFront"/>
+      <a:lightRig rig="threePt" dir="t"/>
+    </dgm:scene3d>
+    <dgm:sp3d/>
+    <dgm:txPr/>
+    <dgm:style>
+      <a:lnRef idx="2">
+        <a:scrgbClr r="0" g="0" b="0"/>
+      </a:lnRef>
+      <a:fillRef idx="1">
+        <a:scrgbClr r="0" g="0" b="0"/>
+      </a:fillRef>
+      <a:effectRef idx="0">
+        <a:scrgbClr r="0" g="0" b="0"/>
+      </a:effectRef>
+      <a:fontRef idx="minor"/>
+    </dgm:style>
+  </dgm:styleLbl>
+  <dgm:styleLbl name="solidBgAcc1">
+    <dgm:scene3d>
+      <a:camera prst="orthographicFront"/>
+      <a:lightRig rig="threePt" dir="t"/>
+    </dgm:scene3d>
+    <dgm:sp3d/>
+    <dgm:txPr/>
+    <dgm:style>
+      <a:lnRef idx="2">
+        <a:scrgbClr r="0" g="0" b="0"/>
+      </a:lnRef>
+      <a:fillRef idx="1">
+        <a:scrgbClr r="0" g="0" b="0"/>
+      </a:fillRef>
+      <a:effectRef idx="0">
+        <a:scrgbClr r="0" g="0" b="0"/>
+      </a:effectRef>
+      <a:fontRef idx="minor"/>
+    </dgm:style>
+  </dgm:styleLbl>
+  <dgm:styleLbl name="fgAccFollowNode1">
+    <dgm:scene3d>
+      <a:camera prst="orthographicFront"/>
+      <a:lightRig rig="threePt" dir="t"/>
+    </dgm:scene3d>
+    <dgm:sp3d/>
+    <dgm:txPr/>
+    <dgm:style>
+      <a:lnRef idx="2">
+        <a:scrgbClr r="0" g="0" b="0"/>
+      </a:lnRef>
+      <a:fillRef idx="1">
+        <a:scrgbClr r="0" g="0" b="0"/>
+      </a:fillRef>
+      <a:effectRef idx="0">
+        <a:scrgbClr r="0" g="0" b="0"/>
+      </a:effectRef>
+      <a:fontRef idx="minor"/>
+    </dgm:style>
+  </dgm:styleLbl>
+  <dgm:styleLbl name="alignAccFollowNode1">
+    <dgm:scene3d>
+      <a:camera prst="orthographicFront"/>
+      <a:lightRig rig="threePt" dir="t"/>
+    </dgm:scene3d>
+    <dgm:sp3d/>
+    <dgm:txPr/>
+    <dgm:style>
+      <a:lnRef idx="2">
+        <a:scrgbClr r="0" g="0" b="0"/>
+      </a:lnRef>
+      <a:fillRef idx="1">
+        <a:scrgbClr r="0" g="0" b="0"/>
+      </a:fillRef>
+      <a:effectRef idx="0">
+        <a:scrgbClr r="0" g="0" b="0"/>
+      </a:effectRef>
+      <a:fontRef idx="minor"/>
+    </dgm:style>
+  </dgm:styleLbl>
+  <dgm:styleLbl name="bgAccFollowNode1">
+    <dgm:scene3d>
+      <a:camera prst="orthographicFront"/>
+      <a:lightRig rig="threePt" dir="t"/>
+    </dgm:scene3d>
+    <dgm:sp3d/>
+    <dgm:txPr/>
+    <dgm:style>
+      <a:lnRef idx="2">
+        <a:scrgbClr r="0" g="0" b="0"/>
+      </a:lnRef>
+      <a:fillRef idx="1">
+        <a:scrgbClr r="0" g="0" b="0"/>
+      </a:fillRef>
+      <a:effectRef idx="0">
+        <a:scrgbClr r="0" g="0" b="0"/>
+      </a:effectRef>
+      <a:fontRef idx="minor"/>
+    </dgm:style>
+  </dgm:styleLbl>
+  <dgm:styleLbl name="fgAcc0">
+    <dgm:scene3d>
+      <a:camera prst="orthographicFront"/>
+      <a:lightRig rig="threePt" dir="t"/>
+    </dgm:scene3d>
+    <dgm:sp3d/>
+    <dgm:txPr/>
+    <dgm:style>
+      <a:lnRef idx="2">
+        <a:scrgbClr r="0" g="0" b="0"/>
+      </a:lnRef>
+      <a:fillRef idx="1">
+        <a:scrgbClr r="0" g="0" b="0"/>
+      </a:fillRef>
+      <a:effectRef idx="0">
+        <a:scrgbClr r="0" g="0" b="0"/>
+      </a:effectRef>
+      <a:fontRef idx="minor"/>
+    </dgm:style>
+  </dgm:styleLbl>
+  <dgm:styleLbl name="fgAcc2">
+    <dgm:scene3d>
+      <a:camera prst="orthographicFront"/>
+      <a:lightRig rig="threePt" dir="t"/>
+    </dgm:scene3d>
+    <dgm:sp3d/>
+    <dgm:txPr/>
+    <dgm:style>
+      <a:lnRef idx="2">
+        <a:scrgbClr r="0" g="0" b="0"/>
+      </a:lnRef>
+      <a:fillRef idx="1">
+        <a:scrgbClr r="0" g="0" b="0"/>
+      </a:fillRef>
+      <a:effectRef idx="0">
+        <a:scrgbClr r="0" g="0" b="0"/>
+      </a:effectRef>
+      <a:fontRef idx="minor"/>
+    </dgm:style>
+  </dgm:styleLbl>
+  <dgm:styleLbl name="fgAcc3">
+    <dgm:scene3d>
+      <a:camera prst="orthographicFront"/>
+      <a:lightRig rig="threePt" dir="t"/>
+    </dgm:scene3d>
+    <dgm:sp3d/>
+    <dgm:txPr/>
+    <dgm:style>
+      <a:lnRef idx="2">
+        <a:scrgbClr r="0" g="0" b="0"/>
+      </a:lnRef>
+      <a:fillRef idx="1">
+        <a:scrgbClr r="0" g="0" b="0"/>
+      </a:fillRef>
+      <a:effectRef idx="0">
+        <a:scrgbClr r="0" g="0" b="0"/>
+      </a:effectRef>
+      <a:fontRef idx="minor"/>
+    </dgm:style>
+  </dgm:styleLbl>
+  <dgm:styleLbl name="fgAcc4">
+    <dgm:scene3d>
+      <a:camera prst="orthographicFront"/>
+      <a:lightRig rig="threePt" dir="t"/>
+    </dgm:scene3d>
+    <dgm:sp3d/>
+    <dgm:txPr/>
+    <dgm:style>
+      <a:lnRef idx="2">
+        <a:scrgbClr r="0" g="0" b="0"/>
+      </a:lnRef>
+      <a:fillRef idx="1">
+        <a:scrgbClr r="0" g="0" b="0"/>
+      </a:fillRef>
+      <a:effectRef idx="0">
+        <a:scrgbClr r="0" g="0" b="0"/>
+      </a:effectRef>
+      <a:fontRef idx="minor"/>
+    </dgm:style>
+  </dgm:styleLbl>
+  <dgm:styleLbl name="bgShp">
+    <dgm:scene3d>
+      <a:camera prst="orthographicFront"/>
+      <a:lightRig rig="threePt" dir="t"/>
+    </dgm:scene3d>
+    <dgm:sp3d/>
+    <dgm:txPr/>
+    <dgm:style>
+      <a:lnRef idx="0">
+        <a:scrgbClr r="0" g="0" b="0"/>
+      </a:lnRef>
+      <a:fillRef idx="1">
+        <a:scrgbClr r="0" g="0" b="0"/>
+      </a:fillRef>
+      <a:effectRef idx="0">
+        <a:scrgbClr r="0" g="0" b="0"/>
+      </a:effectRef>
+      <a:fontRef idx="minor"/>
+    </dgm:style>
+  </dgm:styleLbl>
+  <dgm:styleLbl name="dkBgShp">
+    <dgm:scene3d>
+      <a:camera prst="orthographicFront"/>
+      <a:lightRig rig="threePt" dir="t"/>
+    </dgm:scene3d>
+    <dgm:sp3d/>
+    <dgm:txPr/>
+    <dgm:style>
+      <a:lnRef idx="0">
+        <a:scrgbClr r="0" g="0" b="0"/>
+      </a:lnRef>
+      <a:fillRef idx="1">
+        <a:scrgbClr r="0" g="0" b="0"/>
+      </a:fillRef>
+      <a:effectRef idx="0">
+        <a:scrgbClr r="0" g="0" b="0"/>
+      </a:effectRef>
+      <a:fontRef idx="minor"/>
+    </dgm:style>
+  </dgm:styleLbl>
+  <dgm:styleLbl name="trBgShp">
+    <dgm:scene3d>
+      <a:camera prst="orthographicFront"/>
+      <a:lightRig rig="threePt" dir="t"/>
+    </dgm:scene3d>
+    <dgm:sp3d/>
+    <dgm:txPr/>
+    <dgm:style>
+      <a:lnRef idx="0">
+        <a:scrgbClr r="0" g="0" b="0"/>
+      </a:lnRef>
+      <a:fillRef idx="1">
+        <a:scrgbClr r="0" g="0" b="0"/>
+      </a:fillRef>
+      <a:effectRef idx="0">
+        <a:scrgbClr r="0" g="0" b="0"/>
+      </a:effectRef>
+      <a:fontRef idx="minor"/>
+    </dgm:style>
+  </dgm:styleLbl>
+  <dgm:styleLbl name="fgShp">
+    <dgm:scene3d>
+      <a:camera prst="orthographicFront"/>
+      <a:lightRig rig="threePt" dir="t"/>
+    </dgm:scene3d>
+    <dgm:sp3d/>
+    <dgm:txPr/>
+    <dgm:style>
+      <a:lnRef idx="2">
+        <a:scrgbClr r="0" g="0" b="0"/>
+      </a:lnRef>
+      <a:fillRef idx="1">
+        <a:scrgbClr r="0" g="0" b="0"/>
+      </a:fillRef>
+      <a:effectRef idx="0">
+        <a:scrgbClr r="0" g="0" b="0"/>
+      </a:effectRef>
+      <a:fontRef idx="minor"/>
+    </dgm:style>
+  </dgm:styleLbl>
+  <dgm:styleLbl name="revTx">
+    <dgm:scene3d>
+      <a:camera prst="orthographicFront"/>
+      <a:lightRig rig="threePt" dir="t"/>
+    </dgm:scene3d>
+    <dgm:sp3d/>
+    <dgm:txPr/>
+    <dgm:style>
+      <a:lnRef idx="0">
+        <a:scrgbClr r="0" g="0" b="0"/>
+      </a:lnRef>
+      <a:fillRef idx="0">
+        <a:scrgbClr r="0" g="0" b="0"/>
+      </a:fillRef>
+      <a:effectRef idx="0">
+        <a:scrgbClr r="0" g="0" b="0"/>
+      </a:effectRef>
+      <a:fontRef idx="minor"/>
+    </dgm:style>
+  </dgm:styleLbl>
+</dgm:styleDef>
+</file>
+
 <file path=ppt/slideLayouts/slideLayout1.xml><?xml version="1.0" encoding="utf-8"?>
 <p:sldLayout xmlns:a="http://schemas.openxmlformats.org/drawingml/2006/main" xmlns:r="http://schemas.openxmlformats.org/officeDocument/2006/relationships" xmlns:p="http://schemas.openxmlformats.org/presentationml/2006/main" type="title" preserve="1">
   <p:cSld name="标题幻灯片">
@@ -242,7 +2723,7 @@
           <a:p>
             <a:fld id="{D997B5FA-0921-464F-AAE1-844C04324D75}" type="datetimeFigureOut">
               <a:rPr lang="zh-CN" altLang="en-US" smtClean="0"/>
-              <a:t>2023/3/2</a:t>
+              <a:t>2023/3/23</a:t>
             </a:fld>
             <a:endParaRPr lang="zh-CN" altLang="en-US"/>
           </a:p>
@@ -410,7 +2891,7 @@
           <a:p>
             <a:fld id="{D997B5FA-0921-464F-AAE1-844C04324D75}" type="datetimeFigureOut">
               <a:rPr lang="zh-CN" altLang="en-US" smtClean="0"/>
-              <a:t>2023/3/2</a:t>
+              <a:t>2023/3/23</a:t>
             </a:fld>
             <a:endParaRPr lang="zh-CN" altLang="en-US"/>
           </a:p>
@@ -588,7 +3069,7 @@
           <a:p>
             <a:fld id="{D997B5FA-0921-464F-AAE1-844C04324D75}" type="datetimeFigureOut">
               <a:rPr lang="zh-CN" altLang="en-US" smtClean="0"/>
-              <a:t>2023/3/2</a:t>
+              <a:t>2023/3/23</a:t>
             </a:fld>
             <a:endParaRPr lang="zh-CN" altLang="en-US"/>
           </a:p>
@@ -756,7 +3237,7 @@
           <a:p>
             <a:fld id="{D997B5FA-0921-464F-AAE1-844C04324D75}" type="datetimeFigureOut">
               <a:rPr lang="zh-CN" altLang="en-US" smtClean="0"/>
-              <a:t>2023/3/2</a:t>
+              <a:t>2023/3/23</a:t>
             </a:fld>
             <a:endParaRPr lang="zh-CN" altLang="en-US"/>
           </a:p>
@@ -1001,7 +3482,7 @@
           <a:p>
             <a:fld id="{D997B5FA-0921-464F-AAE1-844C04324D75}" type="datetimeFigureOut">
               <a:rPr lang="zh-CN" altLang="en-US" smtClean="0"/>
-              <a:t>2023/3/2</a:t>
+              <a:t>2023/3/23</a:t>
             </a:fld>
             <a:endParaRPr lang="zh-CN" altLang="en-US"/>
           </a:p>
@@ -1230,7 +3711,7 @@
           <a:p>
             <a:fld id="{D997B5FA-0921-464F-AAE1-844C04324D75}" type="datetimeFigureOut">
               <a:rPr lang="zh-CN" altLang="en-US" smtClean="0"/>
-              <a:t>2023/3/2</a:t>
+              <a:t>2023/3/23</a:t>
             </a:fld>
             <a:endParaRPr lang="zh-CN" altLang="en-US"/>
           </a:p>
@@ -1594,7 +4075,7 @@
           <a:p>
             <a:fld id="{D997B5FA-0921-464F-AAE1-844C04324D75}" type="datetimeFigureOut">
               <a:rPr lang="zh-CN" altLang="en-US" smtClean="0"/>
-              <a:t>2023/3/2</a:t>
+              <a:t>2023/3/23</a:t>
             </a:fld>
             <a:endParaRPr lang="zh-CN" altLang="en-US"/>
           </a:p>
@@ -1711,7 +4192,7 @@
           <a:p>
             <a:fld id="{D997B5FA-0921-464F-AAE1-844C04324D75}" type="datetimeFigureOut">
               <a:rPr lang="zh-CN" altLang="en-US" smtClean="0"/>
-              <a:t>2023/3/2</a:t>
+              <a:t>2023/3/23</a:t>
             </a:fld>
             <a:endParaRPr lang="zh-CN" altLang="en-US"/>
           </a:p>
@@ -1806,7 +4287,7 @@
           <a:p>
             <a:fld id="{D997B5FA-0921-464F-AAE1-844C04324D75}" type="datetimeFigureOut">
               <a:rPr lang="zh-CN" altLang="en-US" smtClean="0"/>
-              <a:t>2023/3/2</a:t>
+              <a:t>2023/3/23</a:t>
             </a:fld>
             <a:endParaRPr lang="zh-CN" altLang="en-US"/>
           </a:p>
@@ -2081,7 +4562,7 @@
           <a:p>
             <a:fld id="{D997B5FA-0921-464F-AAE1-844C04324D75}" type="datetimeFigureOut">
               <a:rPr lang="zh-CN" altLang="en-US" smtClean="0"/>
-              <a:t>2023/3/2</a:t>
+              <a:t>2023/3/23</a:t>
             </a:fld>
             <a:endParaRPr lang="zh-CN" altLang="en-US"/>
           </a:p>
@@ -2333,7 +4814,7 @@
           <a:p>
             <a:fld id="{D997B5FA-0921-464F-AAE1-844C04324D75}" type="datetimeFigureOut">
               <a:rPr lang="zh-CN" altLang="en-US" smtClean="0"/>
-              <a:t>2023/3/2</a:t>
+              <a:t>2023/3/23</a:t>
             </a:fld>
             <a:endParaRPr lang="zh-CN" altLang="en-US"/>
           </a:p>
@@ -2544,7 +5025,7 @@
           <a:p>
             <a:fld id="{D997B5FA-0921-464F-AAE1-844C04324D75}" type="datetimeFigureOut">
               <a:rPr lang="zh-CN" altLang="en-US" smtClean="0"/>
-              <a:t>2023/3/2</a:t>
+              <a:t>2023/3/23</a:t>
             </a:fld>
             <a:endParaRPr lang="zh-CN" altLang="en-US"/>
           </a:p>
@@ -5299,6 +7780,272 @@
 </p:sld>
 </file>
 
+<file path=ppt/slides/slide3.xml><?xml version="1.0" encoding="utf-8"?>
+<p:sld xmlns:a="http://schemas.openxmlformats.org/drawingml/2006/main" xmlns:r="http://schemas.openxmlformats.org/officeDocument/2006/relationships" xmlns:p="http://schemas.openxmlformats.org/presentationml/2006/main">
+  <p:cSld>
+    <p:spTree>
+      <p:nvGrpSpPr>
+        <p:cNvPr id="1" name=""/>
+        <p:cNvGrpSpPr/>
+        <p:nvPr/>
+      </p:nvGrpSpPr>
+      <p:grpSpPr>
+        <a:xfrm>
+          <a:off x="0" y="0"/>
+          <a:ext cx="0" cy="0"/>
+          <a:chOff x="0" y="0"/>
+          <a:chExt cx="0" cy="0"/>
+        </a:xfrm>
+      </p:grpSpPr>
+      <p:graphicFrame>
+        <p:nvGraphicFramePr>
+          <p:cNvPr id="4" name="图示 3">
+            <a:extLst>
+              <a:ext uri="{FF2B5EF4-FFF2-40B4-BE49-F238E27FC236}">
+                <a16:creationId xmlns:a16="http://schemas.microsoft.com/office/drawing/2014/main" id="{A1C68881-985D-4E11-7548-8C7195CC64EA}"/>
+              </a:ext>
+            </a:extLst>
+          </p:cNvPr>
+          <p:cNvGraphicFramePr/>
+          <p:nvPr>
+            <p:extLst>
+              <p:ext uri="{D42A27DB-BD31-4B8C-83A1-F6EECF244321}">
+                <p14:modId xmlns:p14="http://schemas.microsoft.com/office/powerpoint/2010/main" val="1965154453"/>
+              </p:ext>
+            </p:extLst>
+          </p:nvPr>
+        </p:nvGraphicFramePr>
+        <p:xfrm>
+          <a:off x="2014415" y="1043779"/>
+          <a:ext cx="8128000" cy="550133"/>
+        </p:xfrm>
+        <a:graphic>
+          <a:graphicData uri="http://schemas.openxmlformats.org/drawingml/2006/diagram">
+            <dgm:relIds xmlns:dgm="http://schemas.openxmlformats.org/drawingml/2006/diagram" xmlns:r="http://schemas.openxmlformats.org/officeDocument/2006/relationships" r:dm="rId2" r:lo="rId3" r:qs="rId4" r:cs="rId5"/>
+          </a:graphicData>
+        </a:graphic>
+      </p:graphicFrame>
+      <p:sp>
+        <p:nvSpPr>
+          <p:cNvPr id="6" name="文本框 5">
+            <a:extLst>
+              <a:ext uri="{FF2B5EF4-FFF2-40B4-BE49-F238E27FC236}">
+                <a16:creationId xmlns:a16="http://schemas.microsoft.com/office/drawing/2014/main" id="{16E341C8-EBC9-E495-5A02-BEBA71994CC6}"/>
+              </a:ext>
+            </a:extLst>
+          </p:cNvPr>
+          <p:cNvSpPr txBox="1"/>
+          <p:nvPr/>
+        </p:nvSpPr>
+        <p:spPr>
+          <a:xfrm>
+            <a:off x="2028746" y="1593912"/>
+            <a:ext cx="2459328" cy="1138773"/>
+          </a:xfrm>
+          <a:prstGeom prst="rect">
+            <a:avLst/>
+          </a:prstGeom>
+          <a:noFill/>
+        </p:spPr>
+        <p:txBody>
+          <a:bodyPr wrap="none" rtlCol="0">
+            <a:spAutoFit/>
+          </a:bodyPr>
+          <a:lstStyle/>
+          <a:p>
+            <a:pPr algn="ctr"/>
+            <a:r>
+              <a:rPr lang="zh-CN" altLang="en-US" dirty="0"/>
+              <a:t>第一步</a:t>
+            </a:r>
+            <a:endParaRPr lang="en-US" altLang="zh-CN" dirty="0"/>
+          </a:p>
+          <a:p>
+            <a:pPr algn="ctr"/>
+            <a:r>
+              <a:rPr lang="zh-CN" altLang="en-US" dirty="0"/>
+              <a:t>外网到内外的渗透</a:t>
+            </a:r>
+            <a:endParaRPr lang="en-US" altLang="zh-CN" dirty="0"/>
+          </a:p>
+          <a:p>
+            <a:pPr marL="285750" indent="-285750">
+              <a:buFont typeface="Wingdings" panose="05000000000000000000" pitchFamily="2" charset="2"/>
+              <a:buChar char="l"/>
+            </a:pPr>
+            <a:r>
+              <a:rPr lang="zh-CN" altLang="en-US" sz="1600" dirty="0"/>
+              <a:t>无文件攻击感染病毒</a:t>
+            </a:r>
+            <a:endParaRPr lang="en-US" altLang="zh-CN" sz="1600" dirty="0"/>
+          </a:p>
+          <a:p>
+            <a:pPr marL="285750" indent="-285750">
+              <a:buFont typeface="Wingdings" panose="05000000000000000000" pitchFamily="2" charset="2"/>
+              <a:buChar char="l"/>
+            </a:pPr>
+            <a:r>
+              <a:rPr lang="en-US" altLang="zh-CN" sz="1600" dirty="0"/>
+              <a:t>RDP</a:t>
+            </a:r>
+            <a:r>
+              <a:rPr lang="zh-CN" altLang="en-US" sz="1600" dirty="0"/>
+              <a:t>爆破远程登录投毒</a:t>
+            </a:r>
+          </a:p>
+        </p:txBody>
+      </p:sp>
+      <p:sp>
+        <p:nvSpPr>
+          <p:cNvPr id="7" name="文本框 6">
+            <a:extLst>
+              <a:ext uri="{FF2B5EF4-FFF2-40B4-BE49-F238E27FC236}">
+                <a16:creationId xmlns:a16="http://schemas.microsoft.com/office/drawing/2014/main" id="{75BA70EA-8355-00D9-8944-83582FD41685}"/>
+              </a:ext>
+            </a:extLst>
+          </p:cNvPr>
+          <p:cNvSpPr txBox="1"/>
+          <p:nvPr/>
+        </p:nvSpPr>
+        <p:spPr>
+          <a:xfrm>
+            <a:off x="4955186" y="1593912"/>
+            <a:ext cx="1846659" cy="1138773"/>
+          </a:xfrm>
+          <a:prstGeom prst="rect">
+            <a:avLst/>
+          </a:prstGeom>
+          <a:noFill/>
+        </p:spPr>
+        <p:txBody>
+          <a:bodyPr wrap="none" rtlCol="0">
+            <a:spAutoFit/>
+          </a:bodyPr>
+          <a:lstStyle/>
+          <a:p>
+            <a:pPr algn="ctr"/>
+            <a:r>
+              <a:rPr lang="zh-CN" altLang="en-US" dirty="0"/>
+              <a:t>第二步</a:t>
+            </a:r>
+            <a:endParaRPr lang="en-US" altLang="zh-CN" dirty="0"/>
+          </a:p>
+          <a:p>
+            <a:pPr algn="ctr"/>
+            <a:r>
+              <a:rPr lang="zh-CN" altLang="en-US" dirty="0"/>
+              <a:t>病毒文件执行加密</a:t>
+            </a:r>
+            <a:endParaRPr lang="en-US" altLang="zh-CN" dirty="0"/>
+          </a:p>
+          <a:p>
+            <a:pPr marL="285750" indent="-285750">
+              <a:buFont typeface="Wingdings" panose="05000000000000000000" pitchFamily="2" charset="2"/>
+              <a:buChar char="l"/>
+            </a:pPr>
+            <a:r>
+              <a:rPr lang="zh-CN" altLang="en-US" sz="1600" dirty="0"/>
+              <a:t>执行提权程序</a:t>
+            </a:r>
+            <a:endParaRPr lang="en-US" altLang="zh-CN" sz="1600" dirty="0"/>
+          </a:p>
+          <a:p>
+            <a:pPr marL="285750" indent="-285750">
+              <a:buFont typeface="Wingdings" panose="05000000000000000000" pitchFamily="2" charset="2"/>
+              <a:buChar char="l"/>
+            </a:pPr>
+            <a:r>
+              <a:rPr lang="zh-CN" altLang="en-US" sz="1600" dirty="0"/>
+              <a:t>执行加密程序</a:t>
+            </a:r>
+            <a:endParaRPr lang="en-US" altLang="zh-CN" sz="1600" dirty="0"/>
+          </a:p>
+        </p:txBody>
+      </p:sp>
+      <p:sp>
+        <p:nvSpPr>
+          <p:cNvPr id="8" name="文本框 7">
+            <a:extLst>
+              <a:ext uri="{FF2B5EF4-FFF2-40B4-BE49-F238E27FC236}">
+                <a16:creationId xmlns:a16="http://schemas.microsoft.com/office/drawing/2014/main" id="{ADF017F3-D5F6-496B-2420-3FA8B83C40B4}"/>
+              </a:ext>
+            </a:extLst>
+          </p:cNvPr>
+          <p:cNvSpPr txBox="1"/>
+          <p:nvPr/>
+        </p:nvSpPr>
+        <p:spPr>
+          <a:xfrm>
+            <a:off x="7236633" y="1593912"/>
+            <a:ext cx="2492990" cy="1138773"/>
+          </a:xfrm>
+          <a:prstGeom prst="rect">
+            <a:avLst/>
+          </a:prstGeom>
+          <a:noFill/>
+        </p:spPr>
+        <p:txBody>
+          <a:bodyPr wrap="none" rtlCol="0">
+            <a:spAutoFit/>
+          </a:bodyPr>
+          <a:lstStyle/>
+          <a:p>
+            <a:pPr algn="ctr"/>
+            <a:r>
+              <a:rPr lang="zh-CN" altLang="en-US" dirty="0"/>
+              <a:t>第二步</a:t>
+            </a:r>
+            <a:endParaRPr lang="en-US" altLang="zh-CN" dirty="0"/>
+          </a:p>
+          <a:p>
+            <a:pPr algn="ctr"/>
+            <a:r>
+              <a:rPr lang="zh-CN" altLang="en-US" dirty="0"/>
+              <a:t>横向扩散，扩大影响面</a:t>
+            </a:r>
+            <a:endParaRPr lang="en-US" altLang="zh-CN" dirty="0"/>
+          </a:p>
+          <a:p>
+            <a:pPr marL="285750" indent="-285750">
+              <a:buFont typeface="Wingdings" panose="05000000000000000000" pitchFamily="2" charset="2"/>
+              <a:buChar char="l"/>
+            </a:pPr>
+            <a:r>
+              <a:rPr lang="en-US" altLang="zh-CN" sz="1600" dirty="0"/>
+              <a:t>RDP</a:t>
+            </a:r>
+            <a:r>
+              <a:rPr lang="zh-CN" altLang="en-US" sz="1600" dirty="0"/>
+              <a:t>爆破横向传播</a:t>
+            </a:r>
+            <a:endParaRPr lang="en-US" altLang="zh-CN" sz="1600" dirty="0"/>
+          </a:p>
+          <a:p>
+            <a:pPr marL="285750" indent="-285750">
+              <a:buFont typeface="Wingdings" panose="05000000000000000000" pitchFamily="2" charset="2"/>
+              <a:buChar char="l"/>
+            </a:pPr>
+            <a:r>
+              <a:rPr lang="zh-CN" altLang="en-US" sz="1600" dirty="0"/>
+              <a:t>再次加密勒索</a:t>
+            </a:r>
+            <a:endParaRPr lang="en-US" altLang="zh-CN" sz="1600" dirty="0"/>
+          </a:p>
+        </p:txBody>
+      </p:sp>
+    </p:spTree>
+    <p:extLst>
+      <p:ext uri="{BB962C8B-B14F-4D97-AF65-F5344CB8AC3E}">
+        <p14:creationId xmlns:p14="http://schemas.microsoft.com/office/powerpoint/2010/main" val="2252849313"/>
+      </p:ext>
+    </p:extLst>
+  </p:cSld>
+  <p:clrMapOvr>
+    <a:masterClrMapping/>
+  </p:clrMapOvr>
+</p:sld>
+</file>
+
 <file path=ppt/theme/theme1.xml><?xml version="1.0" encoding="utf-8"?>
 <a:theme xmlns:a="http://schemas.openxmlformats.org/drawingml/2006/main" name="Office 主题">
   <a:themeElements>

--- a/images/2023/画图.pptx
+++ b/images/2023/画图.pptx
@@ -8,6 +8,7 @@
     <p:sldId id="256" r:id="rId2"/>
     <p:sldId id="257" r:id="rId3"/>
     <p:sldId id="258" r:id="rId4"/>
+    <p:sldId id="259" r:id="rId5"/>
   </p:sldIdLst>
   <p:sldSz cx="12192000" cy="6858000"/>
   <p:notesSz cx="6858000" cy="9144000"/>
@@ -2723,7 +2724,7 @@
           <a:p>
             <a:fld id="{D997B5FA-0921-464F-AAE1-844C04324D75}" type="datetimeFigureOut">
               <a:rPr lang="zh-CN" altLang="en-US" smtClean="0"/>
-              <a:t>2023/3/23</a:t>
+              <a:t>2023/4/18</a:t>
             </a:fld>
             <a:endParaRPr lang="zh-CN" altLang="en-US"/>
           </a:p>
@@ -2891,7 +2892,7 @@
           <a:p>
             <a:fld id="{D997B5FA-0921-464F-AAE1-844C04324D75}" type="datetimeFigureOut">
               <a:rPr lang="zh-CN" altLang="en-US" smtClean="0"/>
-              <a:t>2023/3/23</a:t>
+              <a:t>2023/4/18</a:t>
             </a:fld>
             <a:endParaRPr lang="zh-CN" altLang="en-US"/>
           </a:p>
@@ -3069,7 +3070,7 @@
           <a:p>
             <a:fld id="{D997B5FA-0921-464F-AAE1-844C04324D75}" type="datetimeFigureOut">
               <a:rPr lang="zh-CN" altLang="en-US" smtClean="0"/>
-              <a:t>2023/3/23</a:t>
+              <a:t>2023/4/18</a:t>
             </a:fld>
             <a:endParaRPr lang="zh-CN" altLang="en-US"/>
           </a:p>
@@ -3237,7 +3238,7 @@
           <a:p>
             <a:fld id="{D997B5FA-0921-464F-AAE1-844C04324D75}" type="datetimeFigureOut">
               <a:rPr lang="zh-CN" altLang="en-US" smtClean="0"/>
-              <a:t>2023/3/23</a:t>
+              <a:t>2023/4/18</a:t>
             </a:fld>
             <a:endParaRPr lang="zh-CN" altLang="en-US"/>
           </a:p>
@@ -3482,7 +3483,7 @@
           <a:p>
             <a:fld id="{D997B5FA-0921-464F-AAE1-844C04324D75}" type="datetimeFigureOut">
               <a:rPr lang="zh-CN" altLang="en-US" smtClean="0"/>
-              <a:t>2023/3/23</a:t>
+              <a:t>2023/4/18</a:t>
             </a:fld>
             <a:endParaRPr lang="zh-CN" altLang="en-US"/>
           </a:p>
@@ -3711,7 +3712,7 @@
           <a:p>
             <a:fld id="{D997B5FA-0921-464F-AAE1-844C04324D75}" type="datetimeFigureOut">
               <a:rPr lang="zh-CN" altLang="en-US" smtClean="0"/>
-              <a:t>2023/3/23</a:t>
+              <a:t>2023/4/18</a:t>
             </a:fld>
             <a:endParaRPr lang="zh-CN" altLang="en-US"/>
           </a:p>
@@ -4075,7 +4076,7 @@
           <a:p>
             <a:fld id="{D997B5FA-0921-464F-AAE1-844C04324D75}" type="datetimeFigureOut">
               <a:rPr lang="zh-CN" altLang="en-US" smtClean="0"/>
-              <a:t>2023/3/23</a:t>
+              <a:t>2023/4/18</a:t>
             </a:fld>
             <a:endParaRPr lang="zh-CN" altLang="en-US"/>
           </a:p>
@@ -4192,7 +4193,7 @@
           <a:p>
             <a:fld id="{D997B5FA-0921-464F-AAE1-844C04324D75}" type="datetimeFigureOut">
               <a:rPr lang="zh-CN" altLang="en-US" smtClean="0"/>
-              <a:t>2023/3/23</a:t>
+              <a:t>2023/4/18</a:t>
             </a:fld>
             <a:endParaRPr lang="zh-CN" altLang="en-US"/>
           </a:p>
@@ -4287,7 +4288,7 @@
           <a:p>
             <a:fld id="{D997B5FA-0921-464F-AAE1-844C04324D75}" type="datetimeFigureOut">
               <a:rPr lang="zh-CN" altLang="en-US" smtClean="0"/>
-              <a:t>2023/3/23</a:t>
+              <a:t>2023/4/18</a:t>
             </a:fld>
             <a:endParaRPr lang="zh-CN" altLang="en-US"/>
           </a:p>
@@ -4562,7 +4563,7 @@
           <a:p>
             <a:fld id="{D997B5FA-0921-464F-AAE1-844C04324D75}" type="datetimeFigureOut">
               <a:rPr lang="zh-CN" altLang="en-US" smtClean="0"/>
-              <a:t>2023/3/23</a:t>
+              <a:t>2023/4/18</a:t>
             </a:fld>
             <a:endParaRPr lang="zh-CN" altLang="en-US"/>
           </a:p>
@@ -4814,7 +4815,7 @@
           <a:p>
             <a:fld id="{D997B5FA-0921-464F-AAE1-844C04324D75}" type="datetimeFigureOut">
               <a:rPr lang="zh-CN" altLang="en-US" smtClean="0"/>
-              <a:t>2023/3/23</a:t>
+              <a:t>2023/4/18</a:t>
             </a:fld>
             <a:endParaRPr lang="zh-CN" altLang="en-US"/>
           </a:p>
@@ -5025,7 +5026,7 @@
           <a:p>
             <a:fld id="{D997B5FA-0921-464F-AAE1-844C04324D75}" type="datetimeFigureOut">
               <a:rPr lang="zh-CN" altLang="en-US" smtClean="0"/>
-              <a:t>2023/3/23</a:t>
+              <a:t>2023/4/18</a:t>
             </a:fld>
             <a:endParaRPr lang="zh-CN" altLang="en-US"/>
           </a:p>
@@ -8046,6 +8047,361 @@
 </p:sld>
 </file>
 
+<file path=ppt/slides/slide4.xml><?xml version="1.0" encoding="utf-8"?>
+<p:sld xmlns:a="http://schemas.openxmlformats.org/drawingml/2006/main" xmlns:r="http://schemas.openxmlformats.org/officeDocument/2006/relationships" xmlns:p="http://schemas.openxmlformats.org/presentationml/2006/main">
+  <p:cSld>
+    <p:spTree>
+      <p:nvGrpSpPr>
+        <p:cNvPr id="1" name=""/>
+        <p:cNvGrpSpPr/>
+        <p:nvPr/>
+      </p:nvGrpSpPr>
+      <p:grpSpPr>
+        <a:xfrm>
+          <a:off x="0" y="0"/>
+          <a:ext cx="0" cy="0"/>
+          <a:chOff x="0" y="0"/>
+          <a:chExt cx="0" cy="0"/>
+        </a:xfrm>
+      </p:grpSpPr>
+      <p:sp>
+        <p:nvSpPr>
+          <p:cNvPr id="4" name="矩形 3">
+            <a:extLst>
+              <a:ext uri="{FF2B5EF4-FFF2-40B4-BE49-F238E27FC236}">
+                <a16:creationId xmlns:a16="http://schemas.microsoft.com/office/drawing/2014/main" id="{868F32C5-5A21-55C3-6177-22801FA64536}"/>
+              </a:ext>
+            </a:extLst>
+          </p:cNvPr>
+          <p:cNvSpPr/>
+          <p:nvPr/>
+        </p:nvSpPr>
+        <p:spPr>
+          <a:xfrm>
+            <a:off x="1882941" y="2255921"/>
+            <a:ext cx="1852479" cy="914400"/>
+          </a:xfrm>
+          <a:prstGeom prst="rect">
+            <a:avLst/>
+          </a:prstGeom>
+        </p:spPr>
+        <p:style>
+          <a:lnRef idx="2">
+            <a:schemeClr val="accent1">
+              <a:shade val="50000"/>
+            </a:schemeClr>
+          </a:lnRef>
+          <a:fillRef idx="1">
+            <a:schemeClr val="accent1"/>
+          </a:fillRef>
+          <a:effectRef idx="0">
+            <a:schemeClr val="accent1"/>
+          </a:effectRef>
+          <a:fontRef idx="minor">
+            <a:schemeClr val="lt1"/>
+          </a:fontRef>
+        </p:style>
+        <p:txBody>
+          <a:bodyPr rtlCol="0" anchor="ctr"/>
+          <a:lstStyle/>
+          <a:p>
+            <a:pPr algn="ctr"/>
+            <a:r>
+              <a:rPr lang="zh-CN" altLang="en-US" dirty="0"/>
+              <a:t>资产上线</a:t>
+            </a:r>
+          </a:p>
+        </p:txBody>
+      </p:sp>
+      <p:sp>
+        <p:nvSpPr>
+          <p:cNvPr id="5" name="矩形 4">
+            <a:extLst>
+              <a:ext uri="{FF2B5EF4-FFF2-40B4-BE49-F238E27FC236}">
+                <a16:creationId xmlns:a16="http://schemas.microsoft.com/office/drawing/2014/main" id="{32BE5F8D-CC74-13D7-AB83-C43359FE544E}"/>
+              </a:ext>
+            </a:extLst>
+          </p:cNvPr>
+          <p:cNvSpPr/>
+          <p:nvPr/>
+        </p:nvSpPr>
+        <p:spPr>
+          <a:xfrm>
+            <a:off x="5169760" y="2255921"/>
+            <a:ext cx="1852479" cy="914400"/>
+          </a:xfrm>
+          <a:prstGeom prst="rect">
+            <a:avLst/>
+          </a:prstGeom>
+        </p:spPr>
+        <p:style>
+          <a:lnRef idx="2">
+            <a:schemeClr val="accent1">
+              <a:shade val="50000"/>
+            </a:schemeClr>
+          </a:lnRef>
+          <a:fillRef idx="1">
+            <a:schemeClr val="accent1"/>
+          </a:fillRef>
+          <a:effectRef idx="0">
+            <a:schemeClr val="accent1"/>
+          </a:effectRef>
+          <a:fontRef idx="minor">
+            <a:schemeClr val="lt1"/>
+          </a:fontRef>
+        </p:style>
+        <p:txBody>
+          <a:bodyPr rtlCol="0" anchor="ctr"/>
+          <a:lstStyle/>
+          <a:p>
+            <a:pPr algn="ctr"/>
+            <a:r>
+              <a:rPr lang="zh-CN" altLang="en-US" dirty="0"/>
+              <a:t>资产运行</a:t>
+            </a:r>
+          </a:p>
+        </p:txBody>
+      </p:sp>
+      <p:sp>
+        <p:nvSpPr>
+          <p:cNvPr id="6" name="矩形 5">
+            <a:extLst>
+              <a:ext uri="{FF2B5EF4-FFF2-40B4-BE49-F238E27FC236}">
+                <a16:creationId xmlns:a16="http://schemas.microsoft.com/office/drawing/2014/main" id="{AA63FD87-0BA5-9D14-6585-AB7CEB9273BE}"/>
+              </a:ext>
+            </a:extLst>
+          </p:cNvPr>
+          <p:cNvSpPr/>
+          <p:nvPr/>
+        </p:nvSpPr>
+        <p:spPr>
+          <a:xfrm>
+            <a:off x="8691173" y="2255921"/>
+            <a:ext cx="1852479" cy="914400"/>
+          </a:xfrm>
+          <a:prstGeom prst="rect">
+            <a:avLst/>
+          </a:prstGeom>
+        </p:spPr>
+        <p:style>
+          <a:lnRef idx="2">
+            <a:schemeClr val="accent1">
+              <a:shade val="50000"/>
+            </a:schemeClr>
+          </a:lnRef>
+          <a:fillRef idx="1">
+            <a:schemeClr val="accent1"/>
+          </a:fillRef>
+          <a:effectRef idx="0">
+            <a:schemeClr val="accent1"/>
+          </a:effectRef>
+          <a:fontRef idx="minor">
+            <a:schemeClr val="lt1"/>
+          </a:fontRef>
+        </p:style>
+        <p:txBody>
+          <a:bodyPr rtlCol="0" anchor="ctr"/>
+          <a:lstStyle/>
+          <a:p>
+            <a:pPr algn="ctr"/>
+            <a:r>
+              <a:rPr lang="zh-CN" altLang="en-US" dirty="0"/>
+              <a:t>资产下线</a:t>
+            </a:r>
+          </a:p>
+        </p:txBody>
+      </p:sp>
+      <p:sp>
+        <p:nvSpPr>
+          <p:cNvPr id="9" name="箭头: 右 8">
+            <a:extLst>
+              <a:ext uri="{FF2B5EF4-FFF2-40B4-BE49-F238E27FC236}">
+                <a16:creationId xmlns:a16="http://schemas.microsoft.com/office/drawing/2014/main" id="{4F95891C-AB69-5ACE-195B-27AF0AAF237D}"/>
+              </a:ext>
+            </a:extLst>
+          </p:cNvPr>
+          <p:cNvSpPr/>
+          <p:nvPr/>
+        </p:nvSpPr>
+        <p:spPr>
+          <a:xfrm>
+            <a:off x="4036979" y="2538919"/>
+            <a:ext cx="739302" cy="389107"/>
+          </a:xfrm>
+          <a:prstGeom prst="rightArrow">
+            <a:avLst/>
+          </a:prstGeom>
+          <a:solidFill>
+            <a:schemeClr val="accent1">
+              <a:lumMod val="40000"/>
+              <a:lumOff val="60000"/>
+            </a:schemeClr>
+          </a:solidFill>
+        </p:spPr>
+        <p:style>
+          <a:lnRef idx="2">
+            <a:schemeClr val="accent1">
+              <a:shade val="50000"/>
+            </a:schemeClr>
+          </a:lnRef>
+          <a:fillRef idx="1">
+            <a:schemeClr val="accent1"/>
+          </a:fillRef>
+          <a:effectRef idx="0">
+            <a:schemeClr val="accent1"/>
+          </a:effectRef>
+          <a:fontRef idx="minor">
+            <a:schemeClr val="lt1"/>
+          </a:fontRef>
+        </p:style>
+        <p:txBody>
+          <a:bodyPr rtlCol="0" anchor="ctr"/>
+          <a:lstStyle/>
+          <a:p>
+            <a:pPr algn="ctr"/>
+            <a:endParaRPr lang="zh-CN" altLang="en-US"/>
+          </a:p>
+        </p:txBody>
+      </p:sp>
+      <p:sp>
+        <p:nvSpPr>
+          <p:cNvPr id="10" name="箭头: 右 9">
+            <a:extLst>
+              <a:ext uri="{FF2B5EF4-FFF2-40B4-BE49-F238E27FC236}">
+                <a16:creationId xmlns:a16="http://schemas.microsoft.com/office/drawing/2014/main" id="{A0DAB1D9-169E-81CC-3B23-E247AD9CF955}"/>
+              </a:ext>
+            </a:extLst>
+          </p:cNvPr>
+          <p:cNvSpPr/>
+          <p:nvPr/>
+        </p:nvSpPr>
+        <p:spPr>
+          <a:xfrm>
+            <a:off x="7415718" y="2538919"/>
+            <a:ext cx="739302" cy="389107"/>
+          </a:xfrm>
+          <a:prstGeom prst="rightArrow">
+            <a:avLst/>
+          </a:prstGeom>
+          <a:solidFill>
+            <a:schemeClr val="accent1">
+              <a:lumMod val="40000"/>
+              <a:lumOff val="60000"/>
+            </a:schemeClr>
+          </a:solidFill>
+        </p:spPr>
+        <p:style>
+          <a:lnRef idx="2">
+            <a:schemeClr val="accent1">
+              <a:shade val="50000"/>
+            </a:schemeClr>
+          </a:lnRef>
+          <a:fillRef idx="1">
+            <a:schemeClr val="accent1"/>
+          </a:fillRef>
+          <a:effectRef idx="0">
+            <a:schemeClr val="accent1"/>
+          </a:effectRef>
+          <a:fontRef idx="minor">
+            <a:schemeClr val="lt1"/>
+          </a:fontRef>
+        </p:style>
+        <p:txBody>
+          <a:bodyPr rtlCol="0" anchor="ctr"/>
+          <a:lstStyle/>
+          <a:p>
+            <a:pPr algn="ctr"/>
+            <a:endParaRPr lang="zh-CN" altLang="en-US"/>
+          </a:p>
+        </p:txBody>
+      </p:sp>
+      <p:sp>
+        <p:nvSpPr>
+          <p:cNvPr id="11" name="矩形 10">
+            <a:extLst>
+              <a:ext uri="{FF2B5EF4-FFF2-40B4-BE49-F238E27FC236}">
+                <a16:creationId xmlns:a16="http://schemas.microsoft.com/office/drawing/2014/main" id="{8C4CB90E-8DEC-EAEB-805D-410E92F9E79C}"/>
+              </a:ext>
+            </a:extLst>
+          </p:cNvPr>
+          <p:cNvSpPr/>
+          <p:nvPr/>
+        </p:nvSpPr>
+        <p:spPr>
+          <a:xfrm>
+            <a:off x="1882941" y="3287395"/>
+            <a:ext cx="8660711" cy="1217066"/>
+          </a:xfrm>
+          <a:prstGeom prst="rect">
+            <a:avLst/>
+          </a:prstGeom>
+          <a:ln w="19050">
+            <a:prstDash val="dash"/>
+          </a:ln>
+        </p:spPr>
+        <p:style>
+          <a:lnRef idx="2">
+            <a:schemeClr val="accent5"/>
+          </a:lnRef>
+          <a:fillRef idx="1">
+            <a:schemeClr val="lt1"/>
+          </a:fillRef>
+          <a:effectRef idx="0">
+            <a:schemeClr val="accent5"/>
+          </a:effectRef>
+          <a:fontRef idx="minor">
+            <a:schemeClr val="dk1"/>
+          </a:fontRef>
+        </p:style>
+        <p:txBody>
+          <a:bodyPr rtlCol="0" anchor="ctr"/>
+          <a:lstStyle/>
+          <a:p>
+            <a:pPr algn="ctr"/>
+            <a:r>
+              <a:rPr lang="zh-CN" altLang="en-US" dirty="0"/>
+              <a:t>资产台账维护</a:t>
+            </a:r>
+            <a:endParaRPr lang="en-US" altLang="zh-CN" dirty="0"/>
+          </a:p>
+          <a:p>
+            <a:pPr algn="ctr"/>
+            <a:r>
+              <a:rPr lang="zh-CN" altLang="en-US" dirty="0"/>
+              <a:t>资产定级备案</a:t>
+            </a:r>
+            <a:endParaRPr lang="en-US" altLang="zh-CN" dirty="0"/>
+          </a:p>
+          <a:p>
+            <a:pPr algn="ctr"/>
+            <a:r>
+              <a:rPr lang="zh-CN" altLang="en-US" dirty="0"/>
+              <a:t>资产风险评估</a:t>
+            </a:r>
+            <a:endParaRPr lang="en-US" altLang="zh-CN" dirty="0"/>
+          </a:p>
+          <a:p>
+            <a:pPr algn="ctr"/>
+            <a:r>
+              <a:rPr lang="zh-CN" altLang="en-US" dirty="0"/>
+              <a:t>资产定期清查</a:t>
+            </a:r>
+          </a:p>
+        </p:txBody>
+      </p:sp>
+    </p:spTree>
+    <p:extLst>
+      <p:ext uri="{BB962C8B-B14F-4D97-AF65-F5344CB8AC3E}">
+        <p14:creationId xmlns:p14="http://schemas.microsoft.com/office/powerpoint/2010/main" val="1653876028"/>
+      </p:ext>
+    </p:extLst>
+  </p:cSld>
+  <p:clrMapOvr>
+    <a:masterClrMapping/>
+  </p:clrMapOvr>
+</p:sld>
+</file>
+
 <file path=ppt/theme/theme1.xml><?xml version="1.0" encoding="utf-8"?>
 <a:theme xmlns:a="http://schemas.openxmlformats.org/drawingml/2006/main" name="Office 主题">
   <a:themeElements>

--- a/images/2023/画图.pptx
+++ b/images/2023/画图.pptx
@@ -9,6 +9,7 @@
     <p:sldId id="257" r:id="rId3"/>
     <p:sldId id="258" r:id="rId4"/>
     <p:sldId id="259" r:id="rId5"/>
+    <p:sldId id="260" r:id="rId6"/>
   </p:sldIdLst>
   <p:sldSz cx="12192000" cy="6858000"/>
   <p:notesSz cx="6858000" cy="9144000"/>
@@ -2724,7 +2725,7 @@
           <a:p>
             <a:fld id="{D997B5FA-0921-464F-AAE1-844C04324D75}" type="datetimeFigureOut">
               <a:rPr lang="zh-CN" altLang="en-US" smtClean="0"/>
-              <a:t>2023/4/18</a:t>
+              <a:t>2023/10/28</a:t>
             </a:fld>
             <a:endParaRPr lang="zh-CN" altLang="en-US"/>
           </a:p>
@@ -2892,7 +2893,7 @@
           <a:p>
             <a:fld id="{D997B5FA-0921-464F-AAE1-844C04324D75}" type="datetimeFigureOut">
               <a:rPr lang="zh-CN" altLang="en-US" smtClean="0"/>
-              <a:t>2023/4/18</a:t>
+              <a:t>2023/10/28</a:t>
             </a:fld>
             <a:endParaRPr lang="zh-CN" altLang="en-US"/>
           </a:p>
@@ -3070,7 +3071,7 @@
           <a:p>
             <a:fld id="{D997B5FA-0921-464F-AAE1-844C04324D75}" type="datetimeFigureOut">
               <a:rPr lang="zh-CN" altLang="en-US" smtClean="0"/>
-              <a:t>2023/4/18</a:t>
+              <a:t>2023/10/28</a:t>
             </a:fld>
             <a:endParaRPr lang="zh-CN" altLang="en-US"/>
           </a:p>
@@ -3238,7 +3239,7 @@
           <a:p>
             <a:fld id="{D997B5FA-0921-464F-AAE1-844C04324D75}" type="datetimeFigureOut">
               <a:rPr lang="zh-CN" altLang="en-US" smtClean="0"/>
-              <a:t>2023/4/18</a:t>
+              <a:t>2023/10/28</a:t>
             </a:fld>
             <a:endParaRPr lang="zh-CN" altLang="en-US"/>
           </a:p>
@@ -3483,7 +3484,7 @@
           <a:p>
             <a:fld id="{D997B5FA-0921-464F-AAE1-844C04324D75}" type="datetimeFigureOut">
               <a:rPr lang="zh-CN" altLang="en-US" smtClean="0"/>
-              <a:t>2023/4/18</a:t>
+              <a:t>2023/10/28</a:t>
             </a:fld>
             <a:endParaRPr lang="zh-CN" altLang="en-US"/>
           </a:p>
@@ -3712,7 +3713,7 @@
           <a:p>
             <a:fld id="{D997B5FA-0921-464F-AAE1-844C04324D75}" type="datetimeFigureOut">
               <a:rPr lang="zh-CN" altLang="en-US" smtClean="0"/>
-              <a:t>2023/4/18</a:t>
+              <a:t>2023/10/28</a:t>
             </a:fld>
             <a:endParaRPr lang="zh-CN" altLang="en-US"/>
           </a:p>
@@ -4076,7 +4077,7 @@
           <a:p>
             <a:fld id="{D997B5FA-0921-464F-AAE1-844C04324D75}" type="datetimeFigureOut">
               <a:rPr lang="zh-CN" altLang="en-US" smtClean="0"/>
-              <a:t>2023/4/18</a:t>
+              <a:t>2023/10/28</a:t>
             </a:fld>
             <a:endParaRPr lang="zh-CN" altLang="en-US"/>
           </a:p>
@@ -4193,7 +4194,7 @@
           <a:p>
             <a:fld id="{D997B5FA-0921-464F-AAE1-844C04324D75}" type="datetimeFigureOut">
               <a:rPr lang="zh-CN" altLang="en-US" smtClean="0"/>
-              <a:t>2023/4/18</a:t>
+              <a:t>2023/10/28</a:t>
             </a:fld>
             <a:endParaRPr lang="zh-CN" altLang="en-US"/>
           </a:p>
@@ -4288,7 +4289,7 @@
           <a:p>
             <a:fld id="{D997B5FA-0921-464F-AAE1-844C04324D75}" type="datetimeFigureOut">
               <a:rPr lang="zh-CN" altLang="en-US" smtClean="0"/>
-              <a:t>2023/4/18</a:t>
+              <a:t>2023/10/28</a:t>
             </a:fld>
             <a:endParaRPr lang="zh-CN" altLang="en-US"/>
           </a:p>
@@ -4563,7 +4564,7 @@
           <a:p>
             <a:fld id="{D997B5FA-0921-464F-AAE1-844C04324D75}" type="datetimeFigureOut">
               <a:rPr lang="zh-CN" altLang="en-US" smtClean="0"/>
-              <a:t>2023/4/18</a:t>
+              <a:t>2023/10/28</a:t>
             </a:fld>
             <a:endParaRPr lang="zh-CN" altLang="en-US"/>
           </a:p>
@@ -4815,7 +4816,7 @@
           <a:p>
             <a:fld id="{D997B5FA-0921-464F-AAE1-844C04324D75}" type="datetimeFigureOut">
               <a:rPr lang="zh-CN" altLang="en-US" smtClean="0"/>
-              <a:t>2023/4/18</a:t>
+              <a:t>2023/10/28</a:t>
             </a:fld>
             <a:endParaRPr lang="zh-CN" altLang="en-US"/>
           </a:p>
@@ -5026,7 +5027,7 @@
           <a:p>
             <a:fld id="{D997B5FA-0921-464F-AAE1-844C04324D75}" type="datetimeFigureOut">
               <a:rPr lang="zh-CN" altLang="en-US" smtClean="0"/>
-              <a:t>2023/4/18</a:t>
+              <a:t>2023/10/28</a:t>
             </a:fld>
             <a:endParaRPr lang="zh-CN" altLang="en-US"/>
           </a:p>
@@ -8402,6 +8403,318 @@
 </p:sld>
 </file>
 
+<file path=ppt/slides/slide5.xml><?xml version="1.0" encoding="utf-8"?>
+<p:sld xmlns:a="http://schemas.openxmlformats.org/drawingml/2006/main" xmlns:r="http://schemas.openxmlformats.org/officeDocument/2006/relationships" xmlns:p="http://schemas.openxmlformats.org/presentationml/2006/main">
+  <p:cSld>
+    <p:spTree>
+      <p:nvGrpSpPr>
+        <p:cNvPr id="1" name=""/>
+        <p:cNvGrpSpPr/>
+        <p:nvPr/>
+      </p:nvGrpSpPr>
+      <p:grpSpPr>
+        <a:xfrm>
+          <a:off x="0" y="0"/>
+          <a:ext cx="0" cy="0"/>
+          <a:chOff x="0" y="0"/>
+          <a:chExt cx="0" cy="0"/>
+        </a:xfrm>
+      </p:grpSpPr>
+      <p:sp>
+        <p:nvSpPr>
+          <p:cNvPr id="4" name="矩形 3">
+            <a:extLst>
+              <a:ext uri="{FF2B5EF4-FFF2-40B4-BE49-F238E27FC236}">
+                <a16:creationId xmlns:a16="http://schemas.microsoft.com/office/drawing/2014/main" id="{D0537DE9-87EC-A26C-5B07-477BC9145A05}"/>
+              </a:ext>
+            </a:extLst>
+          </p:cNvPr>
+          <p:cNvSpPr/>
+          <p:nvPr/>
+        </p:nvSpPr>
+        <p:spPr>
+          <a:xfrm>
+            <a:off x="3669632" y="1293395"/>
+            <a:ext cx="1383631" cy="673768"/>
+          </a:xfrm>
+          <a:prstGeom prst="rect">
+            <a:avLst/>
+          </a:prstGeom>
+        </p:spPr>
+        <p:style>
+          <a:lnRef idx="2">
+            <a:schemeClr val="accent2">
+              <a:shade val="15000"/>
+            </a:schemeClr>
+          </a:lnRef>
+          <a:fillRef idx="1">
+            <a:schemeClr val="accent2"/>
+          </a:fillRef>
+          <a:effectRef idx="0">
+            <a:schemeClr val="accent2"/>
+          </a:effectRef>
+          <a:fontRef idx="minor">
+            <a:schemeClr val="lt1"/>
+          </a:fontRef>
+        </p:style>
+        <p:txBody>
+          <a:bodyPr rtlCol="0" anchor="ctr"/>
+          <a:lstStyle/>
+          <a:p>
+            <a:pPr algn="ctr"/>
+            <a:r>
+              <a:rPr lang="zh-CN" altLang="en-US" dirty="0"/>
+              <a:t>学习</a:t>
+            </a:r>
+          </a:p>
+        </p:txBody>
+      </p:sp>
+      <p:sp>
+        <p:nvSpPr>
+          <p:cNvPr id="5" name="文本框 4">
+            <a:extLst>
+              <a:ext uri="{FF2B5EF4-FFF2-40B4-BE49-F238E27FC236}">
+                <a16:creationId xmlns:a16="http://schemas.microsoft.com/office/drawing/2014/main" id="{5BEDADF9-28B4-AD51-6715-F46365108C84}"/>
+              </a:ext>
+            </a:extLst>
+          </p:cNvPr>
+          <p:cNvSpPr txBox="1"/>
+          <p:nvPr/>
+        </p:nvSpPr>
+        <p:spPr>
+          <a:xfrm>
+            <a:off x="2544678" y="1445613"/>
+            <a:ext cx="646331" cy="369332"/>
+          </a:xfrm>
+          <a:prstGeom prst="rect">
+            <a:avLst/>
+          </a:prstGeom>
+          <a:noFill/>
+        </p:spPr>
+        <p:txBody>
+          <a:bodyPr wrap="none" rtlCol="0">
+            <a:spAutoFit/>
+          </a:bodyPr>
+          <a:lstStyle/>
+          <a:p>
+            <a:r>
+              <a:rPr lang="zh-CN" altLang="en-US" dirty="0"/>
+              <a:t>输入</a:t>
+            </a:r>
+          </a:p>
+        </p:txBody>
+      </p:sp>
+      <p:sp>
+        <p:nvSpPr>
+          <p:cNvPr id="6" name="文本框 5">
+            <a:extLst>
+              <a:ext uri="{FF2B5EF4-FFF2-40B4-BE49-F238E27FC236}">
+                <a16:creationId xmlns:a16="http://schemas.microsoft.com/office/drawing/2014/main" id="{0649449F-1B5D-6B91-37A1-0ECDF2F8A7CD}"/>
+              </a:ext>
+            </a:extLst>
+          </p:cNvPr>
+          <p:cNvSpPr txBox="1"/>
+          <p:nvPr/>
+        </p:nvSpPr>
+        <p:spPr>
+          <a:xfrm>
+            <a:off x="5600699" y="1445613"/>
+            <a:ext cx="646331" cy="369332"/>
+          </a:xfrm>
+          <a:prstGeom prst="rect">
+            <a:avLst/>
+          </a:prstGeom>
+          <a:noFill/>
+        </p:spPr>
+        <p:txBody>
+          <a:bodyPr wrap="none" rtlCol="0">
+            <a:spAutoFit/>
+          </a:bodyPr>
+          <a:lstStyle/>
+          <a:p>
+            <a:r>
+              <a:rPr lang="zh-CN" altLang="en-US" dirty="0"/>
+              <a:t>输出</a:t>
+            </a:r>
+          </a:p>
+        </p:txBody>
+      </p:sp>
+      <p:cxnSp>
+        <p:nvCxnSpPr>
+          <p:cNvPr id="8" name="直接箭头连接符 7">
+            <a:extLst>
+              <a:ext uri="{FF2B5EF4-FFF2-40B4-BE49-F238E27FC236}">
+                <a16:creationId xmlns:a16="http://schemas.microsoft.com/office/drawing/2014/main" id="{A406DECC-B9A3-3D6E-CA53-87AA25386941}"/>
+              </a:ext>
+            </a:extLst>
+          </p:cNvPr>
+          <p:cNvCxnSpPr>
+            <a:stCxn id="5" idx="3"/>
+          </p:cNvCxnSpPr>
+          <p:nvPr/>
+        </p:nvCxnSpPr>
+        <p:spPr>
+          <a:xfrm>
+            <a:off x="3191009" y="1630279"/>
+            <a:ext cx="436512" cy="0"/>
+          </a:xfrm>
+          <a:prstGeom prst="straightConnector1">
+            <a:avLst/>
+          </a:prstGeom>
+          <a:ln w="28575">
+            <a:tailEnd type="triangle"/>
+          </a:ln>
+        </p:spPr>
+        <p:style>
+          <a:lnRef idx="1">
+            <a:schemeClr val="accent1"/>
+          </a:lnRef>
+          <a:fillRef idx="0">
+            <a:schemeClr val="accent1"/>
+          </a:fillRef>
+          <a:effectRef idx="0">
+            <a:schemeClr val="accent1"/>
+          </a:effectRef>
+          <a:fontRef idx="minor">
+            <a:schemeClr val="tx1"/>
+          </a:fontRef>
+        </p:style>
+      </p:cxnSp>
+      <p:cxnSp>
+        <p:nvCxnSpPr>
+          <p:cNvPr id="9" name="直接箭头连接符 8">
+            <a:extLst>
+              <a:ext uri="{FF2B5EF4-FFF2-40B4-BE49-F238E27FC236}">
+                <a16:creationId xmlns:a16="http://schemas.microsoft.com/office/drawing/2014/main" id="{2803B235-2375-B227-2A8C-95093C49BC00}"/>
+              </a:ext>
+            </a:extLst>
+          </p:cNvPr>
+          <p:cNvCxnSpPr/>
+          <p:nvPr/>
+        </p:nvCxnSpPr>
+        <p:spPr>
+          <a:xfrm>
+            <a:off x="5053263" y="1630279"/>
+            <a:ext cx="436512" cy="0"/>
+          </a:xfrm>
+          <a:prstGeom prst="straightConnector1">
+            <a:avLst/>
+          </a:prstGeom>
+          <a:ln w="28575">
+            <a:tailEnd type="triangle"/>
+          </a:ln>
+        </p:spPr>
+        <p:style>
+          <a:lnRef idx="1">
+            <a:schemeClr val="accent1"/>
+          </a:lnRef>
+          <a:fillRef idx="0">
+            <a:schemeClr val="accent1"/>
+          </a:fillRef>
+          <a:effectRef idx="0">
+            <a:schemeClr val="accent1"/>
+          </a:effectRef>
+          <a:fontRef idx="minor">
+            <a:schemeClr val="tx1"/>
+          </a:fontRef>
+        </p:style>
+      </p:cxnSp>
+      <p:cxnSp>
+        <p:nvCxnSpPr>
+          <p:cNvPr id="11" name="连接符: 肘形 10">
+            <a:extLst>
+              <a:ext uri="{FF2B5EF4-FFF2-40B4-BE49-F238E27FC236}">
+                <a16:creationId xmlns:a16="http://schemas.microsoft.com/office/drawing/2014/main" id="{987C7393-C237-B062-C2D6-794EF48C7A78}"/>
+              </a:ext>
+            </a:extLst>
+          </p:cNvPr>
+          <p:cNvCxnSpPr>
+            <a:stCxn id="6" idx="0"/>
+            <a:endCxn id="4" idx="0"/>
+          </p:cNvCxnSpPr>
+          <p:nvPr/>
+        </p:nvCxnSpPr>
+        <p:spPr>
+          <a:xfrm rot="16200000" flipV="1">
+            <a:off x="5066548" y="588295"/>
+            <a:ext cx="152218" cy="1562417"/>
+          </a:xfrm>
+          <a:prstGeom prst="bentConnector3">
+            <a:avLst>
+              <a:gd name="adj1" fmla="val 250179"/>
+            </a:avLst>
+          </a:prstGeom>
+          <a:ln w="28575">
+            <a:tailEnd type="triangle"/>
+          </a:ln>
+        </p:spPr>
+        <p:style>
+          <a:lnRef idx="1">
+            <a:schemeClr val="accent1"/>
+          </a:lnRef>
+          <a:fillRef idx="0">
+            <a:schemeClr val="accent1"/>
+          </a:fillRef>
+          <a:effectRef idx="0">
+            <a:schemeClr val="accent1"/>
+          </a:effectRef>
+          <a:fontRef idx="minor">
+            <a:schemeClr val="tx1"/>
+          </a:fontRef>
+        </p:style>
+      </p:cxnSp>
+      <p:sp>
+        <p:nvSpPr>
+          <p:cNvPr id="12" name="文本框 11">
+            <a:extLst>
+              <a:ext uri="{FF2B5EF4-FFF2-40B4-BE49-F238E27FC236}">
+                <a16:creationId xmlns:a16="http://schemas.microsoft.com/office/drawing/2014/main" id="{8D75089C-519B-4AD9-7F35-663085C44631}"/>
+              </a:ext>
+            </a:extLst>
+          </p:cNvPr>
+          <p:cNvSpPr txBox="1"/>
+          <p:nvPr/>
+        </p:nvSpPr>
+        <p:spPr>
+          <a:xfrm>
+            <a:off x="4601857" y="770173"/>
+            <a:ext cx="902811" cy="307777"/>
+          </a:xfrm>
+          <a:prstGeom prst="rect">
+            <a:avLst/>
+          </a:prstGeom>
+          <a:noFill/>
+        </p:spPr>
+        <p:txBody>
+          <a:bodyPr wrap="none" rtlCol="0">
+            <a:spAutoFit/>
+          </a:bodyPr>
+          <a:lstStyle/>
+          <a:p>
+            <a:r>
+              <a:rPr lang="zh-CN" altLang="en-US" sz="1400" dirty="0">
+                <a:solidFill>
+                  <a:srgbClr val="FF0000"/>
+                </a:solidFill>
+              </a:rPr>
+              <a:t>效果反馈</a:t>
+            </a:r>
+          </a:p>
+        </p:txBody>
+      </p:sp>
+    </p:spTree>
+    <p:extLst>
+      <p:ext uri="{BB962C8B-B14F-4D97-AF65-F5344CB8AC3E}">
+        <p14:creationId xmlns:p14="http://schemas.microsoft.com/office/powerpoint/2010/main" val="2418789945"/>
+      </p:ext>
+    </p:extLst>
+  </p:cSld>
+  <p:clrMapOvr>
+    <a:masterClrMapping/>
+  </p:clrMapOvr>
+</p:sld>
+</file>
+
 <file path=ppt/theme/theme1.xml><?xml version="1.0" encoding="utf-8"?>
 <a:theme xmlns:a="http://schemas.openxmlformats.org/drawingml/2006/main" name="Office 主题">
   <a:themeElements>

--- a/images/2023/画图.pptx
+++ b/images/2023/画图.pptx
@@ -2725,7 +2725,7 @@
           <a:p>
             <a:fld id="{D997B5FA-0921-464F-AAE1-844C04324D75}" type="datetimeFigureOut">
               <a:rPr lang="zh-CN" altLang="en-US" smtClean="0"/>
-              <a:t>2023/10/28</a:t>
+              <a:t>2023/11/12</a:t>
             </a:fld>
             <a:endParaRPr lang="zh-CN" altLang="en-US"/>
           </a:p>
@@ -2893,7 +2893,7 @@
           <a:p>
             <a:fld id="{D997B5FA-0921-464F-AAE1-844C04324D75}" type="datetimeFigureOut">
               <a:rPr lang="zh-CN" altLang="en-US" smtClean="0"/>
-              <a:t>2023/10/28</a:t>
+              <a:t>2023/11/12</a:t>
             </a:fld>
             <a:endParaRPr lang="zh-CN" altLang="en-US"/>
           </a:p>
@@ -3071,7 +3071,7 @@
           <a:p>
             <a:fld id="{D997B5FA-0921-464F-AAE1-844C04324D75}" type="datetimeFigureOut">
               <a:rPr lang="zh-CN" altLang="en-US" smtClean="0"/>
-              <a:t>2023/10/28</a:t>
+              <a:t>2023/11/12</a:t>
             </a:fld>
             <a:endParaRPr lang="zh-CN" altLang="en-US"/>
           </a:p>
@@ -3239,7 +3239,7 @@
           <a:p>
             <a:fld id="{D997B5FA-0921-464F-AAE1-844C04324D75}" type="datetimeFigureOut">
               <a:rPr lang="zh-CN" altLang="en-US" smtClean="0"/>
-              <a:t>2023/10/28</a:t>
+              <a:t>2023/11/12</a:t>
             </a:fld>
             <a:endParaRPr lang="zh-CN" altLang="en-US"/>
           </a:p>
@@ -3484,7 +3484,7 @@
           <a:p>
             <a:fld id="{D997B5FA-0921-464F-AAE1-844C04324D75}" type="datetimeFigureOut">
               <a:rPr lang="zh-CN" altLang="en-US" smtClean="0"/>
-              <a:t>2023/10/28</a:t>
+              <a:t>2023/11/12</a:t>
             </a:fld>
             <a:endParaRPr lang="zh-CN" altLang="en-US"/>
           </a:p>
@@ -3713,7 +3713,7 @@
           <a:p>
             <a:fld id="{D997B5FA-0921-464F-AAE1-844C04324D75}" type="datetimeFigureOut">
               <a:rPr lang="zh-CN" altLang="en-US" smtClean="0"/>
-              <a:t>2023/10/28</a:t>
+              <a:t>2023/11/12</a:t>
             </a:fld>
             <a:endParaRPr lang="zh-CN" altLang="en-US"/>
           </a:p>
@@ -4077,7 +4077,7 @@
           <a:p>
             <a:fld id="{D997B5FA-0921-464F-AAE1-844C04324D75}" type="datetimeFigureOut">
               <a:rPr lang="zh-CN" altLang="en-US" smtClean="0"/>
-              <a:t>2023/10/28</a:t>
+              <a:t>2023/11/12</a:t>
             </a:fld>
             <a:endParaRPr lang="zh-CN" altLang="en-US"/>
           </a:p>
@@ -4194,7 +4194,7 @@
           <a:p>
             <a:fld id="{D997B5FA-0921-464F-AAE1-844C04324D75}" type="datetimeFigureOut">
               <a:rPr lang="zh-CN" altLang="en-US" smtClean="0"/>
-              <a:t>2023/10/28</a:t>
+              <a:t>2023/11/12</a:t>
             </a:fld>
             <a:endParaRPr lang="zh-CN" altLang="en-US"/>
           </a:p>
@@ -4289,7 +4289,7 @@
           <a:p>
             <a:fld id="{D997B5FA-0921-464F-AAE1-844C04324D75}" type="datetimeFigureOut">
               <a:rPr lang="zh-CN" altLang="en-US" smtClean="0"/>
-              <a:t>2023/10/28</a:t>
+              <a:t>2023/11/12</a:t>
             </a:fld>
             <a:endParaRPr lang="zh-CN" altLang="en-US"/>
           </a:p>
@@ -4564,7 +4564,7 @@
           <a:p>
             <a:fld id="{D997B5FA-0921-464F-AAE1-844C04324D75}" type="datetimeFigureOut">
               <a:rPr lang="zh-CN" altLang="en-US" smtClean="0"/>
-              <a:t>2023/10/28</a:t>
+              <a:t>2023/11/12</a:t>
             </a:fld>
             <a:endParaRPr lang="zh-CN" altLang="en-US"/>
           </a:p>
@@ -4816,7 +4816,7 @@
           <a:p>
             <a:fld id="{D997B5FA-0921-464F-AAE1-844C04324D75}" type="datetimeFigureOut">
               <a:rPr lang="zh-CN" altLang="en-US" smtClean="0"/>
-              <a:t>2023/10/28</a:t>
+              <a:t>2023/11/12</a:t>
             </a:fld>
             <a:endParaRPr lang="zh-CN" altLang="en-US"/>
           </a:p>
@@ -5027,7 +5027,7 @@
           <a:p>
             <a:fld id="{D997B5FA-0921-464F-AAE1-844C04324D75}" type="datetimeFigureOut">
               <a:rPr lang="zh-CN" altLang="en-US" smtClean="0"/>
-              <a:t>2023/10/28</a:t>
+              <a:t>2023/11/12</a:t>
             </a:fld>
             <a:endParaRPr lang="zh-CN" altLang="en-US"/>
           </a:p>
@@ -8434,7 +8434,7 @@
         </p:nvSpPr>
         <p:spPr>
           <a:xfrm>
-            <a:off x="3669632" y="1293395"/>
+            <a:off x="4433639" y="944478"/>
             <a:ext cx="1383631" cy="673768"/>
           </a:xfrm>
           <a:prstGeom prst="rect">
@@ -8483,7 +8483,7 @@
         </p:nvSpPr>
         <p:spPr>
           <a:xfrm>
-            <a:off x="2544678" y="1445613"/>
+            <a:off x="3308685" y="1096696"/>
             <a:ext cx="646331" cy="369332"/>
           </a:xfrm>
           <a:prstGeom prst="rect">
@@ -8518,7 +8518,7 @@
         </p:nvSpPr>
         <p:spPr>
           <a:xfrm>
-            <a:off x="5600699" y="1445613"/>
+            <a:off x="6364706" y="1096696"/>
             <a:ext cx="646331" cy="369332"/>
           </a:xfrm>
           <a:prstGeom prst="rect">
@@ -8555,7 +8555,7 @@
         </p:nvCxnSpPr>
         <p:spPr>
           <a:xfrm>
-            <a:off x="3191009" y="1630279"/>
+            <a:off x="3955016" y="1281362"/>
             <a:ext cx="436512" cy="0"/>
           </a:xfrm>
           <a:prstGeom prst="straightConnector1">
@@ -8594,7 +8594,7 @@
         </p:nvCxnSpPr>
         <p:spPr>
           <a:xfrm>
-            <a:off x="5053263" y="1630279"/>
+            <a:off x="5817270" y="1281362"/>
             <a:ext cx="436512" cy="0"/>
           </a:xfrm>
           <a:prstGeom prst="straightConnector1">
@@ -8636,7 +8636,7 @@
         </p:nvCxnSpPr>
         <p:spPr>
           <a:xfrm rot="16200000" flipV="1">
-            <a:off x="5066548" y="588295"/>
+            <a:off x="5830555" y="239378"/>
             <a:ext cx="152218" cy="1562417"/>
           </a:xfrm>
           <a:prstGeom prst="bentConnector3">
@@ -8677,7 +8677,7 @@
         </p:nvSpPr>
         <p:spPr>
           <a:xfrm>
-            <a:off x="4601857" y="770173"/>
+            <a:off x="5365864" y="421256"/>
             <a:ext cx="902811" cy="307777"/>
           </a:xfrm>
           <a:prstGeom prst="rect">
@@ -8699,6 +8699,452 @@
               </a:rPr>
               <a:t>效果反馈</a:t>
             </a:r>
+          </a:p>
+        </p:txBody>
+      </p:sp>
+      <p:sp>
+        <p:nvSpPr>
+          <p:cNvPr id="3" name="椭圆 2">
+            <a:extLst>
+              <a:ext uri="{FF2B5EF4-FFF2-40B4-BE49-F238E27FC236}">
+                <a16:creationId xmlns:a16="http://schemas.microsoft.com/office/drawing/2014/main" id="{7BFDA01F-8F78-CF48-CAAA-25B80898DDD1}"/>
+              </a:ext>
+            </a:extLst>
+          </p:cNvPr>
+          <p:cNvSpPr/>
+          <p:nvPr/>
+        </p:nvSpPr>
+        <p:spPr>
+          <a:xfrm>
+            <a:off x="5322933" y="2484300"/>
+            <a:ext cx="3080305" cy="3080305"/>
+          </a:xfrm>
+          <a:prstGeom prst="ellipse">
+            <a:avLst/>
+          </a:prstGeom>
+          <a:solidFill>
+            <a:schemeClr val="accent6">
+              <a:lumMod val="20000"/>
+              <a:lumOff val="80000"/>
+              <a:alpha val="82000"/>
+            </a:schemeClr>
+          </a:solidFill>
+        </p:spPr>
+        <p:style>
+          <a:lnRef idx="1">
+            <a:schemeClr val="accent6"/>
+          </a:lnRef>
+          <a:fillRef idx="2">
+            <a:schemeClr val="accent6"/>
+          </a:fillRef>
+          <a:effectRef idx="1">
+            <a:schemeClr val="accent6"/>
+          </a:effectRef>
+          <a:fontRef idx="minor">
+            <a:schemeClr val="dk1"/>
+          </a:fontRef>
+        </p:style>
+        <p:txBody>
+          <a:bodyPr rtlCol="0" anchor="ctr"/>
+          <a:lstStyle/>
+          <a:p>
+            <a:pPr algn="ctr"/>
+            <a:endParaRPr lang="zh-CN" altLang="en-US"/>
+          </a:p>
+        </p:txBody>
+      </p:sp>
+      <p:sp>
+        <p:nvSpPr>
+          <p:cNvPr id="2" name="椭圆 1">
+            <a:extLst>
+              <a:ext uri="{FF2B5EF4-FFF2-40B4-BE49-F238E27FC236}">
+                <a16:creationId xmlns:a16="http://schemas.microsoft.com/office/drawing/2014/main" id="{E85C7642-FE9C-5183-9781-C15271DF9004}"/>
+              </a:ext>
+            </a:extLst>
+          </p:cNvPr>
+          <p:cNvSpPr/>
+          <p:nvPr/>
+        </p:nvSpPr>
+        <p:spPr>
+          <a:xfrm>
+            <a:off x="3343739" y="2484300"/>
+            <a:ext cx="3080305" cy="3080305"/>
+          </a:xfrm>
+          <a:prstGeom prst="ellipse">
+            <a:avLst/>
+          </a:prstGeom>
+          <a:solidFill>
+            <a:schemeClr val="accent5">
+              <a:lumMod val="20000"/>
+              <a:lumOff val="80000"/>
+              <a:alpha val="61000"/>
+            </a:schemeClr>
+          </a:solidFill>
+          <a:ln w="9525">
+            <a:solidFill>
+              <a:schemeClr val="accent5">
+                <a:lumMod val="40000"/>
+                <a:lumOff val="60000"/>
+              </a:schemeClr>
+            </a:solidFill>
+          </a:ln>
+        </p:spPr>
+        <p:style>
+          <a:lnRef idx="2">
+            <a:schemeClr val="accent1">
+              <a:shade val="15000"/>
+            </a:schemeClr>
+          </a:lnRef>
+          <a:fillRef idx="1">
+            <a:schemeClr val="accent1"/>
+          </a:fillRef>
+          <a:effectRef idx="0">
+            <a:schemeClr val="accent1"/>
+          </a:effectRef>
+          <a:fontRef idx="minor">
+            <a:schemeClr val="lt1"/>
+          </a:fontRef>
+        </p:style>
+        <p:txBody>
+          <a:bodyPr rtlCol="0" anchor="ctr"/>
+          <a:lstStyle/>
+          <a:p>
+            <a:pPr algn="ctr"/>
+            <a:endParaRPr lang="zh-CN" altLang="en-US"/>
+          </a:p>
+        </p:txBody>
+      </p:sp>
+      <p:sp>
+        <p:nvSpPr>
+          <p:cNvPr id="7" name="文本框 6">
+            <a:extLst>
+              <a:ext uri="{FF2B5EF4-FFF2-40B4-BE49-F238E27FC236}">
+                <a16:creationId xmlns:a16="http://schemas.microsoft.com/office/drawing/2014/main" id="{8B977A52-EEAC-256E-37B3-D1DCEC8ACC28}"/>
+              </a:ext>
+            </a:extLst>
+          </p:cNvPr>
+          <p:cNvSpPr txBox="1"/>
+          <p:nvPr/>
+        </p:nvSpPr>
+        <p:spPr>
+          <a:xfrm>
+            <a:off x="5587270" y="3438514"/>
+            <a:ext cx="669286" cy="894732"/>
+          </a:xfrm>
+          <a:prstGeom prst="rect">
+            <a:avLst/>
+          </a:prstGeom>
+          <a:noFill/>
+        </p:spPr>
+        <p:txBody>
+          <a:bodyPr wrap="none" rtlCol="0">
+            <a:spAutoFit/>
+          </a:bodyPr>
+          <a:lstStyle/>
+          <a:p>
+            <a:pPr algn="ctr">
+              <a:lnSpc>
+                <a:spcPct val="150000"/>
+              </a:lnSpc>
+            </a:pPr>
+            <a:r>
+              <a:rPr lang="en-US" altLang="zh-CN" sz="1200" dirty="0"/>
+              <a:t>Logs</a:t>
+            </a:r>
+          </a:p>
+          <a:p>
+            <a:pPr algn="ctr">
+              <a:lnSpc>
+                <a:spcPct val="150000"/>
+              </a:lnSpc>
+            </a:pPr>
+            <a:r>
+              <a:rPr lang="en-US" altLang="zh-CN" sz="1200" dirty="0"/>
+              <a:t>Alerts</a:t>
+            </a:r>
+          </a:p>
+          <a:p>
+            <a:pPr algn="ctr">
+              <a:lnSpc>
+                <a:spcPct val="150000"/>
+              </a:lnSpc>
+            </a:pPr>
+            <a:r>
+              <a:rPr lang="en-US" altLang="zh-CN" sz="1200" dirty="0"/>
+              <a:t>Reports</a:t>
+            </a:r>
+            <a:endParaRPr lang="zh-CN" altLang="en-US" sz="1200" dirty="0"/>
+          </a:p>
+        </p:txBody>
+      </p:sp>
+      <p:sp>
+        <p:nvSpPr>
+          <p:cNvPr id="13" name="文本框 12">
+            <a:extLst>
+              <a:ext uri="{FF2B5EF4-FFF2-40B4-BE49-F238E27FC236}">
+                <a16:creationId xmlns:a16="http://schemas.microsoft.com/office/drawing/2014/main" id="{08E8D917-0D6F-B3C7-8695-511B4F31A2CD}"/>
+              </a:ext>
+            </a:extLst>
+          </p:cNvPr>
+          <p:cNvSpPr txBox="1"/>
+          <p:nvPr/>
+        </p:nvSpPr>
+        <p:spPr>
+          <a:xfrm>
+            <a:off x="6435159" y="3348029"/>
+            <a:ext cx="1536190" cy="1448730"/>
+          </a:xfrm>
+          <a:prstGeom prst="rect">
+            <a:avLst/>
+          </a:prstGeom>
+          <a:noFill/>
+        </p:spPr>
+        <p:txBody>
+          <a:bodyPr wrap="none" rtlCol="0">
+            <a:spAutoFit/>
+          </a:bodyPr>
+          <a:lstStyle>
+            <a:defPPr>
+              <a:defRPr lang="zh-CN"/>
+            </a:defPPr>
+            <a:lvl1pPr algn="ctr">
+              <a:defRPr sz="1200"/>
+            </a:lvl1pPr>
+          </a:lstStyle>
+          <a:p>
+            <a:pPr>
+              <a:lnSpc>
+                <a:spcPct val="150000"/>
+              </a:lnSpc>
+            </a:pPr>
+            <a:r>
+              <a:rPr lang="zh-CN" altLang="en-US" dirty="0"/>
+              <a:t>Threat Hunting</a:t>
+            </a:r>
+            <a:endParaRPr lang="en-US" altLang="zh-CN" dirty="0"/>
+          </a:p>
+          <a:p>
+            <a:pPr>
+              <a:lnSpc>
+                <a:spcPct val="150000"/>
+              </a:lnSpc>
+            </a:pPr>
+            <a:r>
+              <a:rPr lang="zh-CN" altLang="en-US" dirty="0"/>
+              <a:t>Threat Research</a:t>
+            </a:r>
+            <a:endParaRPr lang="en-US" altLang="zh-CN" dirty="0"/>
+          </a:p>
+          <a:p>
+            <a:pPr>
+              <a:lnSpc>
+                <a:spcPct val="150000"/>
+              </a:lnSpc>
+            </a:pPr>
+            <a:r>
+              <a:rPr lang="zh-CN" altLang="en-US" dirty="0"/>
+              <a:t>Behavior Analysis</a:t>
+            </a:r>
+            <a:endParaRPr lang="en-US" altLang="zh-CN" dirty="0"/>
+          </a:p>
+          <a:p>
+            <a:pPr>
+              <a:lnSpc>
+                <a:spcPct val="150000"/>
+              </a:lnSpc>
+            </a:pPr>
+            <a:r>
+              <a:rPr lang="zh-CN" altLang="en-US" dirty="0"/>
+              <a:t>Forensic Investigation</a:t>
+            </a:r>
+            <a:endParaRPr lang="en-US" altLang="zh-CN" dirty="0"/>
+          </a:p>
+          <a:p>
+            <a:pPr>
+              <a:lnSpc>
+                <a:spcPct val="150000"/>
+              </a:lnSpc>
+            </a:pPr>
+            <a:r>
+              <a:rPr lang="zh-CN" altLang="en-US" dirty="0"/>
+              <a:t>Incident Response</a:t>
+            </a:r>
+          </a:p>
+        </p:txBody>
+      </p:sp>
+      <p:sp>
+        <p:nvSpPr>
+          <p:cNvPr id="15" name="文本框 14">
+            <a:extLst>
+              <a:ext uri="{FF2B5EF4-FFF2-40B4-BE49-F238E27FC236}">
+                <a16:creationId xmlns:a16="http://schemas.microsoft.com/office/drawing/2014/main" id="{AC3EDD25-172A-94D2-3179-3BAA199D10D0}"/>
+              </a:ext>
+            </a:extLst>
+          </p:cNvPr>
+          <p:cNvSpPr txBox="1"/>
+          <p:nvPr/>
+        </p:nvSpPr>
+        <p:spPr>
+          <a:xfrm>
+            <a:off x="3324235" y="3348029"/>
+            <a:ext cx="2165540" cy="1448730"/>
+          </a:xfrm>
+          <a:prstGeom prst="rect">
+            <a:avLst/>
+          </a:prstGeom>
+          <a:noFill/>
+        </p:spPr>
+        <p:txBody>
+          <a:bodyPr wrap="square">
+            <a:spAutoFit/>
+          </a:bodyPr>
+          <a:lstStyle/>
+          <a:p>
+            <a:pPr algn="ctr">
+              <a:lnSpc>
+                <a:spcPct val="150000"/>
+              </a:lnSpc>
+            </a:pPr>
+            <a:r>
+              <a:rPr lang="zh-CN" altLang="en-US" sz="1200" dirty="0"/>
+              <a:t>24x7 Threat Monitoring</a:t>
+            </a:r>
+            <a:endParaRPr lang="en-US" altLang="zh-CN" sz="1200" dirty="0"/>
+          </a:p>
+          <a:p>
+            <a:pPr algn="ctr">
+              <a:lnSpc>
+                <a:spcPct val="150000"/>
+              </a:lnSpc>
+            </a:pPr>
+            <a:r>
+              <a:rPr lang="zh-CN" altLang="en-US" sz="1200" dirty="0"/>
+              <a:t>Managed Security Devices</a:t>
+            </a:r>
+            <a:endParaRPr lang="en-US" altLang="zh-CN" sz="1200" dirty="0"/>
+          </a:p>
+          <a:p>
+            <a:pPr algn="ctr">
+              <a:lnSpc>
+                <a:spcPct val="150000"/>
+              </a:lnSpc>
+            </a:pPr>
+            <a:r>
+              <a:rPr lang="zh-CN" altLang="en-US" sz="1200" dirty="0"/>
+              <a:t>Threat Analysis (Tier 1&amp;2)</a:t>
+            </a:r>
+            <a:endParaRPr lang="en-US" altLang="zh-CN" sz="1200" dirty="0"/>
+          </a:p>
+          <a:p>
+            <a:pPr algn="ctr">
+              <a:lnSpc>
+                <a:spcPct val="150000"/>
+              </a:lnSpc>
+            </a:pPr>
+            <a:r>
+              <a:rPr lang="zh-CN" altLang="en-US" sz="1200" dirty="0"/>
+              <a:t>Mitigation &amp; Remediation</a:t>
+            </a:r>
+            <a:endParaRPr lang="en-US" altLang="zh-CN" sz="1200" dirty="0"/>
+          </a:p>
+          <a:p>
+            <a:pPr algn="ctr">
+              <a:lnSpc>
+                <a:spcPct val="150000"/>
+              </a:lnSpc>
+            </a:pPr>
+            <a:r>
+              <a:rPr lang="zh-CN" altLang="en-US" sz="1200" dirty="0"/>
+              <a:t>(Tier 1&amp;2)</a:t>
+            </a:r>
+          </a:p>
+        </p:txBody>
+      </p:sp>
+      <p:sp>
+        <p:nvSpPr>
+          <p:cNvPr id="16" name="文本框 15">
+            <a:extLst>
+              <a:ext uri="{FF2B5EF4-FFF2-40B4-BE49-F238E27FC236}">
+                <a16:creationId xmlns:a16="http://schemas.microsoft.com/office/drawing/2014/main" id="{8E735946-7139-EE5A-BF83-4C16F7D8CC13}"/>
+              </a:ext>
+            </a:extLst>
+          </p:cNvPr>
+          <p:cNvSpPr txBox="1"/>
+          <p:nvPr/>
+        </p:nvSpPr>
+        <p:spPr>
+          <a:xfrm>
+            <a:off x="4478230" y="2828686"/>
+            <a:ext cx="712054" cy="369332"/>
+          </a:xfrm>
+          <a:prstGeom prst="rect">
+            <a:avLst/>
+          </a:prstGeom>
+          <a:noFill/>
+        </p:spPr>
+        <p:txBody>
+          <a:bodyPr wrap="none" rtlCol="0">
+            <a:spAutoFit/>
+          </a:bodyPr>
+          <a:lstStyle/>
+          <a:p>
+            <a:r>
+              <a:rPr lang="en-US" altLang="zh-CN" dirty="0">
+                <a:solidFill>
+                  <a:srgbClr val="FF0000"/>
+                </a:solidFill>
+              </a:rPr>
+              <a:t>MSSP</a:t>
+            </a:r>
+            <a:endParaRPr lang="zh-CN" altLang="en-US" dirty="0">
+              <a:solidFill>
+                <a:srgbClr val="FF0000"/>
+              </a:solidFill>
+            </a:endParaRPr>
+          </a:p>
+        </p:txBody>
+      </p:sp>
+      <p:sp>
+        <p:nvSpPr>
+          <p:cNvPr id="17" name="文本框 16">
+            <a:extLst>
+              <a:ext uri="{FF2B5EF4-FFF2-40B4-BE49-F238E27FC236}">
+                <a16:creationId xmlns:a16="http://schemas.microsoft.com/office/drawing/2014/main" id="{E7C981BD-D5DD-78C1-BA1B-FDA7A2A48AEB}"/>
+              </a:ext>
+            </a:extLst>
+          </p:cNvPr>
+          <p:cNvSpPr txBox="1"/>
+          <p:nvPr/>
+        </p:nvSpPr>
+        <p:spPr>
+          <a:xfrm>
+            <a:off x="6587282" y="2828686"/>
+            <a:ext cx="649537" cy="369332"/>
+          </a:xfrm>
+          <a:prstGeom prst="rect">
+            <a:avLst/>
+          </a:prstGeom>
+          <a:noFill/>
+        </p:spPr>
+        <p:txBody>
+          <a:bodyPr wrap="none" rtlCol="0">
+            <a:spAutoFit/>
+          </a:bodyPr>
+          <a:lstStyle/>
+          <a:p>
+            <a:r>
+              <a:rPr lang="en-US" altLang="zh-CN" dirty="0">
+                <a:solidFill>
+                  <a:srgbClr val="FF0000"/>
+                </a:solidFill>
+              </a:rPr>
+              <a:t>MDR</a:t>
+            </a:r>
+            <a:endParaRPr lang="zh-CN" altLang="en-US" dirty="0">
+              <a:solidFill>
+                <a:srgbClr val="FF0000"/>
+              </a:solidFill>
+            </a:endParaRPr>
           </a:p>
         </p:txBody>
       </p:sp>

--- a/images/2023/画图.pptx
+++ b/images/2023/画图.pptx
@@ -9074,8 +9074,8 @@
         </p:nvSpPr>
         <p:spPr>
           <a:xfrm>
-            <a:off x="4478230" y="2828686"/>
-            <a:ext cx="712054" cy="369332"/>
+            <a:off x="4496278" y="2828686"/>
+            <a:ext cx="593432" cy="369332"/>
           </a:xfrm>
           <a:prstGeom prst="rect">
             <a:avLst/>
@@ -9094,7 +9094,7 @@
                   <a:srgbClr val="FF0000"/>
                 </a:solidFill>
               </a:rPr>
-              <a:t>MSSP</a:t>
+              <a:t>MSS</a:t>
             </a:r>
             <a:endParaRPr lang="zh-CN" altLang="en-US" dirty="0">
               <a:solidFill>
